--- a/GitHub_win7/Git Branching Example - Lesson3.pptx
+++ b/GitHub_win7/Git Branching Example - Lesson3.pptx
@@ -249,7 +249,7 @@
           <a:p>
             <a:fld id="{696B610F-1BCF-4E6C-A467-DBFDBF323FD6}" type="datetimeFigureOut">
               <a:rPr lang="en-US" smtClean="0"/>
-              <a:t>11/25/2016</a:t>
+              <a:t>11/26/2016</a:t>
             </a:fld>
             <a:endParaRPr lang="en-US"/>
           </a:p>
@@ -419,7 +419,7 @@
           <a:p>
             <a:fld id="{696B610F-1BCF-4E6C-A467-DBFDBF323FD6}" type="datetimeFigureOut">
               <a:rPr lang="en-US" smtClean="0"/>
-              <a:t>11/25/2016</a:t>
+              <a:t>11/26/2016</a:t>
             </a:fld>
             <a:endParaRPr lang="en-US"/>
           </a:p>
@@ -599,7 +599,7 @@
           <a:p>
             <a:fld id="{696B610F-1BCF-4E6C-A467-DBFDBF323FD6}" type="datetimeFigureOut">
               <a:rPr lang="en-US" smtClean="0"/>
-              <a:t>11/25/2016</a:t>
+              <a:t>11/26/2016</a:t>
             </a:fld>
             <a:endParaRPr lang="en-US"/>
           </a:p>
@@ -769,7 +769,7 @@
           <a:p>
             <a:fld id="{696B610F-1BCF-4E6C-A467-DBFDBF323FD6}" type="datetimeFigureOut">
               <a:rPr lang="en-US" smtClean="0"/>
-              <a:t>11/25/2016</a:t>
+              <a:t>11/26/2016</a:t>
             </a:fld>
             <a:endParaRPr lang="en-US"/>
           </a:p>
@@ -1015,7 +1015,7 @@
           <a:p>
             <a:fld id="{696B610F-1BCF-4E6C-A467-DBFDBF323FD6}" type="datetimeFigureOut">
               <a:rPr lang="en-US" smtClean="0"/>
-              <a:t>11/25/2016</a:t>
+              <a:t>11/26/2016</a:t>
             </a:fld>
             <a:endParaRPr lang="en-US"/>
           </a:p>
@@ -1247,7 +1247,7 @@
           <a:p>
             <a:fld id="{696B610F-1BCF-4E6C-A467-DBFDBF323FD6}" type="datetimeFigureOut">
               <a:rPr lang="en-US" smtClean="0"/>
-              <a:t>11/25/2016</a:t>
+              <a:t>11/26/2016</a:t>
             </a:fld>
             <a:endParaRPr lang="en-US"/>
           </a:p>
@@ -1614,7 +1614,7 @@
           <a:p>
             <a:fld id="{696B610F-1BCF-4E6C-A467-DBFDBF323FD6}" type="datetimeFigureOut">
               <a:rPr lang="en-US" smtClean="0"/>
-              <a:t>11/25/2016</a:t>
+              <a:t>11/26/2016</a:t>
             </a:fld>
             <a:endParaRPr lang="en-US"/>
           </a:p>
@@ -1732,7 +1732,7 @@
           <a:p>
             <a:fld id="{696B610F-1BCF-4E6C-A467-DBFDBF323FD6}" type="datetimeFigureOut">
               <a:rPr lang="en-US" smtClean="0"/>
-              <a:t>11/25/2016</a:t>
+              <a:t>11/26/2016</a:t>
             </a:fld>
             <a:endParaRPr lang="en-US"/>
           </a:p>
@@ -1827,7 +1827,7 @@
           <a:p>
             <a:fld id="{696B610F-1BCF-4E6C-A467-DBFDBF323FD6}" type="datetimeFigureOut">
               <a:rPr lang="en-US" smtClean="0"/>
-              <a:t>11/25/2016</a:t>
+              <a:t>11/26/2016</a:t>
             </a:fld>
             <a:endParaRPr lang="en-US"/>
           </a:p>
@@ -2104,7 +2104,7 @@
           <a:p>
             <a:fld id="{696B610F-1BCF-4E6C-A467-DBFDBF323FD6}" type="datetimeFigureOut">
               <a:rPr lang="en-US" smtClean="0"/>
-              <a:t>11/25/2016</a:t>
+              <a:t>11/26/2016</a:t>
             </a:fld>
             <a:endParaRPr lang="en-US"/>
           </a:p>
@@ -2357,7 +2357,7 @@
           <a:p>
             <a:fld id="{696B610F-1BCF-4E6C-A467-DBFDBF323FD6}" type="datetimeFigureOut">
               <a:rPr lang="en-US" smtClean="0"/>
-              <a:t>11/25/2016</a:t>
+              <a:t>11/26/2016</a:t>
             </a:fld>
             <a:endParaRPr lang="en-US"/>
           </a:p>
@@ -2570,7 +2570,7 @@
           <a:p>
             <a:fld id="{696B610F-1BCF-4E6C-A467-DBFDBF323FD6}" type="datetimeFigureOut">
               <a:rPr lang="en-US" smtClean="0"/>
-              <a:t>11/25/2016</a:t>
+              <a:t>11/26/2016</a:t>
             </a:fld>
             <a:endParaRPr lang="en-US"/>
           </a:p>
@@ -4657,6 +4657,13 @@
   <p:clrMapOvr>
     <a:masterClrMapping/>
   </p:clrMapOvr>
+  <p:timing>
+    <p:tnLst>
+      <p:par>
+        <p:cTn id="1" dur="indefinite" restart="never" nodeType="tmRoot"/>
+      </p:par>
+    </p:tnLst>
+  </p:timing>
 </p:sld>
 </file>
 
@@ -5733,6 +5740,13 @@
   <p:clrMapOvr>
     <a:masterClrMapping/>
   </p:clrMapOvr>
+  <p:timing>
+    <p:tnLst>
+      <p:par>
+        <p:cTn id="1" dur="indefinite" restart="never" nodeType="tmRoot"/>
+      </p:par>
+    </p:tnLst>
+  </p:timing>
 </p:sld>
 </file>
 
@@ -5766,7 +5780,7 @@
         <p:spPr>
           <a:xfrm>
             <a:off x="838200" y="129152"/>
-            <a:ext cx="10515600" cy="608268"/>
+            <a:ext cx="10990006" cy="608268"/>
           </a:xfrm>
         </p:spPr>
         <p:txBody>
@@ -5781,7 +5795,11 @@
             </a:r>
             <a:r>
               <a:rPr lang="en-US" dirty="0" smtClean="0"/>
-              <a:t> Branch</a:t>
+              <a:t> </a:t>
+            </a:r>
+            <a:r>
+              <a:rPr lang="en-US" dirty="0" smtClean="0"/>
+              <a:t>Branch (has all working edits)</a:t>
             </a:r>
             <a:endParaRPr lang="en-US" dirty="0"/>
           </a:p>
@@ -5886,6 +5904,13 @@
   <p:clrMapOvr>
     <a:masterClrMapping/>
   </p:clrMapOvr>
+  <p:timing>
+    <p:tnLst>
+      <p:par>
+        <p:cTn id="1" dur="indefinite" restart="never" nodeType="tmRoot"/>
+      </p:par>
+    </p:tnLst>
+  </p:timing>
 </p:sld>
 </file>
 
@@ -5929,16 +5954,19 @@
           <a:lstStyle/>
           <a:p>
             <a:r>
-              <a:rPr lang="en-US" dirty="0" err="1" smtClean="0"/>
-              <a:t>contentAsMarkdown</a:t>
-            </a:r>
-            <a:r>
               <a:rPr lang="en-US" dirty="0" smtClean="0"/>
-              <a:t> </a:t>
+              <a:t>master</a:t>
             </a:r>
             <a:r>
               <a:rPr lang="en-US" dirty="0" smtClean="0"/>
-              <a:t>Branch</a:t>
+              <a:t> Branch </a:t>
+            </a:r>
+            <a:br>
+              <a:rPr lang="en-US" dirty="0" smtClean="0"/>
+            </a:br>
+            <a:r>
+              <a:rPr lang="en-US" dirty="0" smtClean="0"/>
+              <a:t>(content as it was before edits in new branch)</a:t>
             </a:r>
             <a:endParaRPr lang="en-US" dirty="0"/>
           </a:p>
@@ -5956,8 +5984,8 @@
         </p:nvSpPr>
         <p:spPr>
           <a:xfrm>
-            <a:off x="838200" y="2135333"/>
-            <a:ext cx="10515600" cy="4351338"/>
+            <a:off x="838200" y="2268068"/>
+            <a:ext cx="10515600" cy="4589931"/>
           </a:xfrm>
         </p:spPr>
         <p:txBody>
@@ -6009,23 +6037,15 @@
             </a:r>
             <a:r>
               <a:rPr lang="en-US" dirty="0" smtClean="0"/>
-              <a:t>to switch back to </a:t>
+              <a:t>to switch back to working </a:t>
             </a:r>
             <a:r>
               <a:rPr lang="en-US" dirty="0" smtClean="0"/>
-              <a:t>working </a:t>
+              <a:t>branch (with all new edits) </a:t>
             </a:r>
             <a:r>
               <a:rPr lang="en-US" dirty="0" smtClean="0"/>
-              <a:t>branch </a:t>
-            </a:r>
-            <a:r>
-              <a:rPr lang="en-US" dirty="0" smtClean="0"/>
-              <a:t>… This </a:t>
-            </a:r>
-            <a:r>
-              <a:rPr lang="en-US" dirty="0" smtClean="0"/>
-              <a:t>is just a test to illustrate the two branches</a:t>
+              <a:t>… This is just a test to illustrate the two branches</a:t>
             </a:r>
             <a:endParaRPr lang="en-US" dirty="0"/>
           </a:p>
@@ -6047,7 +6067,7 @@
         </p:blipFill>
         <p:spPr>
           <a:xfrm>
-            <a:off x="838200" y="865699"/>
+            <a:off x="897192" y="1042675"/>
             <a:ext cx="7534275" cy="4448175"/>
           </a:xfrm>
           <a:prstGeom prst="rect">
@@ -6065,6 +6085,13 @@
   <p:clrMapOvr>
     <a:masterClrMapping/>
   </p:clrMapOvr>
+  <p:timing>
+    <p:tnLst>
+      <p:par>
+        <p:cTn id="1" dur="indefinite" restart="never" nodeType="tmRoot"/>
+      </p:par>
+    </p:tnLst>
+  </p:timing>
 </p:sld>
 </file>
 

--- a/GitHub_win7/Git Branching Example - Lesson3.pptx
+++ b/GitHub_win7/Git Branching Example - Lesson3.pptx
@@ -12,6 +12,10 @@
     <p:sldId id="260" r:id="rId6"/>
     <p:sldId id="261" r:id="rId7"/>
     <p:sldId id="262" r:id="rId8"/>
+    <p:sldId id="263" r:id="rId9"/>
+    <p:sldId id="264" r:id="rId10"/>
+    <p:sldId id="266" r:id="rId11"/>
+    <p:sldId id="265" r:id="rId12"/>
   </p:sldIdLst>
   <p:sldSz cx="12192000" cy="6858000"/>
   <p:notesSz cx="6858000" cy="9144000"/>
@@ -3038,6 +3042,3192 @@
 </p:sld>
 </file>
 
+<file path=ppt/slides/slide10.xml><?xml version="1.0" encoding="utf-8"?>
+<p:sld xmlns:a="http://schemas.openxmlformats.org/drawingml/2006/main" xmlns:r="http://schemas.openxmlformats.org/officeDocument/2006/relationships" xmlns:p="http://schemas.openxmlformats.org/presentationml/2006/main">
+  <p:cSld>
+    <p:spTree>
+      <p:nvGrpSpPr>
+        <p:cNvPr id="1" name=""/>
+        <p:cNvGrpSpPr/>
+        <p:nvPr/>
+      </p:nvGrpSpPr>
+      <p:grpSpPr>
+        <a:xfrm>
+          <a:off x="0" y="0"/>
+          <a:ext cx="0" cy="0"/>
+          <a:chOff x="0" y="0"/>
+          <a:chExt cx="0" cy="0"/>
+        </a:xfrm>
+      </p:grpSpPr>
+      <p:sp>
+        <p:nvSpPr>
+          <p:cNvPr id="2" name="Title 1"/>
+          <p:cNvSpPr>
+            <a:spLocks noGrp="1"/>
+          </p:cNvSpPr>
+          <p:nvPr>
+            <p:ph type="title"/>
+          </p:nvPr>
+        </p:nvSpPr>
+        <p:spPr>
+          <a:xfrm>
+            <a:off x="838200" y="1"/>
+            <a:ext cx="10515600" cy="586853"/>
+          </a:xfrm>
+        </p:spPr>
+        <p:txBody>
+          <a:bodyPr>
+            <a:normAutofit fontScale="90000"/>
+          </a:bodyPr>
+          <a:lstStyle/>
+          <a:p>
+            <a:r>
+              <a:rPr lang="en-US" dirty="0" smtClean="0"/>
+              <a:t>Merge commands in Action – Slide 2b</a:t>
+            </a:r>
+            <a:endParaRPr lang="en-US" dirty="0"/>
+          </a:p>
+        </p:txBody>
+      </p:sp>
+      <p:sp>
+        <p:nvSpPr>
+          <p:cNvPr id="3" name="Rectangle 2"/>
+          <p:cNvSpPr>
+            <a:spLocks noChangeAspect="1"/>
+          </p:cNvSpPr>
+          <p:nvPr/>
+        </p:nvSpPr>
+        <p:spPr>
+          <a:xfrm>
+            <a:off x="204509" y="586854"/>
+            <a:ext cx="5717989" cy="6271145"/>
+          </a:xfrm>
+          <a:prstGeom prst="rect">
+            <a:avLst/>
+          </a:prstGeom>
+        </p:spPr>
+        <p:txBody>
+          <a:bodyPr wrap="square">
+            <a:normAutofit fontScale="47500" lnSpcReduction="20000"/>
+          </a:bodyPr>
+          <a:lstStyle/>
+          <a:p>
+            <a:pPr>
+              <a:lnSpc>
+                <a:spcPct val="107000"/>
+              </a:lnSpc>
+            </a:pPr>
+            <a:r>
+              <a:rPr lang="en-US" dirty="0">
+                <a:solidFill>
+                  <a:srgbClr val="00BF00"/>
+                </a:solidFill>
+                <a:latin typeface="Lucida Console" panose="020B0609040504020204" pitchFamily="49" charset="0"/>
+                <a:ea typeface="Calibri" panose="020F0502020204030204" pitchFamily="34" charset="0"/>
+                <a:cs typeface="Lucida Console" panose="020B0609040504020204" pitchFamily="49" charset="0"/>
+              </a:rPr>
+              <a:t>Mitch@Win7-PC </a:t>
+            </a:r>
+            <a:r>
+              <a:rPr lang="en-US" dirty="0">
+                <a:solidFill>
+                  <a:srgbClr val="BF00BF"/>
+                </a:solidFill>
+                <a:latin typeface="Lucida Console" panose="020B0609040504020204" pitchFamily="49" charset="0"/>
+                <a:ea typeface="Calibri" panose="020F0502020204030204" pitchFamily="34" charset="0"/>
+                <a:cs typeface="Lucida Console" panose="020B0609040504020204" pitchFamily="49" charset="0"/>
+              </a:rPr>
+              <a:t>MINGW64 </a:t>
+            </a:r>
+            <a:r>
+              <a:rPr lang="en-US" dirty="0">
+                <a:solidFill>
+                  <a:srgbClr val="BFBF00"/>
+                </a:solidFill>
+                <a:latin typeface="Lucida Console" panose="020B0609040504020204" pitchFamily="49" charset="0"/>
+                <a:ea typeface="Calibri" panose="020F0502020204030204" pitchFamily="34" charset="0"/>
+                <a:cs typeface="Lucida Console" panose="020B0609040504020204" pitchFamily="49" charset="0"/>
+              </a:rPr>
+              <a:t>~/Documents/</a:t>
+            </a:r>
+            <a:r>
+              <a:rPr lang="en-US" dirty="0" err="1">
+                <a:solidFill>
+                  <a:srgbClr val="BFBF00"/>
+                </a:solidFill>
+                <a:latin typeface="Lucida Console" panose="020B0609040504020204" pitchFamily="49" charset="0"/>
+                <a:ea typeface="Calibri" panose="020F0502020204030204" pitchFamily="34" charset="0"/>
+                <a:cs typeface="Lucida Console" panose="020B0609040504020204" pitchFamily="49" charset="0"/>
+              </a:rPr>
+              <a:t>Git_Repo</a:t>
+            </a:r>
+            <a:r>
+              <a:rPr lang="en-US" dirty="0">
+                <a:solidFill>
+                  <a:srgbClr val="BFBF00"/>
+                </a:solidFill>
+                <a:latin typeface="Lucida Console" panose="020B0609040504020204" pitchFamily="49" charset="0"/>
+                <a:ea typeface="Calibri" panose="020F0502020204030204" pitchFamily="34" charset="0"/>
+                <a:cs typeface="Lucida Console" panose="020B0609040504020204" pitchFamily="49" charset="0"/>
+              </a:rPr>
+              <a:t>/</a:t>
+            </a:r>
+            <a:r>
+              <a:rPr lang="en-US" dirty="0" err="1">
+                <a:solidFill>
+                  <a:srgbClr val="BFBF00"/>
+                </a:solidFill>
+                <a:latin typeface="Lucida Console" panose="020B0609040504020204" pitchFamily="49" charset="0"/>
+                <a:ea typeface="Calibri" panose="020F0502020204030204" pitchFamily="34" charset="0"/>
+                <a:cs typeface="Lucida Console" panose="020B0609040504020204" pitchFamily="49" charset="0"/>
+              </a:rPr>
+              <a:t>DevEnv</a:t>
+            </a:r>
+            <a:r>
+              <a:rPr lang="en-US" dirty="0">
+                <a:solidFill>
+                  <a:srgbClr val="BFBF00"/>
+                </a:solidFill>
+                <a:latin typeface="Lucida Console" panose="020B0609040504020204" pitchFamily="49" charset="0"/>
+                <a:ea typeface="Calibri" panose="020F0502020204030204" pitchFamily="34" charset="0"/>
+                <a:cs typeface="Lucida Console" panose="020B0609040504020204" pitchFamily="49" charset="0"/>
+              </a:rPr>
+              <a:t>-</a:t>
+            </a:r>
+            <a:r>
+              <a:rPr lang="en-US" dirty="0" err="1">
+                <a:solidFill>
+                  <a:srgbClr val="BFBF00"/>
+                </a:solidFill>
+                <a:latin typeface="Lucida Console" panose="020B0609040504020204" pitchFamily="49" charset="0"/>
+                <a:ea typeface="Calibri" panose="020F0502020204030204" pitchFamily="34" charset="0"/>
+                <a:cs typeface="Lucida Console" panose="020B0609040504020204" pitchFamily="49" charset="0"/>
+              </a:rPr>
+              <a:t>SetUp</a:t>
+            </a:r>
+            <a:r>
+              <a:rPr lang="en-US" dirty="0">
+                <a:solidFill>
+                  <a:srgbClr val="BFBF00"/>
+                </a:solidFill>
+                <a:latin typeface="Lucida Console" panose="020B0609040504020204" pitchFamily="49" charset="0"/>
+                <a:ea typeface="Calibri" panose="020F0502020204030204" pitchFamily="34" charset="0"/>
+                <a:cs typeface="Lucida Console" panose="020B0609040504020204" pitchFamily="49" charset="0"/>
+              </a:rPr>
+              <a:t>-Help</a:t>
+            </a:r>
+            <a:r>
+              <a:rPr lang="en-US" dirty="0">
+                <a:solidFill>
+                  <a:srgbClr val="00BFBF"/>
+                </a:solidFill>
+                <a:latin typeface="Lucida Console" panose="020B0609040504020204" pitchFamily="49" charset="0"/>
+                <a:ea typeface="Calibri" panose="020F0502020204030204" pitchFamily="34" charset="0"/>
+                <a:cs typeface="Lucida Console" panose="020B0609040504020204" pitchFamily="49" charset="0"/>
+              </a:rPr>
+              <a:t> (master)</a:t>
+            </a:r>
+            <a:endParaRPr lang="en-US" sz="2800" dirty="0">
+              <a:latin typeface="Calibri" panose="020F0502020204030204" pitchFamily="34" charset="0"/>
+              <a:ea typeface="Calibri" panose="020F0502020204030204" pitchFamily="34" charset="0"/>
+              <a:cs typeface="Times New Roman" panose="02020603050405020304" pitchFamily="18" charset="0"/>
+            </a:endParaRPr>
+          </a:p>
+          <a:p>
+            <a:pPr>
+              <a:lnSpc>
+                <a:spcPct val="107000"/>
+              </a:lnSpc>
+            </a:pPr>
+            <a:r>
+              <a:rPr lang="en-US" dirty="0">
+                <a:latin typeface="Lucida Console" panose="020B0609040504020204" pitchFamily="49" charset="0"/>
+                <a:ea typeface="Calibri" panose="020F0502020204030204" pitchFamily="34" charset="0"/>
+                <a:cs typeface="Lucida Console" panose="020B0609040504020204" pitchFamily="49" charset="0"/>
+              </a:rPr>
+              <a:t>$ </a:t>
+            </a:r>
+            <a:r>
+              <a:rPr lang="en-US" dirty="0" err="1">
+                <a:latin typeface="Lucida Console" panose="020B0609040504020204" pitchFamily="49" charset="0"/>
+                <a:ea typeface="Calibri" panose="020F0502020204030204" pitchFamily="34" charset="0"/>
+                <a:cs typeface="Lucida Console" panose="020B0609040504020204" pitchFamily="49" charset="0"/>
+              </a:rPr>
+              <a:t>git</a:t>
+            </a:r>
+            <a:r>
+              <a:rPr lang="en-US" dirty="0">
+                <a:latin typeface="Lucida Console" panose="020B0609040504020204" pitchFamily="49" charset="0"/>
+                <a:ea typeface="Calibri" panose="020F0502020204030204" pitchFamily="34" charset="0"/>
+                <a:cs typeface="Lucida Console" panose="020B0609040504020204" pitchFamily="49" charset="0"/>
+              </a:rPr>
+              <a:t> merge </a:t>
+            </a:r>
+            <a:r>
+              <a:rPr lang="en-US" dirty="0" err="1">
+                <a:latin typeface="Lucida Console" panose="020B0609040504020204" pitchFamily="49" charset="0"/>
+                <a:ea typeface="Calibri" panose="020F0502020204030204" pitchFamily="34" charset="0"/>
+                <a:cs typeface="Lucida Console" panose="020B0609040504020204" pitchFamily="49" charset="0"/>
+              </a:rPr>
+              <a:t>contentAsMarkdown</a:t>
+            </a:r>
+            <a:endParaRPr lang="en-US" sz="2800" dirty="0">
+              <a:latin typeface="Calibri" panose="020F0502020204030204" pitchFamily="34" charset="0"/>
+              <a:ea typeface="Calibri" panose="020F0502020204030204" pitchFamily="34" charset="0"/>
+              <a:cs typeface="Times New Roman" panose="02020603050405020304" pitchFamily="18" charset="0"/>
+            </a:endParaRPr>
+          </a:p>
+          <a:p>
+            <a:pPr>
+              <a:lnSpc>
+                <a:spcPct val="107000"/>
+              </a:lnSpc>
+            </a:pPr>
+            <a:r>
+              <a:rPr lang="en-US" dirty="0">
+                <a:latin typeface="Lucida Console" panose="020B0609040504020204" pitchFamily="49" charset="0"/>
+                <a:ea typeface="Calibri" panose="020F0502020204030204" pitchFamily="34" charset="0"/>
+                <a:cs typeface="Lucida Console" panose="020B0609040504020204" pitchFamily="49" charset="0"/>
+              </a:rPr>
+              <a:t>Updating 83bd28c..57d410a</a:t>
+            </a:r>
+            <a:endParaRPr lang="en-US" sz="2800" dirty="0">
+              <a:latin typeface="Calibri" panose="020F0502020204030204" pitchFamily="34" charset="0"/>
+              <a:ea typeface="Calibri" panose="020F0502020204030204" pitchFamily="34" charset="0"/>
+              <a:cs typeface="Times New Roman" panose="02020603050405020304" pitchFamily="18" charset="0"/>
+            </a:endParaRPr>
+          </a:p>
+          <a:p>
+            <a:pPr>
+              <a:lnSpc>
+                <a:spcPct val="107000"/>
+              </a:lnSpc>
+            </a:pPr>
+            <a:r>
+              <a:rPr lang="en-US" dirty="0">
+                <a:latin typeface="Lucida Console" panose="020B0609040504020204" pitchFamily="49" charset="0"/>
+                <a:ea typeface="Calibri" panose="020F0502020204030204" pitchFamily="34" charset="0"/>
+                <a:cs typeface="Lucida Console" panose="020B0609040504020204" pitchFamily="49" charset="0"/>
+              </a:rPr>
+              <a:t>Fast-forward</a:t>
+            </a:r>
+            <a:endParaRPr lang="en-US" sz="2800" dirty="0">
+              <a:latin typeface="Calibri" panose="020F0502020204030204" pitchFamily="34" charset="0"/>
+              <a:ea typeface="Calibri" panose="020F0502020204030204" pitchFamily="34" charset="0"/>
+              <a:cs typeface="Times New Roman" panose="02020603050405020304" pitchFamily="18" charset="0"/>
+            </a:endParaRPr>
+          </a:p>
+          <a:p>
+            <a:pPr>
+              <a:lnSpc>
+                <a:spcPct val="107000"/>
+              </a:lnSpc>
+            </a:pPr>
+            <a:r>
+              <a:rPr lang="en-US" dirty="0">
+                <a:latin typeface="Lucida Console" panose="020B0609040504020204" pitchFamily="49" charset="0"/>
+                <a:ea typeface="Calibri" panose="020F0502020204030204" pitchFamily="34" charset="0"/>
+                <a:cs typeface="Lucida Console" panose="020B0609040504020204" pitchFamily="49" charset="0"/>
+              </a:rPr>
+              <a:t> .</a:t>
+            </a:r>
+            <a:r>
+              <a:rPr lang="en-US" dirty="0" err="1">
+                <a:latin typeface="Lucida Console" panose="020B0609040504020204" pitchFamily="49" charset="0"/>
+                <a:ea typeface="Calibri" panose="020F0502020204030204" pitchFamily="34" charset="0"/>
+                <a:cs typeface="Lucida Console" panose="020B0609040504020204" pitchFamily="49" charset="0"/>
+              </a:rPr>
+              <a:t>gitignore</a:t>
+            </a:r>
+            <a:r>
+              <a:rPr lang="en-US" dirty="0">
+                <a:latin typeface="Lucida Console" panose="020B0609040504020204" pitchFamily="49" charset="0"/>
+                <a:ea typeface="Calibri" panose="020F0502020204030204" pitchFamily="34" charset="0"/>
+                <a:cs typeface="Lucida Console" panose="020B0609040504020204" pitchFamily="49" charset="0"/>
+              </a:rPr>
+              <a:t>                                         |   5 </a:t>
+            </a:r>
+            <a:r>
+              <a:rPr lang="en-US" dirty="0">
+                <a:solidFill>
+                  <a:srgbClr val="00BF00"/>
+                </a:solidFill>
+                <a:latin typeface="Lucida Console" panose="020B0609040504020204" pitchFamily="49" charset="0"/>
+                <a:ea typeface="Calibri" panose="020F0502020204030204" pitchFamily="34" charset="0"/>
+                <a:cs typeface="Lucida Console" panose="020B0609040504020204" pitchFamily="49" charset="0"/>
+              </a:rPr>
+              <a:t>+</a:t>
+            </a:r>
+            <a:endParaRPr lang="en-US" sz="2800" dirty="0">
+              <a:latin typeface="Calibri" panose="020F0502020204030204" pitchFamily="34" charset="0"/>
+              <a:ea typeface="Calibri" panose="020F0502020204030204" pitchFamily="34" charset="0"/>
+              <a:cs typeface="Times New Roman" panose="02020603050405020304" pitchFamily="18" charset="0"/>
+            </a:endParaRPr>
+          </a:p>
+          <a:p>
+            <a:pPr>
+              <a:lnSpc>
+                <a:spcPct val="107000"/>
+              </a:lnSpc>
+            </a:pPr>
+            <a:r>
+              <a:rPr lang="en-US" dirty="0">
+                <a:latin typeface="Lucida Console" panose="020B0609040504020204" pitchFamily="49" charset="0"/>
+                <a:ea typeface="Calibri" panose="020F0502020204030204" pitchFamily="34" charset="0"/>
+                <a:cs typeface="Lucida Console" panose="020B0609040504020204" pitchFamily="49" charset="0"/>
+              </a:rPr>
+              <a:t> GitHub_win7/</a:t>
+            </a:r>
+            <a:r>
+              <a:rPr lang="en-US" dirty="0" err="1">
+                <a:latin typeface="Lucida Console" panose="020B0609040504020204" pitchFamily="49" charset="0"/>
+                <a:ea typeface="Calibri" panose="020F0502020204030204" pitchFamily="34" charset="0"/>
+                <a:cs typeface="Lucida Console" panose="020B0609040504020204" pitchFamily="49" charset="0"/>
+              </a:rPr>
+              <a:t>Git</a:t>
+            </a:r>
+            <a:r>
+              <a:rPr lang="en-US" dirty="0">
+                <a:latin typeface="Lucida Console" panose="020B0609040504020204" pitchFamily="49" charset="0"/>
+                <a:ea typeface="Calibri" panose="020F0502020204030204" pitchFamily="34" charset="0"/>
+                <a:cs typeface="Lucida Console" panose="020B0609040504020204" pitchFamily="49" charset="0"/>
+              </a:rPr>
+              <a:t> Branching Example - Lesson3.pptx   | Bin </a:t>
+            </a:r>
+            <a:r>
+              <a:rPr lang="en-US" dirty="0">
+                <a:solidFill>
+                  <a:srgbClr val="BF0000"/>
+                </a:solidFill>
+                <a:latin typeface="Lucida Console" panose="020B0609040504020204" pitchFamily="49" charset="0"/>
+                <a:ea typeface="Calibri" panose="020F0502020204030204" pitchFamily="34" charset="0"/>
+                <a:cs typeface="Lucida Console" panose="020B0609040504020204" pitchFamily="49" charset="0"/>
+              </a:rPr>
+              <a:t>0</a:t>
+            </a:r>
+            <a:r>
+              <a:rPr lang="en-US" dirty="0">
+                <a:latin typeface="Lucida Console" panose="020B0609040504020204" pitchFamily="49" charset="0"/>
+                <a:ea typeface="Calibri" panose="020F0502020204030204" pitchFamily="34" charset="0"/>
+                <a:cs typeface="Lucida Console" panose="020B0609040504020204" pitchFamily="49" charset="0"/>
+              </a:rPr>
+              <a:t> -&gt; </a:t>
+            </a:r>
+            <a:r>
+              <a:rPr lang="en-US" dirty="0">
+                <a:solidFill>
+                  <a:srgbClr val="00BF00"/>
+                </a:solidFill>
+                <a:latin typeface="Lucida Console" panose="020B0609040504020204" pitchFamily="49" charset="0"/>
+                <a:ea typeface="Calibri" panose="020F0502020204030204" pitchFamily="34" charset="0"/>
+                <a:cs typeface="Lucida Console" panose="020B0609040504020204" pitchFamily="49" charset="0"/>
+              </a:rPr>
+              <a:t>258160</a:t>
+            </a:r>
+            <a:r>
+              <a:rPr lang="en-US" dirty="0">
+                <a:latin typeface="Lucida Console" panose="020B0609040504020204" pitchFamily="49" charset="0"/>
+                <a:ea typeface="Calibri" panose="020F0502020204030204" pitchFamily="34" charset="0"/>
+                <a:cs typeface="Lucida Console" panose="020B0609040504020204" pitchFamily="49" charset="0"/>
+              </a:rPr>
+              <a:t> bytes</a:t>
+            </a:r>
+            <a:endParaRPr lang="en-US" sz="2800" dirty="0">
+              <a:latin typeface="Calibri" panose="020F0502020204030204" pitchFamily="34" charset="0"/>
+              <a:ea typeface="Calibri" panose="020F0502020204030204" pitchFamily="34" charset="0"/>
+              <a:cs typeface="Times New Roman" panose="02020603050405020304" pitchFamily="18" charset="0"/>
+            </a:endParaRPr>
+          </a:p>
+          <a:p>
+            <a:pPr>
+              <a:lnSpc>
+                <a:spcPct val="107000"/>
+              </a:lnSpc>
+            </a:pPr>
+            <a:r>
+              <a:rPr lang="en-US" dirty="0">
+                <a:latin typeface="Lucida Console" panose="020B0609040504020204" pitchFamily="49" charset="0"/>
+                <a:ea typeface="Calibri" panose="020F0502020204030204" pitchFamily="34" charset="0"/>
+                <a:cs typeface="Lucida Console" panose="020B0609040504020204" pitchFamily="49" charset="0"/>
+              </a:rPr>
+              <a:t> .../GitHub_Basic_Commands_and_ScratchNotes.txt     | 224 </a:t>
+            </a:r>
+            <a:r>
+              <a:rPr lang="en-US" dirty="0">
+                <a:solidFill>
+                  <a:srgbClr val="BF0000"/>
+                </a:solidFill>
+                <a:latin typeface="Lucida Console" panose="020B0609040504020204" pitchFamily="49" charset="0"/>
+                <a:ea typeface="Calibri" panose="020F0502020204030204" pitchFamily="34" charset="0"/>
+                <a:cs typeface="Lucida Console" panose="020B0609040504020204" pitchFamily="49" charset="0"/>
+              </a:rPr>
+              <a:t>-------------------</a:t>
+            </a:r>
+            <a:endParaRPr lang="en-US" sz="2800" dirty="0">
+              <a:latin typeface="Calibri" panose="020F0502020204030204" pitchFamily="34" charset="0"/>
+              <a:ea typeface="Calibri" panose="020F0502020204030204" pitchFamily="34" charset="0"/>
+              <a:cs typeface="Times New Roman" panose="02020603050405020304" pitchFamily="18" charset="0"/>
+            </a:endParaRPr>
+          </a:p>
+          <a:p>
+            <a:pPr>
+              <a:lnSpc>
+                <a:spcPct val="107000"/>
+              </a:lnSpc>
+            </a:pPr>
+            <a:r>
+              <a:rPr lang="en-US" dirty="0">
+                <a:latin typeface="Lucida Console" panose="020B0609040504020204" pitchFamily="49" charset="0"/>
+                <a:ea typeface="Calibri" panose="020F0502020204030204" pitchFamily="34" charset="0"/>
+                <a:cs typeface="Lucida Console" panose="020B0609040504020204" pitchFamily="49" charset="0"/>
+              </a:rPr>
+              <a:t> .../GitHub_General-ScratchNotes-and-Help-Links.md  | 247 </a:t>
+            </a:r>
+            <a:r>
+              <a:rPr lang="en-US" dirty="0">
+                <a:solidFill>
+                  <a:srgbClr val="00BF00"/>
+                </a:solidFill>
+                <a:latin typeface="Lucida Console" panose="020B0609040504020204" pitchFamily="49" charset="0"/>
+                <a:ea typeface="Calibri" panose="020F0502020204030204" pitchFamily="34" charset="0"/>
+                <a:cs typeface="Lucida Console" panose="020B0609040504020204" pitchFamily="49" charset="0"/>
+              </a:rPr>
+              <a:t>+++++++++++++++++++++</a:t>
+            </a:r>
+            <a:endParaRPr lang="en-US" sz="2800" dirty="0">
+              <a:latin typeface="Calibri" panose="020F0502020204030204" pitchFamily="34" charset="0"/>
+              <a:ea typeface="Calibri" panose="020F0502020204030204" pitchFamily="34" charset="0"/>
+              <a:cs typeface="Times New Roman" panose="02020603050405020304" pitchFamily="18" charset="0"/>
+            </a:endParaRPr>
+          </a:p>
+          <a:p>
+            <a:pPr>
+              <a:lnSpc>
+                <a:spcPct val="107000"/>
+              </a:lnSpc>
+            </a:pPr>
+            <a:r>
+              <a:rPr lang="en-US" dirty="0">
+                <a:latin typeface="Lucida Console" panose="020B0609040504020204" pitchFamily="49" charset="0"/>
+                <a:ea typeface="Calibri" panose="020F0502020204030204" pitchFamily="34" charset="0"/>
+                <a:cs typeface="Lucida Console" panose="020B0609040504020204" pitchFamily="49" charset="0"/>
+              </a:rPr>
+              <a:t> ...mmands.txt =&gt; GitHub_Intro_GetInfo_Commands.md} |  40 </a:t>
+            </a:r>
+            <a:r>
+              <a:rPr lang="en-US" dirty="0">
+                <a:solidFill>
+                  <a:srgbClr val="00BF00"/>
+                </a:solidFill>
+                <a:latin typeface="Lucida Console" panose="020B0609040504020204" pitchFamily="49" charset="0"/>
+                <a:ea typeface="Calibri" panose="020F0502020204030204" pitchFamily="34" charset="0"/>
+                <a:cs typeface="Lucida Console" panose="020B0609040504020204" pitchFamily="49" charset="0"/>
+              </a:rPr>
+              <a:t>++</a:t>
+            </a:r>
+            <a:r>
+              <a:rPr lang="en-US" dirty="0">
+                <a:solidFill>
+                  <a:srgbClr val="BF0000"/>
+                </a:solidFill>
+                <a:latin typeface="Lucida Console" panose="020B0609040504020204" pitchFamily="49" charset="0"/>
+                <a:ea typeface="Calibri" panose="020F0502020204030204" pitchFamily="34" charset="0"/>
+                <a:cs typeface="Lucida Console" panose="020B0609040504020204" pitchFamily="49" charset="0"/>
+              </a:rPr>
+              <a:t>--</a:t>
+            </a:r>
+            <a:endParaRPr lang="en-US" sz="2800" dirty="0">
+              <a:latin typeface="Calibri" panose="020F0502020204030204" pitchFamily="34" charset="0"/>
+              <a:ea typeface="Calibri" panose="020F0502020204030204" pitchFamily="34" charset="0"/>
+              <a:cs typeface="Times New Roman" panose="02020603050405020304" pitchFamily="18" charset="0"/>
+            </a:endParaRPr>
+          </a:p>
+          <a:p>
+            <a:pPr>
+              <a:lnSpc>
+                <a:spcPct val="107000"/>
+              </a:lnSpc>
+            </a:pPr>
+            <a:r>
+              <a:rPr lang="en-US" dirty="0">
+                <a:latin typeface="Lucida Console" panose="020B0609040504020204" pitchFamily="49" charset="0"/>
+                <a:ea typeface="Calibri" panose="020F0502020204030204" pitchFamily="34" charset="0"/>
+                <a:cs typeface="Lucida Console" panose="020B0609040504020204" pitchFamily="49" charset="0"/>
+              </a:rPr>
+              <a:t> ...nds.txt =&gt; GitHub_Intro_OtherUsefulCommands.md} |  64 </a:t>
+            </a:r>
+            <a:r>
+              <a:rPr lang="en-US" dirty="0">
+                <a:solidFill>
+                  <a:srgbClr val="00BF00"/>
+                </a:solidFill>
+                <a:latin typeface="Lucida Console" panose="020B0609040504020204" pitchFamily="49" charset="0"/>
+                <a:ea typeface="Calibri" panose="020F0502020204030204" pitchFamily="34" charset="0"/>
+                <a:cs typeface="Lucida Console" panose="020B0609040504020204" pitchFamily="49" charset="0"/>
+              </a:rPr>
+              <a:t>+++</a:t>
+            </a:r>
+            <a:r>
+              <a:rPr lang="en-US" dirty="0">
+                <a:solidFill>
+                  <a:srgbClr val="BF0000"/>
+                </a:solidFill>
+                <a:latin typeface="Lucida Console" panose="020B0609040504020204" pitchFamily="49" charset="0"/>
+                <a:ea typeface="Calibri" panose="020F0502020204030204" pitchFamily="34" charset="0"/>
+                <a:cs typeface="Lucida Console" panose="020B0609040504020204" pitchFamily="49" charset="0"/>
+              </a:rPr>
+              <a:t>---</a:t>
+            </a:r>
+            <a:endParaRPr lang="en-US" sz="2800" dirty="0">
+              <a:latin typeface="Calibri" panose="020F0502020204030204" pitchFamily="34" charset="0"/>
+              <a:ea typeface="Calibri" panose="020F0502020204030204" pitchFamily="34" charset="0"/>
+              <a:cs typeface="Times New Roman" panose="02020603050405020304" pitchFamily="18" charset="0"/>
+            </a:endParaRPr>
+          </a:p>
+          <a:p>
+            <a:pPr>
+              <a:lnSpc>
+                <a:spcPct val="107000"/>
+              </a:lnSpc>
+            </a:pPr>
+            <a:r>
+              <a:rPr lang="en-US" dirty="0">
+                <a:latin typeface="Lucida Console" panose="020B0609040504020204" pitchFamily="49" charset="0"/>
+                <a:ea typeface="Calibri" panose="020F0502020204030204" pitchFamily="34" charset="0"/>
+                <a:cs typeface="Lucida Console" panose="020B0609040504020204" pitchFamily="49" charset="0"/>
+              </a:rPr>
+              <a:t> GitHub_win7/GitHub_Lesson1_SetupProject.md         | 128 </a:t>
+            </a:r>
+            <a:r>
+              <a:rPr lang="en-US" dirty="0">
+                <a:solidFill>
+                  <a:srgbClr val="00BF00"/>
+                </a:solidFill>
+                <a:latin typeface="Lucida Console" panose="020B0609040504020204" pitchFamily="49" charset="0"/>
+                <a:ea typeface="Calibri" panose="020F0502020204030204" pitchFamily="34" charset="0"/>
+                <a:cs typeface="Lucida Console" panose="020B0609040504020204" pitchFamily="49" charset="0"/>
+              </a:rPr>
+              <a:t>+++++++++++</a:t>
+            </a:r>
+            <a:endParaRPr lang="en-US" sz="2800" dirty="0">
+              <a:latin typeface="Calibri" panose="020F0502020204030204" pitchFamily="34" charset="0"/>
+              <a:ea typeface="Calibri" panose="020F0502020204030204" pitchFamily="34" charset="0"/>
+              <a:cs typeface="Times New Roman" panose="02020603050405020304" pitchFamily="18" charset="0"/>
+            </a:endParaRPr>
+          </a:p>
+          <a:p>
+            <a:pPr>
+              <a:lnSpc>
+                <a:spcPct val="107000"/>
+              </a:lnSpc>
+            </a:pPr>
+            <a:r>
+              <a:rPr lang="en-US" dirty="0">
+                <a:latin typeface="Lucida Console" panose="020B0609040504020204" pitchFamily="49" charset="0"/>
+                <a:ea typeface="Calibri" panose="020F0502020204030204" pitchFamily="34" charset="0"/>
+                <a:cs typeface="Lucida Console" panose="020B0609040504020204" pitchFamily="49" charset="0"/>
+              </a:rPr>
+              <a:t> GitHub_win7/GitHub_Lesson1_SetupProject.txt        | 123 </a:t>
+            </a:r>
+            <a:r>
+              <a:rPr lang="en-US" dirty="0">
+                <a:solidFill>
+                  <a:srgbClr val="BF0000"/>
+                </a:solidFill>
+                <a:latin typeface="Lucida Console" panose="020B0609040504020204" pitchFamily="49" charset="0"/>
+                <a:ea typeface="Calibri" panose="020F0502020204030204" pitchFamily="34" charset="0"/>
+                <a:cs typeface="Lucida Console" panose="020B0609040504020204" pitchFamily="49" charset="0"/>
+              </a:rPr>
+              <a:t>----------</a:t>
+            </a:r>
+            <a:endParaRPr lang="en-US" sz="2800" dirty="0">
+              <a:latin typeface="Calibri" panose="020F0502020204030204" pitchFamily="34" charset="0"/>
+              <a:ea typeface="Calibri" panose="020F0502020204030204" pitchFamily="34" charset="0"/>
+              <a:cs typeface="Times New Roman" panose="02020603050405020304" pitchFamily="18" charset="0"/>
+            </a:endParaRPr>
+          </a:p>
+          <a:p>
+            <a:pPr>
+              <a:lnSpc>
+                <a:spcPct val="107000"/>
+              </a:lnSpc>
+            </a:pPr>
+            <a:r>
+              <a:rPr lang="en-US" dirty="0">
+                <a:latin typeface="Lucida Console" panose="020B0609040504020204" pitchFamily="49" charset="0"/>
+                <a:ea typeface="Calibri" panose="020F0502020204030204" pitchFamily="34" charset="0"/>
+                <a:cs typeface="Lucida Console" panose="020B0609040504020204" pitchFamily="49" charset="0"/>
+              </a:rPr>
+              <a:t> ...itHub_Lesson2_InitializeExistingCodeProject.md} | 104 </a:t>
+            </a:r>
+            <a:r>
+              <a:rPr lang="en-US" dirty="0">
+                <a:solidFill>
+                  <a:srgbClr val="00BF00"/>
+                </a:solidFill>
+                <a:latin typeface="Lucida Console" panose="020B0609040504020204" pitchFamily="49" charset="0"/>
+                <a:ea typeface="Calibri" panose="020F0502020204030204" pitchFamily="34" charset="0"/>
+                <a:cs typeface="Lucida Console" panose="020B0609040504020204" pitchFamily="49" charset="0"/>
+              </a:rPr>
+              <a:t>+++++</a:t>
+            </a:r>
+            <a:r>
+              <a:rPr lang="en-US" dirty="0">
+                <a:solidFill>
+                  <a:srgbClr val="BF0000"/>
+                </a:solidFill>
+                <a:latin typeface="Lucida Console" panose="020B0609040504020204" pitchFamily="49" charset="0"/>
+                <a:ea typeface="Calibri" panose="020F0502020204030204" pitchFamily="34" charset="0"/>
+                <a:cs typeface="Lucida Console" panose="020B0609040504020204" pitchFamily="49" charset="0"/>
+              </a:rPr>
+              <a:t>----</a:t>
+            </a:r>
+            <a:endParaRPr lang="en-US" sz="2800" dirty="0">
+              <a:latin typeface="Calibri" panose="020F0502020204030204" pitchFamily="34" charset="0"/>
+              <a:ea typeface="Calibri" panose="020F0502020204030204" pitchFamily="34" charset="0"/>
+              <a:cs typeface="Times New Roman" panose="02020603050405020304" pitchFamily="18" charset="0"/>
+            </a:endParaRPr>
+          </a:p>
+          <a:p>
+            <a:pPr>
+              <a:lnSpc>
+                <a:spcPct val="107000"/>
+              </a:lnSpc>
+            </a:pPr>
+            <a:r>
+              <a:rPr lang="en-US" dirty="0">
+                <a:latin typeface="Lucida Console" panose="020B0609040504020204" pitchFamily="49" charset="0"/>
+                <a:ea typeface="Calibri" panose="020F0502020204030204" pitchFamily="34" charset="0"/>
+                <a:cs typeface="Lucida Console" panose="020B0609040504020204" pitchFamily="49" charset="0"/>
+              </a:rPr>
+              <a:t> ...nds.txt =&gt; GitHub_Lesson3_BranchingCommands.md} |  75 </a:t>
+            </a:r>
+            <a:r>
+              <a:rPr lang="en-US" dirty="0">
+                <a:solidFill>
+                  <a:srgbClr val="00BF00"/>
+                </a:solidFill>
+                <a:latin typeface="Lucida Console" panose="020B0609040504020204" pitchFamily="49" charset="0"/>
+                <a:ea typeface="Calibri" panose="020F0502020204030204" pitchFamily="34" charset="0"/>
+                <a:cs typeface="Lucida Console" panose="020B0609040504020204" pitchFamily="49" charset="0"/>
+              </a:rPr>
+              <a:t>++++</a:t>
+            </a:r>
+            <a:r>
+              <a:rPr lang="en-US" dirty="0">
+                <a:solidFill>
+                  <a:srgbClr val="BF0000"/>
+                </a:solidFill>
+                <a:latin typeface="Lucida Console" panose="020B0609040504020204" pitchFamily="49" charset="0"/>
+                <a:ea typeface="Calibri" panose="020F0502020204030204" pitchFamily="34" charset="0"/>
+                <a:cs typeface="Lucida Console" panose="020B0609040504020204" pitchFamily="49" charset="0"/>
+              </a:rPr>
+              <a:t>---</a:t>
+            </a:r>
+            <a:endParaRPr lang="en-US" sz="2800" dirty="0">
+              <a:latin typeface="Calibri" panose="020F0502020204030204" pitchFamily="34" charset="0"/>
+              <a:ea typeface="Calibri" panose="020F0502020204030204" pitchFamily="34" charset="0"/>
+              <a:cs typeface="Times New Roman" panose="02020603050405020304" pitchFamily="18" charset="0"/>
+            </a:endParaRPr>
+          </a:p>
+          <a:p>
+            <a:pPr>
+              <a:lnSpc>
+                <a:spcPct val="107000"/>
+              </a:lnSpc>
+            </a:pPr>
+            <a:r>
+              <a:rPr lang="en-US" dirty="0">
+                <a:latin typeface="Lucida Console" panose="020B0609040504020204" pitchFamily="49" charset="0"/>
+                <a:ea typeface="Calibri" panose="020F0502020204030204" pitchFamily="34" charset="0"/>
+                <a:cs typeface="Lucida Console" panose="020B0609040504020204" pitchFamily="49" charset="0"/>
+              </a:rPr>
+              <a:t> ...takes.txt =&gt; GitHub_Lesson4_UndoingMistakes.md} |  35 </a:t>
+            </a:r>
+            <a:r>
+              <a:rPr lang="en-US" dirty="0">
+                <a:solidFill>
+                  <a:srgbClr val="00BF00"/>
+                </a:solidFill>
+                <a:latin typeface="Lucida Console" panose="020B0609040504020204" pitchFamily="49" charset="0"/>
+                <a:ea typeface="Calibri" panose="020F0502020204030204" pitchFamily="34" charset="0"/>
+                <a:cs typeface="Lucida Console" panose="020B0609040504020204" pitchFamily="49" charset="0"/>
+              </a:rPr>
+              <a:t>+</a:t>
+            </a:r>
+            <a:r>
+              <a:rPr lang="en-US" dirty="0">
+                <a:solidFill>
+                  <a:srgbClr val="BF0000"/>
+                </a:solidFill>
+                <a:latin typeface="Lucida Console" panose="020B0609040504020204" pitchFamily="49" charset="0"/>
+                <a:ea typeface="Calibri" panose="020F0502020204030204" pitchFamily="34" charset="0"/>
+                <a:cs typeface="Lucida Console" panose="020B0609040504020204" pitchFamily="49" charset="0"/>
+              </a:rPr>
+              <a:t>--</a:t>
+            </a:r>
+            <a:endParaRPr lang="en-US" sz="2800" dirty="0">
+              <a:latin typeface="Calibri" panose="020F0502020204030204" pitchFamily="34" charset="0"/>
+              <a:ea typeface="Calibri" panose="020F0502020204030204" pitchFamily="34" charset="0"/>
+              <a:cs typeface="Times New Roman" panose="02020603050405020304" pitchFamily="18" charset="0"/>
+            </a:endParaRPr>
+          </a:p>
+          <a:p>
+            <a:pPr>
+              <a:lnSpc>
+                <a:spcPct val="107000"/>
+              </a:lnSpc>
+            </a:pPr>
+            <a:r>
+              <a:rPr lang="en-US" dirty="0">
+                <a:latin typeface="Lucida Console" panose="020B0609040504020204" pitchFamily="49" charset="0"/>
+                <a:ea typeface="Calibri" panose="020F0502020204030204" pitchFamily="34" charset="0"/>
+                <a:cs typeface="Lucida Console" panose="020B0609040504020204" pitchFamily="49" charset="0"/>
+              </a:rPr>
+              <a:t> ...etup-Advanced_Work-w-Multiple-User-Accounts.md} |  13 </a:t>
+            </a:r>
+            <a:r>
+              <a:rPr lang="en-US" dirty="0">
+                <a:solidFill>
+                  <a:srgbClr val="00BF00"/>
+                </a:solidFill>
+                <a:latin typeface="Lucida Console" panose="020B0609040504020204" pitchFamily="49" charset="0"/>
+                <a:ea typeface="Calibri" panose="020F0502020204030204" pitchFamily="34" charset="0"/>
+                <a:cs typeface="Lucida Console" panose="020B0609040504020204" pitchFamily="49" charset="0"/>
+              </a:rPr>
+              <a:t>+</a:t>
+            </a:r>
+            <a:r>
+              <a:rPr lang="en-US" dirty="0">
+                <a:solidFill>
+                  <a:srgbClr val="BF0000"/>
+                </a:solidFill>
+                <a:latin typeface="Lucida Console" panose="020B0609040504020204" pitchFamily="49" charset="0"/>
+                <a:ea typeface="Calibri" panose="020F0502020204030204" pitchFamily="34" charset="0"/>
+                <a:cs typeface="Lucida Console" panose="020B0609040504020204" pitchFamily="49" charset="0"/>
+              </a:rPr>
+              <a:t>-</a:t>
+            </a:r>
+            <a:endParaRPr lang="en-US" sz="2800" dirty="0">
+              <a:latin typeface="Calibri" panose="020F0502020204030204" pitchFamily="34" charset="0"/>
+              <a:ea typeface="Calibri" panose="020F0502020204030204" pitchFamily="34" charset="0"/>
+              <a:cs typeface="Times New Roman" panose="02020603050405020304" pitchFamily="18" charset="0"/>
+            </a:endParaRPr>
+          </a:p>
+          <a:p>
+            <a:pPr>
+              <a:lnSpc>
+                <a:spcPct val="107000"/>
+              </a:lnSpc>
+            </a:pPr>
+            <a:r>
+              <a:rPr lang="en-US" dirty="0">
+                <a:latin typeface="Lucida Console" panose="020B0609040504020204" pitchFamily="49" charset="0"/>
+                <a:ea typeface="Calibri" panose="020F0502020204030204" pitchFamily="34" charset="0"/>
+                <a:cs typeface="Lucida Console" panose="020B0609040504020204" pitchFamily="49" charset="0"/>
+              </a:rPr>
+              <a:t> GitHub_win7/</a:t>
+            </a:r>
+            <a:r>
+              <a:rPr lang="en-US" dirty="0" err="1">
+                <a:latin typeface="Lucida Console" panose="020B0609040504020204" pitchFamily="49" charset="0"/>
+                <a:ea typeface="Calibri" panose="020F0502020204030204" pitchFamily="34" charset="0"/>
+                <a:cs typeface="Lucida Console" panose="020B0609040504020204" pitchFamily="49" charset="0"/>
+              </a:rPr>
+              <a:t>Thumbs.db</a:t>
+            </a:r>
+            <a:r>
+              <a:rPr lang="en-US" dirty="0">
+                <a:latin typeface="Lucida Console" panose="020B0609040504020204" pitchFamily="49" charset="0"/>
+                <a:ea typeface="Calibri" panose="020F0502020204030204" pitchFamily="34" charset="0"/>
+                <a:cs typeface="Lucida Console" panose="020B0609040504020204" pitchFamily="49" charset="0"/>
+              </a:rPr>
+              <a:t>                              | Bin </a:t>
+            </a:r>
+            <a:r>
+              <a:rPr lang="en-US" dirty="0">
+                <a:solidFill>
+                  <a:srgbClr val="BF0000"/>
+                </a:solidFill>
+                <a:latin typeface="Lucida Console" panose="020B0609040504020204" pitchFamily="49" charset="0"/>
+                <a:ea typeface="Calibri" panose="020F0502020204030204" pitchFamily="34" charset="0"/>
+                <a:cs typeface="Lucida Console" panose="020B0609040504020204" pitchFamily="49" charset="0"/>
+              </a:rPr>
+              <a:t>0</a:t>
+            </a:r>
+            <a:r>
+              <a:rPr lang="en-US" dirty="0">
+                <a:latin typeface="Lucida Console" panose="020B0609040504020204" pitchFamily="49" charset="0"/>
+                <a:ea typeface="Calibri" panose="020F0502020204030204" pitchFamily="34" charset="0"/>
+                <a:cs typeface="Lucida Console" panose="020B0609040504020204" pitchFamily="49" charset="0"/>
+              </a:rPr>
+              <a:t> -&gt; </a:t>
+            </a:r>
+            <a:r>
+              <a:rPr lang="en-US" dirty="0">
+                <a:solidFill>
+                  <a:srgbClr val="00BF00"/>
+                </a:solidFill>
+                <a:latin typeface="Lucida Console" panose="020B0609040504020204" pitchFamily="49" charset="0"/>
+                <a:ea typeface="Calibri" panose="020F0502020204030204" pitchFamily="34" charset="0"/>
+                <a:cs typeface="Lucida Console" panose="020B0609040504020204" pitchFamily="49" charset="0"/>
+              </a:rPr>
+              <a:t>5632</a:t>
+            </a:r>
+            <a:r>
+              <a:rPr lang="en-US" dirty="0">
+                <a:latin typeface="Lucida Console" panose="020B0609040504020204" pitchFamily="49" charset="0"/>
+                <a:ea typeface="Calibri" panose="020F0502020204030204" pitchFamily="34" charset="0"/>
+                <a:cs typeface="Lucida Console" panose="020B0609040504020204" pitchFamily="49" charset="0"/>
+              </a:rPr>
+              <a:t> bytes</a:t>
+            </a:r>
+            <a:endParaRPr lang="en-US" sz="2800" dirty="0">
+              <a:latin typeface="Calibri" panose="020F0502020204030204" pitchFamily="34" charset="0"/>
+              <a:ea typeface="Calibri" panose="020F0502020204030204" pitchFamily="34" charset="0"/>
+              <a:cs typeface="Times New Roman" panose="02020603050405020304" pitchFamily="18" charset="0"/>
+            </a:endParaRPr>
+          </a:p>
+          <a:p>
+            <a:pPr>
+              <a:lnSpc>
+                <a:spcPct val="107000"/>
+              </a:lnSpc>
+            </a:pPr>
+            <a:r>
+              <a:rPr lang="en-US" dirty="0">
+                <a:latin typeface="Lucida Console" panose="020B0609040504020204" pitchFamily="49" charset="0"/>
+                <a:ea typeface="Calibri" panose="020F0502020204030204" pitchFamily="34" charset="0"/>
+                <a:cs typeface="Lucida Console" panose="020B0609040504020204" pitchFamily="49" charset="0"/>
+              </a:rPr>
+              <a:t> 13 files changed, 567 insertions(+), 491 deletions(-)</a:t>
+            </a:r>
+            <a:endParaRPr lang="en-US" sz="2800" dirty="0">
+              <a:latin typeface="Calibri" panose="020F0502020204030204" pitchFamily="34" charset="0"/>
+              <a:ea typeface="Calibri" panose="020F0502020204030204" pitchFamily="34" charset="0"/>
+              <a:cs typeface="Times New Roman" panose="02020603050405020304" pitchFamily="18" charset="0"/>
+            </a:endParaRPr>
+          </a:p>
+          <a:p>
+            <a:pPr>
+              <a:lnSpc>
+                <a:spcPct val="107000"/>
+              </a:lnSpc>
+            </a:pPr>
+            <a:r>
+              <a:rPr lang="en-US" dirty="0">
+                <a:latin typeface="Lucida Console" panose="020B0609040504020204" pitchFamily="49" charset="0"/>
+                <a:ea typeface="Calibri" panose="020F0502020204030204" pitchFamily="34" charset="0"/>
+                <a:cs typeface="Lucida Console" panose="020B0609040504020204" pitchFamily="49" charset="0"/>
+              </a:rPr>
+              <a:t> create mode 100644 GitHub_win7/</a:t>
+            </a:r>
+            <a:r>
+              <a:rPr lang="en-US" dirty="0" err="1">
+                <a:latin typeface="Lucida Console" panose="020B0609040504020204" pitchFamily="49" charset="0"/>
+                <a:ea typeface="Calibri" panose="020F0502020204030204" pitchFamily="34" charset="0"/>
+                <a:cs typeface="Lucida Console" panose="020B0609040504020204" pitchFamily="49" charset="0"/>
+              </a:rPr>
+              <a:t>Git</a:t>
+            </a:r>
+            <a:r>
+              <a:rPr lang="en-US" dirty="0">
+                <a:latin typeface="Lucida Console" panose="020B0609040504020204" pitchFamily="49" charset="0"/>
+                <a:ea typeface="Calibri" panose="020F0502020204030204" pitchFamily="34" charset="0"/>
+                <a:cs typeface="Lucida Console" panose="020B0609040504020204" pitchFamily="49" charset="0"/>
+              </a:rPr>
+              <a:t> Branching Example - Lesson3.pptx</a:t>
+            </a:r>
+            <a:endParaRPr lang="en-US" sz="2800" dirty="0">
+              <a:latin typeface="Calibri" panose="020F0502020204030204" pitchFamily="34" charset="0"/>
+              <a:ea typeface="Calibri" panose="020F0502020204030204" pitchFamily="34" charset="0"/>
+              <a:cs typeface="Times New Roman" panose="02020603050405020304" pitchFamily="18" charset="0"/>
+            </a:endParaRPr>
+          </a:p>
+          <a:p>
+            <a:pPr>
+              <a:lnSpc>
+                <a:spcPct val="107000"/>
+              </a:lnSpc>
+            </a:pPr>
+            <a:r>
+              <a:rPr lang="en-US" dirty="0">
+                <a:latin typeface="Lucida Console" panose="020B0609040504020204" pitchFamily="49" charset="0"/>
+                <a:ea typeface="Calibri" panose="020F0502020204030204" pitchFamily="34" charset="0"/>
+                <a:cs typeface="Lucida Console" panose="020B0609040504020204" pitchFamily="49" charset="0"/>
+              </a:rPr>
+              <a:t> delete mode 100644 GitHub_win7/GitHub_Basic_Commands_and_ScratchNotes.txt</a:t>
+            </a:r>
+            <a:endParaRPr lang="en-US" sz="2800" dirty="0">
+              <a:latin typeface="Calibri" panose="020F0502020204030204" pitchFamily="34" charset="0"/>
+              <a:ea typeface="Calibri" panose="020F0502020204030204" pitchFamily="34" charset="0"/>
+              <a:cs typeface="Times New Roman" panose="02020603050405020304" pitchFamily="18" charset="0"/>
+            </a:endParaRPr>
+          </a:p>
+          <a:p>
+            <a:pPr>
+              <a:lnSpc>
+                <a:spcPct val="107000"/>
+              </a:lnSpc>
+            </a:pPr>
+            <a:r>
+              <a:rPr lang="en-US" dirty="0">
+                <a:latin typeface="Lucida Console" panose="020B0609040504020204" pitchFamily="49" charset="0"/>
+                <a:ea typeface="Calibri" panose="020F0502020204030204" pitchFamily="34" charset="0"/>
+                <a:cs typeface="Lucida Console" panose="020B0609040504020204" pitchFamily="49" charset="0"/>
+              </a:rPr>
+              <a:t> create mode 100644 GitHub_win7/GitHub_General-ScratchNotes-and-Help-Links.md</a:t>
+            </a:r>
+            <a:endParaRPr lang="en-US" sz="2800" dirty="0">
+              <a:latin typeface="Calibri" panose="020F0502020204030204" pitchFamily="34" charset="0"/>
+              <a:ea typeface="Calibri" panose="020F0502020204030204" pitchFamily="34" charset="0"/>
+              <a:cs typeface="Times New Roman" panose="02020603050405020304" pitchFamily="18" charset="0"/>
+            </a:endParaRPr>
+          </a:p>
+          <a:p>
+            <a:pPr>
+              <a:lnSpc>
+                <a:spcPct val="107000"/>
+              </a:lnSpc>
+            </a:pPr>
+            <a:r>
+              <a:rPr lang="en-US" dirty="0">
+                <a:latin typeface="Lucida Console" panose="020B0609040504020204" pitchFamily="49" charset="0"/>
+                <a:ea typeface="Calibri" panose="020F0502020204030204" pitchFamily="34" charset="0"/>
+                <a:cs typeface="Lucida Console" panose="020B0609040504020204" pitchFamily="49" charset="0"/>
+              </a:rPr>
+              <a:t> rename GitHub_win7/{GitHub_Intro_GetInfo_Commands.txt =&gt; GitHub_Intro_GetInfo_Commands.md} (73%)</a:t>
+            </a:r>
+            <a:endParaRPr lang="en-US" sz="2800" dirty="0">
+              <a:latin typeface="Calibri" panose="020F0502020204030204" pitchFamily="34" charset="0"/>
+              <a:ea typeface="Calibri" panose="020F0502020204030204" pitchFamily="34" charset="0"/>
+              <a:cs typeface="Times New Roman" panose="02020603050405020304" pitchFamily="18" charset="0"/>
+            </a:endParaRPr>
+          </a:p>
+          <a:p>
+            <a:pPr>
+              <a:lnSpc>
+                <a:spcPct val="107000"/>
+              </a:lnSpc>
+            </a:pPr>
+            <a:r>
+              <a:rPr lang="en-US" dirty="0">
+                <a:latin typeface="Lucida Console" panose="020B0609040504020204" pitchFamily="49" charset="0"/>
+                <a:ea typeface="Calibri" panose="020F0502020204030204" pitchFamily="34" charset="0"/>
+                <a:cs typeface="Lucida Console" panose="020B0609040504020204" pitchFamily="49" charset="0"/>
+              </a:rPr>
+              <a:t> rename GitHub_win7/{GitHub_Intro_OtherUsefulCommands.txt =&gt; GitHub_Intro_OtherUsefulCommands.md} (51%)</a:t>
+            </a:r>
+            <a:endParaRPr lang="en-US" sz="2800" dirty="0">
+              <a:latin typeface="Calibri" panose="020F0502020204030204" pitchFamily="34" charset="0"/>
+              <a:ea typeface="Calibri" panose="020F0502020204030204" pitchFamily="34" charset="0"/>
+              <a:cs typeface="Times New Roman" panose="02020603050405020304" pitchFamily="18" charset="0"/>
+            </a:endParaRPr>
+          </a:p>
+          <a:p>
+            <a:pPr>
+              <a:lnSpc>
+                <a:spcPct val="107000"/>
+              </a:lnSpc>
+            </a:pPr>
+            <a:r>
+              <a:rPr lang="en-US" dirty="0">
+                <a:latin typeface="Lucida Console" panose="020B0609040504020204" pitchFamily="49" charset="0"/>
+                <a:ea typeface="Calibri" panose="020F0502020204030204" pitchFamily="34" charset="0"/>
+                <a:cs typeface="Lucida Console" panose="020B0609040504020204" pitchFamily="49" charset="0"/>
+              </a:rPr>
+              <a:t> create mode 100644 GitHub_win7/GitHub_Lesson1_SetupProject.md</a:t>
+            </a:r>
+            <a:endParaRPr lang="en-US" sz="2800" dirty="0">
+              <a:latin typeface="Calibri" panose="020F0502020204030204" pitchFamily="34" charset="0"/>
+              <a:ea typeface="Calibri" panose="020F0502020204030204" pitchFamily="34" charset="0"/>
+              <a:cs typeface="Times New Roman" panose="02020603050405020304" pitchFamily="18" charset="0"/>
+            </a:endParaRPr>
+          </a:p>
+          <a:p>
+            <a:pPr>
+              <a:lnSpc>
+                <a:spcPct val="107000"/>
+              </a:lnSpc>
+            </a:pPr>
+            <a:r>
+              <a:rPr lang="en-US" dirty="0">
+                <a:latin typeface="Lucida Console" panose="020B0609040504020204" pitchFamily="49" charset="0"/>
+                <a:ea typeface="Calibri" panose="020F0502020204030204" pitchFamily="34" charset="0"/>
+                <a:cs typeface="Lucida Console" panose="020B0609040504020204" pitchFamily="49" charset="0"/>
+              </a:rPr>
+              <a:t> delete mode 100644 GitHub_win7/GitHub_Lesson1_SetupProject.txt</a:t>
+            </a:r>
+            <a:endParaRPr lang="en-US" sz="2800" dirty="0">
+              <a:latin typeface="Calibri" panose="020F0502020204030204" pitchFamily="34" charset="0"/>
+              <a:ea typeface="Calibri" panose="020F0502020204030204" pitchFamily="34" charset="0"/>
+              <a:cs typeface="Times New Roman" panose="02020603050405020304" pitchFamily="18" charset="0"/>
+            </a:endParaRPr>
+          </a:p>
+          <a:p>
+            <a:pPr>
+              <a:lnSpc>
+                <a:spcPct val="107000"/>
+              </a:lnSpc>
+            </a:pPr>
+            <a:r>
+              <a:rPr lang="en-US" dirty="0">
+                <a:latin typeface="Lucida Console" panose="020B0609040504020204" pitchFamily="49" charset="0"/>
+                <a:ea typeface="Calibri" panose="020F0502020204030204" pitchFamily="34" charset="0"/>
+                <a:cs typeface="Lucida Console" panose="020B0609040504020204" pitchFamily="49" charset="0"/>
+              </a:rPr>
+              <a:t> rename GitHub_win7/{GitHub_Lesson2_InitializeExistingCodeProject.txt =&gt; GitHub_Lesson2_InitializeExistingCodeProject.md} (50%)</a:t>
+            </a:r>
+            <a:endParaRPr lang="en-US" sz="2800" dirty="0">
+              <a:latin typeface="Calibri" panose="020F0502020204030204" pitchFamily="34" charset="0"/>
+              <a:ea typeface="Calibri" panose="020F0502020204030204" pitchFamily="34" charset="0"/>
+              <a:cs typeface="Times New Roman" panose="02020603050405020304" pitchFamily="18" charset="0"/>
+            </a:endParaRPr>
+          </a:p>
+          <a:p>
+            <a:pPr>
+              <a:lnSpc>
+                <a:spcPct val="107000"/>
+              </a:lnSpc>
+            </a:pPr>
+            <a:r>
+              <a:rPr lang="en-US" dirty="0">
+                <a:latin typeface="Lucida Console" panose="020B0609040504020204" pitchFamily="49" charset="0"/>
+                <a:ea typeface="Calibri" panose="020F0502020204030204" pitchFamily="34" charset="0"/>
+                <a:cs typeface="Lucida Console" panose="020B0609040504020204" pitchFamily="49" charset="0"/>
+              </a:rPr>
+              <a:t> rename GitHub_win7/{GitHub_Lesson3_BranchingCommands.txt =&gt; GitHub_Lesson3_BranchingCommands.md} (68%)</a:t>
+            </a:r>
+            <a:endParaRPr lang="en-US" sz="2800" dirty="0">
+              <a:latin typeface="Calibri" panose="020F0502020204030204" pitchFamily="34" charset="0"/>
+              <a:ea typeface="Calibri" panose="020F0502020204030204" pitchFamily="34" charset="0"/>
+              <a:cs typeface="Times New Roman" panose="02020603050405020304" pitchFamily="18" charset="0"/>
+            </a:endParaRPr>
+          </a:p>
+          <a:p>
+            <a:pPr>
+              <a:lnSpc>
+                <a:spcPct val="107000"/>
+              </a:lnSpc>
+            </a:pPr>
+            <a:r>
+              <a:rPr lang="en-US" dirty="0">
+                <a:latin typeface="Lucida Console" panose="020B0609040504020204" pitchFamily="49" charset="0"/>
+                <a:ea typeface="Calibri" panose="020F0502020204030204" pitchFamily="34" charset="0"/>
+                <a:cs typeface="Lucida Console" panose="020B0609040504020204" pitchFamily="49" charset="0"/>
+              </a:rPr>
+              <a:t> rename GitHub_win7/{GitHub_Lesson4_UndoingMistakes.txt =&gt; GitHub_Lesson4_UndoingMistakes.md} (77%)</a:t>
+            </a:r>
+            <a:endParaRPr lang="en-US" sz="2800" dirty="0">
+              <a:latin typeface="Calibri" panose="020F0502020204030204" pitchFamily="34" charset="0"/>
+              <a:ea typeface="Calibri" panose="020F0502020204030204" pitchFamily="34" charset="0"/>
+              <a:cs typeface="Times New Roman" panose="02020603050405020304" pitchFamily="18" charset="0"/>
+            </a:endParaRPr>
+          </a:p>
+          <a:p>
+            <a:pPr>
+              <a:lnSpc>
+                <a:spcPct val="107000"/>
+              </a:lnSpc>
+            </a:pPr>
+            <a:r>
+              <a:rPr lang="en-US" dirty="0">
+                <a:latin typeface="Lucida Console" panose="020B0609040504020204" pitchFamily="49" charset="0"/>
+                <a:ea typeface="Calibri" panose="020F0502020204030204" pitchFamily="34" charset="0"/>
+                <a:cs typeface="Lucida Console" panose="020B0609040504020204" pitchFamily="49" charset="0"/>
+              </a:rPr>
+              <a:t> rename GitHub_win7/{GitHub_Setup-Advanced_Work-w-Multiple-User-Accounts.txt =&gt; GitHub_Setup-Advanced_Work-w-Multiple-User-Accounts.md} (62%)</a:t>
+            </a:r>
+            <a:endParaRPr lang="en-US" sz="2800" dirty="0">
+              <a:latin typeface="Calibri" panose="020F0502020204030204" pitchFamily="34" charset="0"/>
+              <a:ea typeface="Calibri" panose="020F0502020204030204" pitchFamily="34" charset="0"/>
+              <a:cs typeface="Times New Roman" panose="02020603050405020304" pitchFamily="18" charset="0"/>
+            </a:endParaRPr>
+          </a:p>
+          <a:p>
+            <a:pPr>
+              <a:lnSpc>
+                <a:spcPct val="107000"/>
+              </a:lnSpc>
+            </a:pPr>
+            <a:r>
+              <a:rPr lang="en-US" dirty="0">
+                <a:latin typeface="Lucida Console" panose="020B0609040504020204" pitchFamily="49" charset="0"/>
+                <a:ea typeface="Calibri" panose="020F0502020204030204" pitchFamily="34" charset="0"/>
+                <a:cs typeface="Lucida Console" panose="020B0609040504020204" pitchFamily="49" charset="0"/>
+              </a:rPr>
+              <a:t> create mode 100644 GitHub_win7/</a:t>
+            </a:r>
+            <a:r>
+              <a:rPr lang="en-US" dirty="0" err="1">
+                <a:latin typeface="Lucida Console" panose="020B0609040504020204" pitchFamily="49" charset="0"/>
+                <a:ea typeface="Calibri" panose="020F0502020204030204" pitchFamily="34" charset="0"/>
+                <a:cs typeface="Lucida Console" panose="020B0609040504020204" pitchFamily="49" charset="0"/>
+              </a:rPr>
+              <a:t>Thumbs.db</a:t>
+            </a:r>
+            <a:endParaRPr lang="en-US" sz="2800" dirty="0">
+              <a:latin typeface="Calibri" panose="020F0502020204030204" pitchFamily="34" charset="0"/>
+              <a:ea typeface="Calibri" panose="020F0502020204030204" pitchFamily="34" charset="0"/>
+              <a:cs typeface="Times New Roman" panose="02020603050405020304" pitchFamily="18" charset="0"/>
+            </a:endParaRPr>
+          </a:p>
+          <a:p>
+            <a:pPr>
+              <a:lnSpc>
+                <a:spcPct val="107000"/>
+              </a:lnSpc>
+            </a:pPr>
+            <a:r>
+              <a:rPr lang="en-US" dirty="0">
+                <a:latin typeface="Lucida Console" panose="020B0609040504020204" pitchFamily="49" charset="0"/>
+                <a:ea typeface="Calibri" panose="020F0502020204030204" pitchFamily="34" charset="0"/>
+                <a:cs typeface="Lucida Console" panose="020B0609040504020204" pitchFamily="49" charset="0"/>
+              </a:rPr>
+              <a:t> </a:t>
+            </a:r>
+            <a:endParaRPr lang="en-US" sz="2800" dirty="0">
+              <a:latin typeface="Calibri" panose="020F0502020204030204" pitchFamily="34" charset="0"/>
+              <a:ea typeface="Calibri" panose="020F0502020204030204" pitchFamily="34" charset="0"/>
+              <a:cs typeface="Times New Roman" panose="02020603050405020304" pitchFamily="18" charset="0"/>
+            </a:endParaRPr>
+          </a:p>
+          <a:p>
+            <a:pPr>
+              <a:lnSpc>
+                <a:spcPct val="107000"/>
+              </a:lnSpc>
+            </a:pPr>
+            <a:r>
+              <a:rPr lang="en-US" dirty="0">
+                <a:solidFill>
+                  <a:srgbClr val="00BF00"/>
+                </a:solidFill>
+                <a:latin typeface="Lucida Console" panose="020B0609040504020204" pitchFamily="49" charset="0"/>
+                <a:ea typeface="Calibri" panose="020F0502020204030204" pitchFamily="34" charset="0"/>
+                <a:cs typeface="Lucida Console" panose="020B0609040504020204" pitchFamily="49" charset="0"/>
+              </a:rPr>
+              <a:t>Mitch@Win7-PC </a:t>
+            </a:r>
+            <a:r>
+              <a:rPr lang="en-US" dirty="0">
+                <a:solidFill>
+                  <a:srgbClr val="BF00BF"/>
+                </a:solidFill>
+                <a:latin typeface="Lucida Console" panose="020B0609040504020204" pitchFamily="49" charset="0"/>
+                <a:ea typeface="Calibri" panose="020F0502020204030204" pitchFamily="34" charset="0"/>
+                <a:cs typeface="Lucida Console" panose="020B0609040504020204" pitchFamily="49" charset="0"/>
+              </a:rPr>
+              <a:t>MINGW64 </a:t>
+            </a:r>
+            <a:r>
+              <a:rPr lang="en-US" dirty="0">
+                <a:solidFill>
+                  <a:srgbClr val="BFBF00"/>
+                </a:solidFill>
+                <a:latin typeface="Lucida Console" panose="020B0609040504020204" pitchFamily="49" charset="0"/>
+                <a:ea typeface="Calibri" panose="020F0502020204030204" pitchFamily="34" charset="0"/>
+                <a:cs typeface="Lucida Console" panose="020B0609040504020204" pitchFamily="49" charset="0"/>
+              </a:rPr>
+              <a:t>~/Documents/</a:t>
+            </a:r>
+            <a:r>
+              <a:rPr lang="en-US" dirty="0" err="1">
+                <a:solidFill>
+                  <a:srgbClr val="BFBF00"/>
+                </a:solidFill>
+                <a:latin typeface="Lucida Console" panose="020B0609040504020204" pitchFamily="49" charset="0"/>
+                <a:ea typeface="Calibri" panose="020F0502020204030204" pitchFamily="34" charset="0"/>
+                <a:cs typeface="Lucida Console" panose="020B0609040504020204" pitchFamily="49" charset="0"/>
+              </a:rPr>
+              <a:t>Git_Repo</a:t>
+            </a:r>
+            <a:r>
+              <a:rPr lang="en-US" dirty="0">
+                <a:solidFill>
+                  <a:srgbClr val="BFBF00"/>
+                </a:solidFill>
+                <a:latin typeface="Lucida Console" panose="020B0609040504020204" pitchFamily="49" charset="0"/>
+                <a:ea typeface="Calibri" panose="020F0502020204030204" pitchFamily="34" charset="0"/>
+                <a:cs typeface="Lucida Console" panose="020B0609040504020204" pitchFamily="49" charset="0"/>
+              </a:rPr>
+              <a:t>/</a:t>
+            </a:r>
+            <a:r>
+              <a:rPr lang="en-US" dirty="0" err="1">
+                <a:solidFill>
+                  <a:srgbClr val="BFBF00"/>
+                </a:solidFill>
+                <a:latin typeface="Lucida Console" panose="020B0609040504020204" pitchFamily="49" charset="0"/>
+                <a:ea typeface="Calibri" panose="020F0502020204030204" pitchFamily="34" charset="0"/>
+                <a:cs typeface="Lucida Console" panose="020B0609040504020204" pitchFamily="49" charset="0"/>
+              </a:rPr>
+              <a:t>DevEnv</a:t>
+            </a:r>
+            <a:r>
+              <a:rPr lang="en-US" dirty="0">
+                <a:solidFill>
+                  <a:srgbClr val="BFBF00"/>
+                </a:solidFill>
+                <a:latin typeface="Lucida Console" panose="020B0609040504020204" pitchFamily="49" charset="0"/>
+                <a:ea typeface="Calibri" panose="020F0502020204030204" pitchFamily="34" charset="0"/>
+                <a:cs typeface="Lucida Console" panose="020B0609040504020204" pitchFamily="49" charset="0"/>
+              </a:rPr>
+              <a:t>-</a:t>
+            </a:r>
+            <a:r>
+              <a:rPr lang="en-US" dirty="0" err="1">
+                <a:solidFill>
+                  <a:srgbClr val="BFBF00"/>
+                </a:solidFill>
+                <a:latin typeface="Lucida Console" panose="020B0609040504020204" pitchFamily="49" charset="0"/>
+                <a:ea typeface="Calibri" panose="020F0502020204030204" pitchFamily="34" charset="0"/>
+                <a:cs typeface="Lucida Console" panose="020B0609040504020204" pitchFamily="49" charset="0"/>
+              </a:rPr>
+              <a:t>SetUp</a:t>
+            </a:r>
+            <a:r>
+              <a:rPr lang="en-US" dirty="0">
+                <a:solidFill>
+                  <a:srgbClr val="BFBF00"/>
+                </a:solidFill>
+                <a:latin typeface="Lucida Console" panose="020B0609040504020204" pitchFamily="49" charset="0"/>
+                <a:ea typeface="Calibri" panose="020F0502020204030204" pitchFamily="34" charset="0"/>
+                <a:cs typeface="Lucida Console" panose="020B0609040504020204" pitchFamily="49" charset="0"/>
+              </a:rPr>
+              <a:t>-Help</a:t>
+            </a:r>
+            <a:r>
+              <a:rPr lang="en-US" dirty="0">
+                <a:solidFill>
+                  <a:srgbClr val="00BFBF"/>
+                </a:solidFill>
+                <a:latin typeface="Lucida Console" panose="020B0609040504020204" pitchFamily="49" charset="0"/>
+                <a:ea typeface="Calibri" panose="020F0502020204030204" pitchFamily="34" charset="0"/>
+                <a:cs typeface="Lucida Console" panose="020B0609040504020204" pitchFamily="49" charset="0"/>
+              </a:rPr>
+              <a:t> (master)</a:t>
+            </a:r>
+            <a:endParaRPr lang="en-US" sz="2800" dirty="0">
+              <a:latin typeface="Calibri" panose="020F0502020204030204" pitchFamily="34" charset="0"/>
+              <a:ea typeface="Calibri" panose="020F0502020204030204" pitchFamily="34" charset="0"/>
+              <a:cs typeface="Times New Roman" panose="02020603050405020304" pitchFamily="18" charset="0"/>
+            </a:endParaRPr>
+          </a:p>
+          <a:p>
+            <a:pPr>
+              <a:lnSpc>
+                <a:spcPct val="107000"/>
+              </a:lnSpc>
+            </a:pPr>
+            <a:r>
+              <a:rPr lang="en-US" dirty="0">
+                <a:latin typeface="Lucida Console" panose="020B0609040504020204" pitchFamily="49" charset="0"/>
+                <a:ea typeface="Calibri" panose="020F0502020204030204" pitchFamily="34" charset="0"/>
+                <a:cs typeface="Lucida Console" panose="020B0609040504020204" pitchFamily="49" charset="0"/>
+              </a:rPr>
+              <a:t>$ </a:t>
+            </a:r>
+            <a:r>
+              <a:rPr lang="en-US" dirty="0" err="1">
+                <a:latin typeface="Lucida Console" panose="020B0609040504020204" pitchFamily="49" charset="0"/>
+                <a:ea typeface="Calibri" panose="020F0502020204030204" pitchFamily="34" charset="0"/>
+                <a:cs typeface="Lucida Console" panose="020B0609040504020204" pitchFamily="49" charset="0"/>
+              </a:rPr>
+              <a:t>git</a:t>
+            </a:r>
+            <a:r>
+              <a:rPr lang="en-US" dirty="0">
+                <a:latin typeface="Lucida Console" panose="020B0609040504020204" pitchFamily="49" charset="0"/>
+                <a:ea typeface="Calibri" panose="020F0502020204030204" pitchFamily="34" charset="0"/>
+                <a:cs typeface="Lucida Console" panose="020B0609040504020204" pitchFamily="49" charset="0"/>
+              </a:rPr>
+              <a:t> status</a:t>
+            </a:r>
+            <a:endParaRPr lang="en-US" sz="2800" dirty="0">
+              <a:latin typeface="Calibri" panose="020F0502020204030204" pitchFamily="34" charset="0"/>
+              <a:ea typeface="Calibri" panose="020F0502020204030204" pitchFamily="34" charset="0"/>
+              <a:cs typeface="Times New Roman" panose="02020603050405020304" pitchFamily="18" charset="0"/>
+            </a:endParaRPr>
+          </a:p>
+          <a:p>
+            <a:pPr>
+              <a:lnSpc>
+                <a:spcPct val="107000"/>
+              </a:lnSpc>
+            </a:pPr>
+            <a:r>
+              <a:rPr lang="en-US" dirty="0">
+                <a:latin typeface="Lucida Console" panose="020B0609040504020204" pitchFamily="49" charset="0"/>
+                <a:ea typeface="Calibri" panose="020F0502020204030204" pitchFamily="34" charset="0"/>
+                <a:cs typeface="Lucida Console" panose="020B0609040504020204" pitchFamily="49" charset="0"/>
+              </a:rPr>
+              <a:t>On branch master</a:t>
+            </a:r>
+            <a:endParaRPr lang="en-US" sz="2800" dirty="0">
+              <a:latin typeface="Calibri" panose="020F0502020204030204" pitchFamily="34" charset="0"/>
+              <a:ea typeface="Calibri" panose="020F0502020204030204" pitchFamily="34" charset="0"/>
+              <a:cs typeface="Times New Roman" panose="02020603050405020304" pitchFamily="18" charset="0"/>
+            </a:endParaRPr>
+          </a:p>
+          <a:p>
+            <a:pPr>
+              <a:lnSpc>
+                <a:spcPct val="107000"/>
+              </a:lnSpc>
+            </a:pPr>
+            <a:r>
+              <a:rPr lang="en-US" dirty="0">
+                <a:latin typeface="Lucida Console" panose="020B0609040504020204" pitchFamily="49" charset="0"/>
+                <a:ea typeface="Calibri" panose="020F0502020204030204" pitchFamily="34" charset="0"/>
+                <a:cs typeface="Lucida Console" panose="020B0609040504020204" pitchFamily="49" charset="0"/>
+              </a:rPr>
+              <a:t>Your branch is ahead of 'origin/master' by 5 commits.</a:t>
+            </a:r>
+            <a:endParaRPr lang="en-US" sz="2800" dirty="0">
+              <a:latin typeface="Calibri" panose="020F0502020204030204" pitchFamily="34" charset="0"/>
+              <a:ea typeface="Calibri" panose="020F0502020204030204" pitchFamily="34" charset="0"/>
+              <a:cs typeface="Times New Roman" panose="02020603050405020304" pitchFamily="18" charset="0"/>
+            </a:endParaRPr>
+          </a:p>
+          <a:p>
+            <a:pPr>
+              <a:lnSpc>
+                <a:spcPct val="107000"/>
+              </a:lnSpc>
+            </a:pPr>
+            <a:r>
+              <a:rPr lang="en-US" dirty="0">
+                <a:latin typeface="Lucida Console" panose="020B0609040504020204" pitchFamily="49" charset="0"/>
+                <a:ea typeface="Calibri" panose="020F0502020204030204" pitchFamily="34" charset="0"/>
+                <a:cs typeface="Lucida Console" panose="020B0609040504020204" pitchFamily="49" charset="0"/>
+              </a:rPr>
+              <a:t>  (use "</a:t>
+            </a:r>
+            <a:r>
+              <a:rPr lang="en-US" dirty="0" err="1">
+                <a:latin typeface="Lucida Console" panose="020B0609040504020204" pitchFamily="49" charset="0"/>
+                <a:ea typeface="Calibri" panose="020F0502020204030204" pitchFamily="34" charset="0"/>
+                <a:cs typeface="Lucida Console" panose="020B0609040504020204" pitchFamily="49" charset="0"/>
+              </a:rPr>
+              <a:t>git</a:t>
+            </a:r>
+            <a:r>
+              <a:rPr lang="en-US" dirty="0">
+                <a:latin typeface="Lucida Console" panose="020B0609040504020204" pitchFamily="49" charset="0"/>
+                <a:ea typeface="Calibri" panose="020F0502020204030204" pitchFamily="34" charset="0"/>
+                <a:cs typeface="Lucida Console" panose="020B0609040504020204" pitchFamily="49" charset="0"/>
+              </a:rPr>
+              <a:t> push" to publish your local commits)</a:t>
+            </a:r>
+            <a:endParaRPr lang="en-US" sz="2800" dirty="0">
+              <a:latin typeface="Calibri" panose="020F0502020204030204" pitchFamily="34" charset="0"/>
+              <a:ea typeface="Calibri" panose="020F0502020204030204" pitchFamily="34" charset="0"/>
+              <a:cs typeface="Times New Roman" panose="02020603050405020304" pitchFamily="18" charset="0"/>
+            </a:endParaRPr>
+          </a:p>
+          <a:p>
+            <a:pPr>
+              <a:lnSpc>
+                <a:spcPct val="107000"/>
+              </a:lnSpc>
+            </a:pPr>
+            <a:r>
+              <a:rPr lang="en-US" dirty="0">
+                <a:latin typeface="Lucida Console" panose="020B0609040504020204" pitchFamily="49" charset="0"/>
+                <a:ea typeface="Calibri" panose="020F0502020204030204" pitchFamily="34" charset="0"/>
+                <a:cs typeface="Lucida Console" panose="020B0609040504020204" pitchFamily="49" charset="0"/>
+              </a:rPr>
+              <a:t>Changes not staged for commit:</a:t>
+            </a:r>
+            <a:endParaRPr lang="en-US" sz="2800" dirty="0">
+              <a:latin typeface="Calibri" panose="020F0502020204030204" pitchFamily="34" charset="0"/>
+              <a:ea typeface="Calibri" panose="020F0502020204030204" pitchFamily="34" charset="0"/>
+              <a:cs typeface="Times New Roman" panose="02020603050405020304" pitchFamily="18" charset="0"/>
+            </a:endParaRPr>
+          </a:p>
+          <a:p>
+            <a:pPr>
+              <a:lnSpc>
+                <a:spcPct val="107000"/>
+              </a:lnSpc>
+            </a:pPr>
+            <a:r>
+              <a:rPr lang="en-US" dirty="0">
+                <a:latin typeface="Lucida Console" panose="020B0609040504020204" pitchFamily="49" charset="0"/>
+                <a:ea typeface="Calibri" panose="020F0502020204030204" pitchFamily="34" charset="0"/>
+                <a:cs typeface="Lucida Console" panose="020B0609040504020204" pitchFamily="49" charset="0"/>
+              </a:rPr>
+              <a:t>  (use "</a:t>
+            </a:r>
+            <a:r>
+              <a:rPr lang="en-US" dirty="0" err="1">
+                <a:latin typeface="Lucida Console" panose="020B0609040504020204" pitchFamily="49" charset="0"/>
+                <a:ea typeface="Calibri" panose="020F0502020204030204" pitchFamily="34" charset="0"/>
+                <a:cs typeface="Lucida Console" panose="020B0609040504020204" pitchFamily="49" charset="0"/>
+              </a:rPr>
+              <a:t>git</a:t>
+            </a:r>
+            <a:r>
+              <a:rPr lang="en-US" dirty="0">
+                <a:latin typeface="Lucida Console" panose="020B0609040504020204" pitchFamily="49" charset="0"/>
+                <a:ea typeface="Calibri" panose="020F0502020204030204" pitchFamily="34" charset="0"/>
+                <a:cs typeface="Lucida Console" panose="020B0609040504020204" pitchFamily="49" charset="0"/>
+              </a:rPr>
+              <a:t> add &lt;file&gt;..." to update what will be committed)</a:t>
+            </a:r>
+            <a:endParaRPr lang="en-US" sz="2800" dirty="0">
+              <a:latin typeface="Calibri" panose="020F0502020204030204" pitchFamily="34" charset="0"/>
+              <a:ea typeface="Calibri" panose="020F0502020204030204" pitchFamily="34" charset="0"/>
+              <a:cs typeface="Times New Roman" panose="02020603050405020304" pitchFamily="18" charset="0"/>
+            </a:endParaRPr>
+          </a:p>
+          <a:p>
+            <a:pPr>
+              <a:lnSpc>
+                <a:spcPct val="107000"/>
+              </a:lnSpc>
+            </a:pPr>
+            <a:r>
+              <a:rPr lang="en-US" dirty="0">
+                <a:latin typeface="Lucida Console" panose="020B0609040504020204" pitchFamily="49" charset="0"/>
+                <a:ea typeface="Calibri" panose="020F0502020204030204" pitchFamily="34" charset="0"/>
+                <a:cs typeface="Lucida Console" panose="020B0609040504020204" pitchFamily="49" charset="0"/>
+              </a:rPr>
+              <a:t>  (use "</a:t>
+            </a:r>
+            <a:r>
+              <a:rPr lang="en-US" dirty="0" err="1">
+                <a:latin typeface="Lucida Console" panose="020B0609040504020204" pitchFamily="49" charset="0"/>
+                <a:ea typeface="Calibri" panose="020F0502020204030204" pitchFamily="34" charset="0"/>
+                <a:cs typeface="Lucida Console" panose="020B0609040504020204" pitchFamily="49" charset="0"/>
+              </a:rPr>
+              <a:t>git</a:t>
+            </a:r>
+            <a:r>
+              <a:rPr lang="en-US" dirty="0">
+                <a:latin typeface="Lucida Console" panose="020B0609040504020204" pitchFamily="49" charset="0"/>
+                <a:ea typeface="Calibri" panose="020F0502020204030204" pitchFamily="34" charset="0"/>
+                <a:cs typeface="Lucida Console" panose="020B0609040504020204" pitchFamily="49" charset="0"/>
+              </a:rPr>
+              <a:t> checkout -- &lt;file&gt;..." to discard changes in working directory)</a:t>
+            </a:r>
+            <a:endParaRPr lang="en-US" sz="2800" dirty="0">
+              <a:latin typeface="Calibri" panose="020F0502020204030204" pitchFamily="34" charset="0"/>
+              <a:ea typeface="Calibri" panose="020F0502020204030204" pitchFamily="34" charset="0"/>
+              <a:cs typeface="Times New Roman" panose="02020603050405020304" pitchFamily="18" charset="0"/>
+            </a:endParaRPr>
+          </a:p>
+          <a:p>
+            <a:pPr>
+              <a:lnSpc>
+                <a:spcPct val="107000"/>
+              </a:lnSpc>
+            </a:pPr>
+            <a:r>
+              <a:rPr lang="en-US" dirty="0">
+                <a:latin typeface="Lucida Console" panose="020B0609040504020204" pitchFamily="49" charset="0"/>
+                <a:ea typeface="Calibri" panose="020F0502020204030204" pitchFamily="34" charset="0"/>
+                <a:cs typeface="Lucida Console" panose="020B0609040504020204" pitchFamily="49" charset="0"/>
+              </a:rPr>
+              <a:t> </a:t>
+            </a:r>
+            <a:endParaRPr lang="en-US" sz="2800" dirty="0">
+              <a:latin typeface="Calibri" panose="020F0502020204030204" pitchFamily="34" charset="0"/>
+              <a:ea typeface="Calibri" panose="020F0502020204030204" pitchFamily="34" charset="0"/>
+              <a:cs typeface="Times New Roman" panose="02020603050405020304" pitchFamily="18" charset="0"/>
+            </a:endParaRPr>
+          </a:p>
+          <a:p>
+            <a:pPr>
+              <a:lnSpc>
+                <a:spcPct val="107000"/>
+              </a:lnSpc>
+            </a:pPr>
+            <a:r>
+              <a:rPr lang="en-US" dirty="0">
+                <a:latin typeface="Lucida Console" panose="020B0609040504020204" pitchFamily="49" charset="0"/>
+                <a:ea typeface="Calibri" panose="020F0502020204030204" pitchFamily="34" charset="0"/>
+                <a:cs typeface="Lucida Console" panose="020B0609040504020204" pitchFamily="49" charset="0"/>
+              </a:rPr>
+              <a:t>        </a:t>
+            </a:r>
+            <a:r>
+              <a:rPr lang="en-US" dirty="0">
+                <a:solidFill>
+                  <a:srgbClr val="BF0000"/>
+                </a:solidFill>
+                <a:latin typeface="Lucida Console" panose="020B0609040504020204" pitchFamily="49" charset="0"/>
+                <a:ea typeface="Calibri" panose="020F0502020204030204" pitchFamily="34" charset="0"/>
+                <a:cs typeface="Lucida Console" panose="020B0609040504020204" pitchFamily="49" charset="0"/>
+              </a:rPr>
+              <a:t>modified:   GitHub_win7/</a:t>
+            </a:r>
+            <a:r>
+              <a:rPr lang="en-US" dirty="0" err="1">
+                <a:solidFill>
+                  <a:srgbClr val="BF0000"/>
+                </a:solidFill>
+                <a:latin typeface="Lucida Console" panose="020B0609040504020204" pitchFamily="49" charset="0"/>
+                <a:ea typeface="Calibri" panose="020F0502020204030204" pitchFamily="34" charset="0"/>
+                <a:cs typeface="Lucida Console" panose="020B0609040504020204" pitchFamily="49" charset="0"/>
+              </a:rPr>
+              <a:t>Thumbs.db</a:t>
+            </a:r>
+            <a:endParaRPr lang="en-US" sz="2800" dirty="0">
+              <a:latin typeface="Calibri" panose="020F0502020204030204" pitchFamily="34" charset="0"/>
+              <a:ea typeface="Calibri" panose="020F0502020204030204" pitchFamily="34" charset="0"/>
+              <a:cs typeface="Times New Roman" panose="02020603050405020304" pitchFamily="18" charset="0"/>
+            </a:endParaRPr>
+          </a:p>
+          <a:p>
+            <a:pPr>
+              <a:lnSpc>
+                <a:spcPct val="107000"/>
+              </a:lnSpc>
+            </a:pPr>
+            <a:r>
+              <a:rPr lang="en-US" dirty="0">
+                <a:solidFill>
+                  <a:srgbClr val="BF0000"/>
+                </a:solidFill>
+                <a:latin typeface="Lucida Console" panose="020B0609040504020204" pitchFamily="49" charset="0"/>
+                <a:ea typeface="Calibri" panose="020F0502020204030204" pitchFamily="34" charset="0"/>
+                <a:cs typeface="Lucida Console" panose="020B0609040504020204" pitchFamily="49" charset="0"/>
+              </a:rPr>
+              <a:t> </a:t>
+            </a:r>
+            <a:endParaRPr lang="en-US" sz="2800" dirty="0">
+              <a:latin typeface="Calibri" panose="020F0502020204030204" pitchFamily="34" charset="0"/>
+              <a:ea typeface="Calibri" panose="020F0502020204030204" pitchFamily="34" charset="0"/>
+              <a:cs typeface="Times New Roman" panose="02020603050405020304" pitchFamily="18" charset="0"/>
+            </a:endParaRPr>
+          </a:p>
+          <a:p>
+            <a:pPr>
+              <a:lnSpc>
+                <a:spcPct val="107000"/>
+              </a:lnSpc>
+            </a:pPr>
+            <a:r>
+              <a:rPr lang="en-US" dirty="0">
+                <a:latin typeface="Lucida Console" panose="020B0609040504020204" pitchFamily="49" charset="0"/>
+                <a:ea typeface="Calibri" panose="020F0502020204030204" pitchFamily="34" charset="0"/>
+                <a:cs typeface="Lucida Console" panose="020B0609040504020204" pitchFamily="49" charset="0"/>
+              </a:rPr>
+              <a:t>no changes added to commit (use "</a:t>
+            </a:r>
+            <a:r>
+              <a:rPr lang="en-US" dirty="0" err="1">
+                <a:latin typeface="Lucida Console" panose="020B0609040504020204" pitchFamily="49" charset="0"/>
+                <a:ea typeface="Calibri" panose="020F0502020204030204" pitchFamily="34" charset="0"/>
+                <a:cs typeface="Lucida Console" panose="020B0609040504020204" pitchFamily="49" charset="0"/>
+              </a:rPr>
+              <a:t>git</a:t>
+            </a:r>
+            <a:r>
+              <a:rPr lang="en-US" dirty="0">
+                <a:latin typeface="Lucida Console" panose="020B0609040504020204" pitchFamily="49" charset="0"/>
+                <a:ea typeface="Calibri" panose="020F0502020204030204" pitchFamily="34" charset="0"/>
+                <a:cs typeface="Lucida Console" panose="020B0609040504020204" pitchFamily="49" charset="0"/>
+              </a:rPr>
+              <a:t> add" and/or "</a:t>
+            </a:r>
+            <a:r>
+              <a:rPr lang="en-US" dirty="0" err="1">
+                <a:latin typeface="Lucida Console" panose="020B0609040504020204" pitchFamily="49" charset="0"/>
+                <a:ea typeface="Calibri" panose="020F0502020204030204" pitchFamily="34" charset="0"/>
+                <a:cs typeface="Lucida Console" panose="020B0609040504020204" pitchFamily="49" charset="0"/>
+              </a:rPr>
+              <a:t>git</a:t>
+            </a:r>
+            <a:r>
+              <a:rPr lang="en-US" dirty="0">
+                <a:latin typeface="Lucida Console" panose="020B0609040504020204" pitchFamily="49" charset="0"/>
+                <a:ea typeface="Calibri" panose="020F0502020204030204" pitchFamily="34" charset="0"/>
+                <a:cs typeface="Lucida Console" panose="020B0609040504020204" pitchFamily="49" charset="0"/>
+              </a:rPr>
+              <a:t> commit -a")</a:t>
+            </a:r>
+            <a:endParaRPr lang="en-US" sz="2800" dirty="0">
+              <a:effectLst/>
+              <a:latin typeface="Calibri" panose="020F0502020204030204" pitchFamily="34" charset="0"/>
+              <a:ea typeface="Calibri" panose="020F0502020204030204" pitchFamily="34" charset="0"/>
+              <a:cs typeface="Times New Roman" panose="02020603050405020304" pitchFamily="18" charset="0"/>
+            </a:endParaRPr>
+          </a:p>
+        </p:txBody>
+      </p:sp>
+      <p:sp>
+        <p:nvSpPr>
+          <p:cNvPr id="4" name="Rectangle 3"/>
+          <p:cNvSpPr/>
+          <p:nvPr/>
+        </p:nvSpPr>
+        <p:spPr>
+          <a:xfrm>
+            <a:off x="6400797" y="604905"/>
+            <a:ext cx="5664590" cy="6224954"/>
+          </a:xfrm>
+          <a:prstGeom prst="rect">
+            <a:avLst/>
+          </a:prstGeom>
+        </p:spPr>
+        <p:txBody>
+          <a:bodyPr>
+            <a:normAutofit fontScale="62500" lnSpcReduction="20000"/>
+          </a:bodyPr>
+          <a:lstStyle/>
+          <a:p>
+            <a:pPr>
+              <a:lnSpc>
+                <a:spcPct val="107000"/>
+              </a:lnSpc>
+            </a:pPr>
+            <a:r>
+              <a:rPr lang="en-US" dirty="0">
+                <a:solidFill>
+                  <a:srgbClr val="00BF00"/>
+                </a:solidFill>
+                <a:latin typeface="Lucida Console" panose="020B0609040504020204" pitchFamily="49" charset="0"/>
+                <a:ea typeface="Calibri" panose="020F0502020204030204" pitchFamily="34" charset="0"/>
+                <a:cs typeface="Lucida Console" panose="020B0609040504020204" pitchFamily="49" charset="0"/>
+              </a:rPr>
+              <a:t>Mitch@Win7-PC </a:t>
+            </a:r>
+            <a:r>
+              <a:rPr lang="en-US" dirty="0">
+                <a:solidFill>
+                  <a:srgbClr val="BF00BF"/>
+                </a:solidFill>
+                <a:latin typeface="Lucida Console" panose="020B0609040504020204" pitchFamily="49" charset="0"/>
+                <a:ea typeface="Calibri" panose="020F0502020204030204" pitchFamily="34" charset="0"/>
+                <a:cs typeface="Lucida Console" panose="020B0609040504020204" pitchFamily="49" charset="0"/>
+              </a:rPr>
+              <a:t>MINGW64 </a:t>
+            </a:r>
+            <a:r>
+              <a:rPr lang="en-US" dirty="0">
+                <a:solidFill>
+                  <a:srgbClr val="BFBF00"/>
+                </a:solidFill>
+                <a:latin typeface="Lucida Console" panose="020B0609040504020204" pitchFamily="49" charset="0"/>
+                <a:ea typeface="Calibri" panose="020F0502020204030204" pitchFamily="34" charset="0"/>
+                <a:cs typeface="Lucida Console" panose="020B0609040504020204" pitchFamily="49" charset="0"/>
+              </a:rPr>
+              <a:t>~/Documents/</a:t>
+            </a:r>
+            <a:r>
+              <a:rPr lang="en-US" dirty="0" err="1">
+                <a:solidFill>
+                  <a:srgbClr val="BFBF00"/>
+                </a:solidFill>
+                <a:latin typeface="Lucida Console" panose="020B0609040504020204" pitchFamily="49" charset="0"/>
+                <a:ea typeface="Calibri" panose="020F0502020204030204" pitchFamily="34" charset="0"/>
+                <a:cs typeface="Lucida Console" panose="020B0609040504020204" pitchFamily="49" charset="0"/>
+              </a:rPr>
+              <a:t>Git_Repo</a:t>
+            </a:r>
+            <a:r>
+              <a:rPr lang="en-US" dirty="0">
+                <a:solidFill>
+                  <a:srgbClr val="BFBF00"/>
+                </a:solidFill>
+                <a:latin typeface="Lucida Console" panose="020B0609040504020204" pitchFamily="49" charset="0"/>
+                <a:ea typeface="Calibri" panose="020F0502020204030204" pitchFamily="34" charset="0"/>
+                <a:cs typeface="Lucida Console" panose="020B0609040504020204" pitchFamily="49" charset="0"/>
+              </a:rPr>
+              <a:t>/</a:t>
+            </a:r>
+            <a:r>
+              <a:rPr lang="en-US" dirty="0" err="1">
+                <a:solidFill>
+                  <a:srgbClr val="BFBF00"/>
+                </a:solidFill>
+                <a:latin typeface="Lucida Console" panose="020B0609040504020204" pitchFamily="49" charset="0"/>
+                <a:ea typeface="Calibri" panose="020F0502020204030204" pitchFamily="34" charset="0"/>
+                <a:cs typeface="Lucida Console" panose="020B0609040504020204" pitchFamily="49" charset="0"/>
+              </a:rPr>
+              <a:t>DevEnv</a:t>
+            </a:r>
+            <a:r>
+              <a:rPr lang="en-US" dirty="0">
+                <a:solidFill>
+                  <a:srgbClr val="BFBF00"/>
+                </a:solidFill>
+                <a:latin typeface="Lucida Console" panose="020B0609040504020204" pitchFamily="49" charset="0"/>
+                <a:ea typeface="Calibri" panose="020F0502020204030204" pitchFamily="34" charset="0"/>
+                <a:cs typeface="Lucida Console" panose="020B0609040504020204" pitchFamily="49" charset="0"/>
+              </a:rPr>
+              <a:t>-</a:t>
+            </a:r>
+            <a:r>
+              <a:rPr lang="en-US" dirty="0" err="1">
+                <a:solidFill>
+                  <a:srgbClr val="BFBF00"/>
+                </a:solidFill>
+                <a:latin typeface="Lucida Console" panose="020B0609040504020204" pitchFamily="49" charset="0"/>
+                <a:ea typeface="Calibri" panose="020F0502020204030204" pitchFamily="34" charset="0"/>
+                <a:cs typeface="Lucida Console" panose="020B0609040504020204" pitchFamily="49" charset="0"/>
+              </a:rPr>
+              <a:t>SetUp</a:t>
+            </a:r>
+            <a:r>
+              <a:rPr lang="en-US" dirty="0">
+                <a:solidFill>
+                  <a:srgbClr val="BFBF00"/>
+                </a:solidFill>
+                <a:latin typeface="Lucida Console" panose="020B0609040504020204" pitchFamily="49" charset="0"/>
+                <a:ea typeface="Calibri" panose="020F0502020204030204" pitchFamily="34" charset="0"/>
+                <a:cs typeface="Lucida Console" panose="020B0609040504020204" pitchFamily="49" charset="0"/>
+              </a:rPr>
+              <a:t>-Help</a:t>
+            </a:r>
+            <a:r>
+              <a:rPr lang="en-US" dirty="0">
+                <a:solidFill>
+                  <a:srgbClr val="00BFBF"/>
+                </a:solidFill>
+                <a:latin typeface="Lucida Console" panose="020B0609040504020204" pitchFamily="49" charset="0"/>
+                <a:ea typeface="Calibri" panose="020F0502020204030204" pitchFamily="34" charset="0"/>
+                <a:cs typeface="Lucida Console" panose="020B0609040504020204" pitchFamily="49" charset="0"/>
+              </a:rPr>
+              <a:t> (master)</a:t>
+            </a:r>
+            <a:endParaRPr lang="en-US" sz="2800" dirty="0">
+              <a:latin typeface="Calibri" panose="020F0502020204030204" pitchFamily="34" charset="0"/>
+              <a:ea typeface="Calibri" panose="020F0502020204030204" pitchFamily="34" charset="0"/>
+              <a:cs typeface="Times New Roman" panose="02020603050405020304" pitchFamily="18" charset="0"/>
+            </a:endParaRPr>
+          </a:p>
+          <a:p>
+            <a:pPr>
+              <a:lnSpc>
+                <a:spcPct val="107000"/>
+              </a:lnSpc>
+            </a:pPr>
+            <a:r>
+              <a:rPr lang="en-US" dirty="0">
+                <a:latin typeface="Lucida Console" panose="020B0609040504020204" pitchFamily="49" charset="0"/>
+                <a:ea typeface="Calibri" panose="020F0502020204030204" pitchFamily="34" charset="0"/>
+                <a:cs typeface="Lucida Console" panose="020B0609040504020204" pitchFamily="49" charset="0"/>
+              </a:rPr>
+              <a:t>$ ./Git-Update-Online-Repo.sh 'update hidden </a:t>
+            </a:r>
+            <a:r>
+              <a:rPr lang="en-US" dirty="0" err="1">
+                <a:latin typeface="Lucida Console" panose="020B0609040504020204" pitchFamily="49" charset="0"/>
+                <a:ea typeface="Calibri" panose="020F0502020204030204" pitchFamily="34" charset="0"/>
+                <a:cs typeface="Lucida Console" panose="020B0609040504020204" pitchFamily="49" charset="0"/>
+              </a:rPr>
+              <a:t>Thumbs.db</a:t>
+            </a:r>
+            <a:r>
+              <a:rPr lang="en-US" dirty="0">
+                <a:latin typeface="Lucida Console" panose="020B0609040504020204" pitchFamily="49" charset="0"/>
+                <a:ea typeface="Calibri" panose="020F0502020204030204" pitchFamily="34" charset="0"/>
+                <a:cs typeface="Lucida Console" panose="020B0609040504020204" pitchFamily="49" charset="0"/>
+              </a:rPr>
+              <a:t> so push will work'</a:t>
+            </a:r>
+            <a:endParaRPr lang="en-US" sz="2800" dirty="0">
+              <a:latin typeface="Calibri" panose="020F0502020204030204" pitchFamily="34" charset="0"/>
+              <a:ea typeface="Calibri" panose="020F0502020204030204" pitchFamily="34" charset="0"/>
+              <a:cs typeface="Times New Roman" panose="02020603050405020304" pitchFamily="18" charset="0"/>
+            </a:endParaRPr>
+          </a:p>
+          <a:p>
+            <a:pPr>
+              <a:lnSpc>
+                <a:spcPct val="107000"/>
+              </a:lnSpc>
+            </a:pPr>
+            <a:r>
+              <a:rPr lang="en-US" dirty="0">
+                <a:latin typeface="Lucida Console" panose="020B0609040504020204" pitchFamily="49" charset="0"/>
+                <a:ea typeface="Calibri" panose="020F0502020204030204" pitchFamily="34" charset="0"/>
+                <a:cs typeface="Lucida Console" panose="020B0609040504020204" pitchFamily="49" charset="0"/>
+              </a:rPr>
+              <a:t>On branch master</a:t>
+            </a:r>
+            <a:endParaRPr lang="en-US" sz="2800" dirty="0">
+              <a:latin typeface="Calibri" panose="020F0502020204030204" pitchFamily="34" charset="0"/>
+              <a:ea typeface="Calibri" panose="020F0502020204030204" pitchFamily="34" charset="0"/>
+              <a:cs typeface="Times New Roman" panose="02020603050405020304" pitchFamily="18" charset="0"/>
+            </a:endParaRPr>
+          </a:p>
+          <a:p>
+            <a:pPr>
+              <a:lnSpc>
+                <a:spcPct val="107000"/>
+              </a:lnSpc>
+            </a:pPr>
+            <a:r>
+              <a:rPr lang="en-US" dirty="0">
+                <a:latin typeface="Lucida Console" panose="020B0609040504020204" pitchFamily="49" charset="0"/>
+                <a:ea typeface="Calibri" panose="020F0502020204030204" pitchFamily="34" charset="0"/>
+                <a:cs typeface="Lucida Console" panose="020B0609040504020204" pitchFamily="49" charset="0"/>
+              </a:rPr>
+              <a:t>Your branch is up-to-date with 'origin/master'.</a:t>
+            </a:r>
+            <a:endParaRPr lang="en-US" sz="2800" dirty="0">
+              <a:latin typeface="Calibri" panose="020F0502020204030204" pitchFamily="34" charset="0"/>
+              <a:ea typeface="Calibri" panose="020F0502020204030204" pitchFamily="34" charset="0"/>
+              <a:cs typeface="Times New Roman" panose="02020603050405020304" pitchFamily="18" charset="0"/>
+            </a:endParaRPr>
+          </a:p>
+          <a:p>
+            <a:pPr>
+              <a:lnSpc>
+                <a:spcPct val="107000"/>
+              </a:lnSpc>
+            </a:pPr>
+            <a:r>
+              <a:rPr lang="en-US" dirty="0">
+                <a:latin typeface="Lucida Console" panose="020B0609040504020204" pitchFamily="49" charset="0"/>
+                <a:ea typeface="Calibri" panose="020F0502020204030204" pitchFamily="34" charset="0"/>
+                <a:cs typeface="Lucida Console" panose="020B0609040504020204" pitchFamily="49" charset="0"/>
+              </a:rPr>
+              <a:t>Changes to be committed:</a:t>
+            </a:r>
+            <a:endParaRPr lang="en-US" sz="2800" dirty="0">
+              <a:latin typeface="Calibri" panose="020F0502020204030204" pitchFamily="34" charset="0"/>
+              <a:ea typeface="Calibri" panose="020F0502020204030204" pitchFamily="34" charset="0"/>
+              <a:cs typeface="Times New Roman" panose="02020603050405020304" pitchFamily="18" charset="0"/>
+            </a:endParaRPr>
+          </a:p>
+          <a:p>
+            <a:pPr>
+              <a:lnSpc>
+                <a:spcPct val="107000"/>
+              </a:lnSpc>
+            </a:pPr>
+            <a:r>
+              <a:rPr lang="en-US" dirty="0">
+                <a:latin typeface="Lucida Console" panose="020B0609040504020204" pitchFamily="49" charset="0"/>
+                <a:ea typeface="Calibri" panose="020F0502020204030204" pitchFamily="34" charset="0"/>
+                <a:cs typeface="Lucida Console" panose="020B0609040504020204" pitchFamily="49" charset="0"/>
+              </a:rPr>
+              <a:t>  (use "</a:t>
+            </a:r>
+            <a:r>
+              <a:rPr lang="en-US" dirty="0" err="1">
+                <a:latin typeface="Lucida Console" panose="020B0609040504020204" pitchFamily="49" charset="0"/>
+                <a:ea typeface="Calibri" panose="020F0502020204030204" pitchFamily="34" charset="0"/>
+                <a:cs typeface="Lucida Console" panose="020B0609040504020204" pitchFamily="49" charset="0"/>
+              </a:rPr>
+              <a:t>git</a:t>
+            </a:r>
+            <a:r>
+              <a:rPr lang="en-US" dirty="0">
+                <a:latin typeface="Lucida Console" panose="020B0609040504020204" pitchFamily="49" charset="0"/>
+                <a:ea typeface="Calibri" panose="020F0502020204030204" pitchFamily="34" charset="0"/>
+                <a:cs typeface="Lucida Console" panose="020B0609040504020204" pitchFamily="49" charset="0"/>
+              </a:rPr>
+              <a:t> reset HEAD &lt;file&gt;..." to </a:t>
+            </a:r>
+            <a:r>
+              <a:rPr lang="en-US" dirty="0" err="1">
+                <a:latin typeface="Lucida Console" panose="020B0609040504020204" pitchFamily="49" charset="0"/>
+                <a:ea typeface="Calibri" panose="020F0502020204030204" pitchFamily="34" charset="0"/>
+                <a:cs typeface="Lucida Console" panose="020B0609040504020204" pitchFamily="49" charset="0"/>
+              </a:rPr>
+              <a:t>unstage</a:t>
+            </a:r>
+            <a:r>
+              <a:rPr lang="en-US" dirty="0">
+                <a:latin typeface="Lucida Console" panose="020B0609040504020204" pitchFamily="49" charset="0"/>
+                <a:ea typeface="Calibri" panose="020F0502020204030204" pitchFamily="34" charset="0"/>
+                <a:cs typeface="Lucida Console" panose="020B0609040504020204" pitchFamily="49" charset="0"/>
+              </a:rPr>
+              <a:t>)</a:t>
+            </a:r>
+            <a:endParaRPr lang="en-US" sz="2800" dirty="0">
+              <a:latin typeface="Calibri" panose="020F0502020204030204" pitchFamily="34" charset="0"/>
+              <a:ea typeface="Calibri" panose="020F0502020204030204" pitchFamily="34" charset="0"/>
+              <a:cs typeface="Times New Roman" panose="02020603050405020304" pitchFamily="18" charset="0"/>
+            </a:endParaRPr>
+          </a:p>
+          <a:p>
+            <a:pPr>
+              <a:lnSpc>
+                <a:spcPct val="107000"/>
+              </a:lnSpc>
+            </a:pPr>
+            <a:r>
+              <a:rPr lang="en-US" dirty="0">
+                <a:latin typeface="Lucida Console" panose="020B0609040504020204" pitchFamily="49" charset="0"/>
+                <a:ea typeface="Calibri" panose="020F0502020204030204" pitchFamily="34" charset="0"/>
+                <a:cs typeface="Lucida Console" panose="020B0609040504020204" pitchFamily="49" charset="0"/>
+              </a:rPr>
+              <a:t> </a:t>
+            </a:r>
+            <a:endParaRPr lang="en-US" sz="2800" dirty="0">
+              <a:latin typeface="Calibri" panose="020F0502020204030204" pitchFamily="34" charset="0"/>
+              <a:ea typeface="Calibri" panose="020F0502020204030204" pitchFamily="34" charset="0"/>
+              <a:cs typeface="Times New Roman" panose="02020603050405020304" pitchFamily="18" charset="0"/>
+            </a:endParaRPr>
+          </a:p>
+          <a:p>
+            <a:pPr>
+              <a:lnSpc>
+                <a:spcPct val="107000"/>
+              </a:lnSpc>
+            </a:pPr>
+            <a:r>
+              <a:rPr lang="en-US" dirty="0">
+                <a:latin typeface="Lucida Console" panose="020B0609040504020204" pitchFamily="49" charset="0"/>
+                <a:ea typeface="Calibri" panose="020F0502020204030204" pitchFamily="34" charset="0"/>
+                <a:cs typeface="Lucida Console" panose="020B0609040504020204" pitchFamily="49" charset="0"/>
+              </a:rPr>
+              <a:t>        </a:t>
+            </a:r>
+            <a:r>
+              <a:rPr lang="en-US" dirty="0">
+                <a:solidFill>
+                  <a:srgbClr val="00BF00"/>
+                </a:solidFill>
+                <a:latin typeface="Lucida Console" panose="020B0609040504020204" pitchFamily="49" charset="0"/>
+                <a:ea typeface="Calibri" panose="020F0502020204030204" pitchFamily="34" charset="0"/>
+                <a:cs typeface="Lucida Console" panose="020B0609040504020204" pitchFamily="49" charset="0"/>
+              </a:rPr>
+              <a:t>modified:   GitHub_win7/</a:t>
+            </a:r>
+            <a:r>
+              <a:rPr lang="en-US" dirty="0" err="1">
+                <a:solidFill>
+                  <a:srgbClr val="00BF00"/>
+                </a:solidFill>
+                <a:latin typeface="Lucida Console" panose="020B0609040504020204" pitchFamily="49" charset="0"/>
+                <a:ea typeface="Calibri" panose="020F0502020204030204" pitchFamily="34" charset="0"/>
+                <a:cs typeface="Lucida Console" panose="020B0609040504020204" pitchFamily="49" charset="0"/>
+              </a:rPr>
+              <a:t>Thumbs.db</a:t>
+            </a:r>
+            <a:endParaRPr lang="en-US" sz="2800" dirty="0">
+              <a:latin typeface="Calibri" panose="020F0502020204030204" pitchFamily="34" charset="0"/>
+              <a:ea typeface="Calibri" panose="020F0502020204030204" pitchFamily="34" charset="0"/>
+              <a:cs typeface="Times New Roman" panose="02020603050405020304" pitchFamily="18" charset="0"/>
+            </a:endParaRPr>
+          </a:p>
+          <a:p>
+            <a:pPr>
+              <a:lnSpc>
+                <a:spcPct val="107000"/>
+              </a:lnSpc>
+            </a:pPr>
+            <a:r>
+              <a:rPr lang="en-US" dirty="0">
+                <a:solidFill>
+                  <a:srgbClr val="00BF00"/>
+                </a:solidFill>
+                <a:latin typeface="Lucida Console" panose="020B0609040504020204" pitchFamily="49" charset="0"/>
+                <a:ea typeface="Calibri" panose="020F0502020204030204" pitchFamily="34" charset="0"/>
+                <a:cs typeface="Lucida Console" panose="020B0609040504020204" pitchFamily="49" charset="0"/>
+              </a:rPr>
+              <a:t> </a:t>
+            </a:r>
+            <a:endParaRPr lang="en-US" sz="2800" dirty="0">
+              <a:latin typeface="Calibri" panose="020F0502020204030204" pitchFamily="34" charset="0"/>
+              <a:ea typeface="Calibri" panose="020F0502020204030204" pitchFamily="34" charset="0"/>
+              <a:cs typeface="Times New Roman" panose="02020603050405020304" pitchFamily="18" charset="0"/>
+            </a:endParaRPr>
+          </a:p>
+          <a:p>
+            <a:pPr>
+              <a:lnSpc>
+                <a:spcPct val="107000"/>
+              </a:lnSpc>
+            </a:pPr>
+            <a:r>
+              <a:rPr lang="en-US" dirty="0">
+                <a:latin typeface="Lucida Console" panose="020B0609040504020204" pitchFamily="49" charset="0"/>
+                <a:ea typeface="Calibri" panose="020F0502020204030204" pitchFamily="34" charset="0"/>
+                <a:cs typeface="Lucida Console" panose="020B0609040504020204" pitchFamily="49" charset="0"/>
+              </a:rPr>
+              <a:t>[master fe68438] update hidden </a:t>
+            </a:r>
+            <a:r>
+              <a:rPr lang="en-US" dirty="0" err="1">
+                <a:latin typeface="Lucida Console" panose="020B0609040504020204" pitchFamily="49" charset="0"/>
+                <a:ea typeface="Calibri" panose="020F0502020204030204" pitchFamily="34" charset="0"/>
+                <a:cs typeface="Lucida Console" panose="020B0609040504020204" pitchFamily="49" charset="0"/>
+              </a:rPr>
+              <a:t>Thumbs.db</a:t>
+            </a:r>
+            <a:r>
+              <a:rPr lang="en-US" dirty="0">
+                <a:latin typeface="Lucida Console" panose="020B0609040504020204" pitchFamily="49" charset="0"/>
+                <a:ea typeface="Calibri" panose="020F0502020204030204" pitchFamily="34" charset="0"/>
+                <a:cs typeface="Lucida Console" panose="020B0609040504020204" pitchFamily="49" charset="0"/>
+              </a:rPr>
+              <a:t> so push will work</a:t>
+            </a:r>
+            <a:endParaRPr lang="en-US" sz="2800" dirty="0">
+              <a:latin typeface="Calibri" panose="020F0502020204030204" pitchFamily="34" charset="0"/>
+              <a:ea typeface="Calibri" panose="020F0502020204030204" pitchFamily="34" charset="0"/>
+              <a:cs typeface="Times New Roman" panose="02020603050405020304" pitchFamily="18" charset="0"/>
+            </a:endParaRPr>
+          </a:p>
+          <a:p>
+            <a:pPr>
+              <a:lnSpc>
+                <a:spcPct val="107000"/>
+              </a:lnSpc>
+            </a:pPr>
+            <a:r>
+              <a:rPr lang="en-US" dirty="0">
+                <a:latin typeface="Lucida Console" panose="020B0609040504020204" pitchFamily="49" charset="0"/>
+                <a:ea typeface="Calibri" panose="020F0502020204030204" pitchFamily="34" charset="0"/>
+                <a:cs typeface="Lucida Console" panose="020B0609040504020204" pitchFamily="49" charset="0"/>
+              </a:rPr>
+              <a:t> 1 file changed, 0 insertions(+), 0 deletions(-)</a:t>
+            </a:r>
+            <a:endParaRPr lang="en-US" sz="2800" dirty="0">
+              <a:latin typeface="Calibri" panose="020F0502020204030204" pitchFamily="34" charset="0"/>
+              <a:ea typeface="Calibri" panose="020F0502020204030204" pitchFamily="34" charset="0"/>
+              <a:cs typeface="Times New Roman" panose="02020603050405020304" pitchFamily="18" charset="0"/>
+            </a:endParaRPr>
+          </a:p>
+          <a:p>
+            <a:pPr>
+              <a:lnSpc>
+                <a:spcPct val="107000"/>
+              </a:lnSpc>
+            </a:pPr>
+            <a:r>
+              <a:rPr lang="en-US" dirty="0">
+                <a:latin typeface="Lucida Console" panose="020B0609040504020204" pitchFamily="49" charset="0"/>
+                <a:ea typeface="Calibri" panose="020F0502020204030204" pitchFamily="34" charset="0"/>
+                <a:cs typeface="Lucida Console" panose="020B0609040504020204" pitchFamily="49" charset="0"/>
+              </a:rPr>
+              <a:t>Counting objects: 4, done.</a:t>
+            </a:r>
+            <a:endParaRPr lang="en-US" sz="2800" dirty="0">
+              <a:latin typeface="Calibri" panose="020F0502020204030204" pitchFamily="34" charset="0"/>
+              <a:ea typeface="Calibri" panose="020F0502020204030204" pitchFamily="34" charset="0"/>
+              <a:cs typeface="Times New Roman" panose="02020603050405020304" pitchFamily="18" charset="0"/>
+            </a:endParaRPr>
+          </a:p>
+          <a:p>
+            <a:pPr>
+              <a:lnSpc>
+                <a:spcPct val="107000"/>
+              </a:lnSpc>
+            </a:pPr>
+            <a:r>
+              <a:rPr lang="en-US" dirty="0">
+                <a:latin typeface="Lucida Console" panose="020B0609040504020204" pitchFamily="49" charset="0"/>
+                <a:ea typeface="Calibri" panose="020F0502020204030204" pitchFamily="34" charset="0"/>
+                <a:cs typeface="Lucida Console" panose="020B0609040504020204" pitchFamily="49" charset="0"/>
+              </a:rPr>
+              <a:t>Delta compression using up to 2 threads.</a:t>
+            </a:r>
+            <a:endParaRPr lang="en-US" sz="2800" dirty="0">
+              <a:latin typeface="Calibri" panose="020F0502020204030204" pitchFamily="34" charset="0"/>
+              <a:ea typeface="Calibri" panose="020F0502020204030204" pitchFamily="34" charset="0"/>
+              <a:cs typeface="Times New Roman" panose="02020603050405020304" pitchFamily="18" charset="0"/>
+            </a:endParaRPr>
+          </a:p>
+          <a:p>
+            <a:pPr>
+              <a:lnSpc>
+                <a:spcPct val="107000"/>
+              </a:lnSpc>
+            </a:pPr>
+            <a:r>
+              <a:rPr lang="en-US" dirty="0">
+                <a:latin typeface="Lucida Console" panose="020B0609040504020204" pitchFamily="49" charset="0"/>
+                <a:ea typeface="Calibri" panose="020F0502020204030204" pitchFamily="34" charset="0"/>
+                <a:cs typeface="Lucida Console" panose="020B0609040504020204" pitchFamily="49" charset="0"/>
+              </a:rPr>
+              <a:t>Compressing objects: 100% (4/4), done.</a:t>
+            </a:r>
+            <a:endParaRPr lang="en-US" sz="2800" dirty="0">
+              <a:latin typeface="Calibri" panose="020F0502020204030204" pitchFamily="34" charset="0"/>
+              <a:ea typeface="Calibri" panose="020F0502020204030204" pitchFamily="34" charset="0"/>
+              <a:cs typeface="Times New Roman" panose="02020603050405020304" pitchFamily="18" charset="0"/>
+            </a:endParaRPr>
+          </a:p>
+          <a:p>
+            <a:pPr>
+              <a:lnSpc>
+                <a:spcPct val="107000"/>
+              </a:lnSpc>
+            </a:pPr>
+            <a:r>
+              <a:rPr lang="en-US" dirty="0">
+                <a:latin typeface="Lucida Console" panose="020B0609040504020204" pitchFamily="49" charset="0"/>
+                <a:ea typeface="Calibri" panose="020F0502020204030204" pitchFamily="34" charset="0"/>
+                <a:cs typeface="Lucida Console" panose="020B0609040504020204" pitchFamily="49" charset="0"/>
+              </a:rPr>
+              <a:t>Writing objects: 100% (4/4), 400 bytes | 0 bytes/s, done.</a:t>
+            </a:r>
+            <a:endParaRPr lang="en-US" sz="2800" dirty="0">
+              <a:latin typeface="Calibri" panose="020F0502020204030204" pitchFamily="34" charset="0"/>
+              <a:ea typeface="Calibri" panose="020F0502020204030204" pitchFamily="34" charset="0"/>
+              <a:cs typeface="Times New Roman" panose="02020603050405020304" pitchFamily="18" charset="0"/>
+            </a:endParaRPr>
+          </a:p>
+          <a:p>
+            <a:pPr>
+              <a:lnSpc>
+                <a:spcPct val="107000"/>
+              </a:lnSpc>
+            </a:pPr>
+            <a:r>
+              <a:rPr lang="en-US" dirty="0">
+                <a:latin typeface="Lucida Console" panose="020B0609040504020204" pitchFamily="49" charset="0"/>
+                <a:ea typeface="Calibri" panose="020F0502020204030204" pitchFamily="34" charset="0"/>
+                <a:cs typeface="Lucida Console" panose="020B0609040504020204" pitchFamily="49" charset="0"/>
+              </a:rPr>
+              <a:t>Total 4 (delta 3), reused 0 (delta 0)</a:t>
+            </a:r>
+            <a:endParaRPr lang="en-US" sz="2800" dirty="0">
+              <a:latin typeface="Calibri" panose="020F0502020204030204" pitchFamily="34" charset="0"/>
+              <a:ea typeface="Calibri" panose="020F0502020204030204" pitchFamily="34" charset="0"/>
+              <a:cs typeface="Times New Roman" panose="02020603050405020304" pitchFamily="18" charset="0"/>
+            </a:endParaRPr>
+          </a:p>
+          <a:p>
+            <a:pPr>
+              <a:lnSpc>
+                <a:spcPct val="107000"/>
+              </a:lnSpc>
+            </a:pPr>
+            <a:r>
+              <a:rPr lang="en-US" dirty="0">
+                <a:latin typeface="Lucida Console" panose="020B0609040504020204" pitchFamily="49" charset="0"/>
+                <a:ea typeface="Calibri" panose="020F0502020204030204" pitchFamily="34" charset="0"/>
+                <a:cs typeface="Lucida Console" panose="020B0609040504020204" pitchFamily="49" charset="0"/>
+              </a:rPr>
+              <a:t>remote: Resolving deltas: 100% (3/3), completed with 3 local objects.</a:t>
+            </a:r>
+            <a:endParaRPr lang="en-US" sz="2800" dirty="0">
+              <a:latin typeface="Calibri" panose="020F0502020204030204" pitchFamily="34" charset="0"/>
+              <a:ea typeface="Calibri" panose="020F0502020204030204" pitchFamily="34" charset="0"/>
+              <a:cs typeface="Times New Roman" panose="02020603050405020304" pitchFamily="18" charset="0"/>
+            </a:endParaRPr>
+          </a:p>
+          <a:p>
+            <a:pPr>
+              <a:lnSpc>
+                <a:spcPct val="107000"/>
+              </a:lnSpc>
+            </a:pPr>
+            <a:r>
+              <a:rPr lang="en-US" dirty="0">
+                <a:latin typeface="Lucida Console" panose="020B0609040504020204" pitchFamily="49" charset="0"/>
+                <a:ea typeface="Calibri" panose="020F0502020204030204" pitchFamily="34" charset="0"/>
+                <a:cs typeface="Lucida Console" panose="020B0609040504020204" pitchFamily="49" charset="0"/>
+              </a:rPr>
+              <a:t>To https://github.com/TheMitchWorksPro/DevEnv-SetUp-Help</a:t>
+            </a:r>
+            <a:endParaRPr lang="en-US" sz="2800" dirty="0">
+              <a:latin typeface="Calibri" panose="020F0502020204030204" pitchFamily="34" charset="0"/>
+              <a:ea typeface="Calibri" panose="020F0502020204030204" pitchFamily="34" charset="0"/>
+              <a:cs typeface="Times New Roman" panose="02020603050405020304" pitchFamily="18" charset="0"/>
+            </a:endParaRPr>
+          </a:p>
+          <a:p>
+            <a:pPr>
+              <a:lnSpc>
+                <a:spcPct val="107000"/>
+              </a:lnSpc>
+            </a:pPr>
+            <a:r>
+              <a:rPr lang="en-US" dirty="0">
+                <a:latin typeface="Lucida Console" panose="020B0609040504020204" pitchFamily="49" charset="0"/>
+                <a:ea typeface="Calibri" panose="020F0502020204030204" pitchFamily="34" charset="0"/>
+                <a:cs typeface="Lucida Console" panose="020B0609040504020204" pitchFamily="49" charset="0"/>
+              </a:rPr>
+              <a:t>   57d410a..fe68438  master -&gt; master</a:t>
+            </a:r>
+            <a:endParaRPr lang="en-US" sz="2800" dirty="0">
+              <a:latin typeface="Calibri" panose="020F0502020204030204" pitchFamily="34" charset="0"/>
+              <a:ea typeface="Calibri" panose="020F0502020204030204" pitchFamily="34" charset="0"/>
+              <a:cs typeface="Times New Roman" panose="02020603050405020304" pitchFamily="18" charset="0"/>
+            </a:endParaRPr>
+          </a:p>
+          <a:p>
+            <a:pPr>
+              <a:lnSpc>
+                <a:spcPct val="107000"/>
+              </a:lnSpc>
+            </a:pPr>
+            <a:r>
+              <a:rPr lang="en-US" dirty="0">
+                <a:latin typeface="Lucida Console" panose="020B0609040504020204" pitchFamily="49" charset="0"/>
+                <a:ea typeface="Calibri" panose="020F0502020204030204" pitchFamily="34" charset="0"/>
+                <a:cs typeface="Lucida Console" panose="020B0609040504020204" pitchFamily="49" charset="0"/>
+              </a:rPr>
+              <a:t> </a:t>
+            </a:r>
+            <a:endParaRPr lang="en-US" sz="2800" dirty="0">
+              <a:latin typeface="Calibri" panose="020F0502020204030204" pitchFamily="34" charset="0"/>
+              <a:ea typeface="Calibri" panose="020F0502020204030204" pitchFamily="34" charset="0"/>
+              <a:cs typeface="Times New Roman" panose="02020603050405020304" pitchFamily="18" charset="0"/>
+            </a:endParaRPr>
+          </a:p>
+          <a:p>
+            <a:pPr>
+              <a:lnSpc>
+                <a:spcPct val="107000"/>
+              </a:lnSpc>
+            </a:pPr>
+            <a:r>
+              <a:rPr lang="en-US" dirty="0">
+                <a:solidFill>
+                  <a:srgbClr val="00BF00"/>
+                </a:solidFill>
+                <a:latin typeface="Lucida Console" panose="020B0609040504020204" pitchFamily="49" charset="0"/>
+                <a:ea typeface="Calibri" panose="020F0502020204030204" pitchFamily="34" charset="0"/>
+                <a:cs typeface="Lucida Console" panose="020B0609040504020204" pitchFamily="49" charset="0"/>
+              </a:rPr>
+              <a:t>Mitch@Win7-PC </a:t>
+            </a:r>
+            <a:r>
+              <a:rPr lang="en-US" dirty="0">
+                <a:solidFill>
+                  <a:srgbClr val="BF00BF"/>
+                </a:solidFill>
+                <a:latin typeface="Lucida Console" panose="020B0609040504020204" pitchFamily="49" charset="0"/>
+                <a:ea typeface="Calibri" panose="020F0502020204030204" pitchFamily="34" charset="0"/>
+                <a:cs typeface="Lucida Console" panose="020B0609040504020204" pitchFamily="49" charset="0"/>
+              </a:rPr>
+              <a:t>MINGW64 </a:t>
+            </a:r>
+            <a:r>
+              <a:rPr lang="en-US" dirty="0">
+                <a:solidFill>
+                  <a:srgbClr val="BFBF00"/>
+                </a:solidFill>
+                <a:latin typeface="Lucida Console" panose="020B0609040504020204" pitchFamily="49" charset="0"/>
+                <a:ea typeface="Calibri" panose="020F0502020204030204" pitchFamily="34" charset="0"/>
+                <a:cs typeface="Lucida Console" panose="020B0609040504020204" pitchFamily="49" charset="0"/>
+              </a:rPr>
+              <a:t>~/Documents/</a:t>
+            </a:r>
+            <a:r>
+              <a:rPr lang="en-US" dirty="0" err="1">
+                <a:solidFill>
+                  <a:srgbClr val="BFBF00"/>
+                </a:solidFill>
+                <a:latin typeface="Lucida Console" panose="020B0609040504020204" pitchFamily="49" charset="0"/>
+                <a:ea typeface="Calibri" panose="020F0502020204030204" pitchFamily="34" charset="0"/>
+                <a:cs typeface="Lucida Console" panose="020B0609040504020204" pitchFamily="49" charset="0"/>
+              </a:rPr>
+              <a:t>Git_Repo</a:t>
+            </a:r>
+            <a:r>
+              <a:rPr lang="en-US" dirty="0">
+                <a:solidFill>
+                  <a:srgbClr val="BFBF00"/>
+                </a:solidFill>
+                <a:latin typeface="Lucida Console" panose="020B0609040504020204" pitchFamily="49" charset="0"/>
+                <a:ea typeface="Calibri" panose="020F0502020204030204" pitchFamily="34" charset="0"/>
+                <a:cs typeface="Lucida Console" panose="020B0609040504020204" pitchFamily="49" charset="0"/>
+              </a:rPr>
+              <a:t>/</a:t>
+            </a:r>
+            <a:r>
+              <a:rPr lang="en-US" dirty="0" err="1">
+                <a:solidFill>
+                  <a:srgbClr val="BFBF00"/>
+                </a:solidFill>
+                <a:latin typeface="Lucida Console" panose="020B0609040504020204" pitchFamily="49" charset="0"/>
+                <a:ea typeface="Calibri" panose="020F0502020204030204" pitchFamily="34" charset="0"/>
+                <a:cs typeface="Lucida Console" panose="020B0609040504020204" pitchFamily="49" charset="0"/>
+              </a:rPr>
+              <a:t>DevEnv</a:t>
+            </a:r>
+            <a:r>
+              <a:rPr lang="en-US" dirty="0">
+                <a:solidFill>
+                  <a:srgbClr val="BFBF00"/>
+                </a:solidFill>
+                <a:latin typeface="Lucida Console" panose="020B0609040504020204" pitchFamily="49" charset="0"/>
+                <a:ea typeface="Calibri" panose="020F0502020204030204" pitchFamily="34" charset="0"/>
+                <a:cs typeface="Lucida Console" panose="020B0609040504020204" pitchFamily="49" charset="0"/>
+              </a:rPr>
+              <a:t>-</a:t>
+            </a:r>
+            <a:r>
+              <a:rPr lang="en-US" dirty="0" err="1">
+                <a:solidFill>
+                  <a:srgbClr val="BFBF00"/>
+                </a:solidFill>
+                <a:latin typeface="Lucida Console" panose="020B0609040504020204" pitchFamily="49" charset="0"/>
+                <a:ea typeface="Calibri" panose="020F0502020204030204" pitchFamily="34" charset="0"/>
+                <a:cs typeface="Lucida Console" panose="020B0609040504020204" pitchFamily="49" charset="0"/>
+              </a:rPr>
+              <a:t>SetUp</a:t>
+            </a:r>
+            <a:r>
+              <a:rPr lang="en-US" dirty="0">
+                <a:solidFill>
+                  <a:srgbClr val="BFBF00"/>
+                </a:solidFill>
+                <a:latin typeface="Lucida Console" panose="020B0609040504020204" pitchFamily="49" charset="0"/>
+                <a:ea typeface="Calibri" panose="020F0502020204030204" pitchFamily="34" charset="0"/>
+                <a:cs typeface="Lucida Console" panose="020B0609040504020204" pitchFamily="49" charset="0"/>
+              </a:rPr>
+              <a:t>-Help</a:t>
+            </a:r>
+            <a:r>
+              <a:rPr lang="en-US" dirty="0">
+                <a:solidFill>
+                  <a:srgbClr val="00BFBF"/>
+                </a:solidFill>
+                <a:latin typeface="Lucida Console" panose="020B0609040504020204" pitchFamily="49" charset="0"/>
+                <a:ea typeface="Calibri" panose="020F0502020204030204" pitchFamily="34" charset="0"/>
+                <a:cs typeface="Lucida Console" panose="020B0609040504020204" pitchFamily="49" charset="0"/>
+              </a:rPr>
+              <a:t> (master)</a:t>
+            </a:r>
+            <a:endParaRPr lang="en-US" sz="2800" dirty="0">
+              <a:latin typeface="Calibri" panose="020F0502020204030204" pitchFamily="34" charset="0"/>
+              <a:ea typeface="Calibri" panose="020F0502020204030204" pitchFamily="34" charset="0"/>
+              <a:cs typeface="Times New Roman" panose="02020603050405020304" pitchFamily="18" charset="0"/>
+            </a:endParaRPr>
+          </a:p>
+          <a:p>
+            <a:pPr>
+              <a:lnSpc>
+                <a:spcPct val="107000"/>
+              </a:lnSpc>
+            </a:pPr>
+            <a:r>
+              <a:rPr lang="en-US" dirty="0">
+                <a:latin typeface="Lucida Console" panose="020B0609040504020204" pitchFamily="49" charset="0"/>
+                <a:ea typeface="Calibri" panose="020F0502020204030204" pitchFamily="34" charset="0"/>
+                <a:cs typeface="Lucida Console" panose="020B0609040504020204" pitchFamily="49" charset="0"/>
+              </a:rPr>
+              <a:t>$ </a:t>
+            </a:r>
+            <a:r>
+              <a:rPr lang="en-US" dirty="0" err="1">
+                <a:latin typeface="Lucida Console" panose="020B0609040504020204" pitchFamily="49" charset="0"/>
+                <a:ea typeface="Calibri" panose="020F0502020204030204" pitchFamily="34" charset="0"/>
+                <a:cs typeface="Lucida Console" panose="020B0609040504020204" pitchFamily="49" charset="0"/>
+              </a:rPr>
+              <a:t>git</a:t>
+            </a:r>
+            <a:r>
+              <a:rPr lang="en-US" dirty="0">
+                <a:latin typeface="Lucida Console" panose="020B0609040504020204" pitchFamily="49" charset="0"/>
+                <a:ea typeface="Calibri" panose="020F0502020204030204" pitchFamily="34" charset="0"/>
+                <a:cs typeface="Lucida Console" panose="020B0609040504020204" pitchFamily="49" charset="0"/>
+              </a:rPr>
+              <a:t> status</a:t>
+            </a:r>
+            <a:endParaRPr lang="en-US" sz="2800" dirty="0">
+              <a:latin typeface="Calibri" panose="020F0502020204030204" pitchFamily="34" charset="0"/>
+              <a:ea typeface="Calibri" panose="020F0502020204030204" pitchFamily="34" charset="0"/>
+              <a:cs typeface="Times New Roman" panose="02020603050405020304" pitchFamily="18" charset="0"/>
+            </a:endParaRPr>
+          </a:p>
+          <a:p>
+            <a:pPr>
+              <a:lnSpc>
+                <a:spcPct val="107000"/>
+              </a:lnSpc>
+            </a:pPr>
+            <a:r>
+              <a:rPr lang="en-US" dirty="0">
+                <a:latin typeface="Lucida Console" panose="020B0609040504020204" pitchFamily="49" charset="0"/>
+                <a:ea typeface="Calibri" panose="020F0502020204030204" pitchFamily="34" charset="0"/>
+                <a:cs typeface="Lucida Console" panose="020B0609040504020204" pitchFamily="49" charset="0"/>
+              </a:rPr>
+              <a:t>On branch master</a:t>
+            </a:r>
+            <a:endParaRPr lang="en-US" sz="2800" dirty="0">
+              <a:latin typeface="Calibri" panose="020F0502020204030204" pitchFamily="34" charset="0"/>
+              <a:ea typeface="Calibri" panose="020F0502020204030204" pitchFamily="34" charset="0"/>
+              <a:cs typeface="Times New Roman" panose="02020603050405020304" pitchFamily="18" charset="0"/>
+            </a:endParaRPr>
+          </a:p>
+          <a:p>
+            <a:pPr>
+              <a:lnSpc>
+                <a:spcPct val="107000"/>
+              </a:lnSpc>
+            </a:pPr>
+            <a:r>
+              <a:rPr lang="en-US" dirty="0">
+                <a:latin typeface="Lucida Console" panose="020B0609040504020204" pitchFamily="49" charset="0"/>
+                <a:ea typeface="Calibri" panose="020F0502020204030204" pitchFamily="34" charset="0"/>
+                <a:cs typeface="Lucida Console" panose="020B0609040504020204" pitchFamily="49" charset="0"/>
+              </a:rPr>
+              <a:t>Your branch is up-to-date with 'origin/master'.</a:t>
+            </a:r>
+            <a:endParaRPr lang="en-US" sz="2800" dirty="0">
+              <a:latin typeface="Calibri" panose="020F0502020204030204" pitchFamily="34" charset="0"/>
+              <a:ea typeface="Calibri" panose="020F0502020204030204" pitchFamily="34" charset="0"/>
+              <a:cs typeface="Times New Roman" panose="02020603050405020304" pitchFamily="18" charset="0"/>
+            </a:endParaRPr>
+          </a:p>
+          <a:p>
+            <a:pPr>
+              <a:lnSpc>
+                <a:spcPct val="107000"/>
+              </a:lnSpc>
+            </a:pPr>
+            <a:r>
+              <a:rPr lang="en-US" dirty="0">
+                <a:latin typeface="Lucida Console" panose="020B0609040504020204" pitchFamily="49" charset="0"/>
+                <a:ea typeface="Calibri" panose="020F0502020204030204" pitchFamily="34" charset="0"/>
+                <a:cs typeface="Lucida Console" panose="020B0609040504020204" pitchFamily="49" charset="0"/>
+              </a:rPr>
+              <a:t>nothing to commit, working tree clean</a:t>
+            </a:r>
+            <a:endParaRPr lang="en-US" sz="2800" dirty="0">
+              <a:latin typeface="Calibri" panose="020F0502020204030204" pitchFamily="34" charset="0"/>
+              <a:ea typeface="Calibri" panose="020F0502020204030204" pitchFamily="34" charset="0"/>
+              <a:cs typeface="Times New Roman" panose="02020603050405020304" pitchFamily="18" charset="0"/>
+            </a:endParaRPr>
+          </a:p>
+          <a:p>
+            <a:pPr>
+              <a:lnSpc>
+                <a:spcPct val="107000"/>
+              </a:lnSpc>
+            </a:pPr>
+            <a:r>
+              <a:rPr lang="en-US" dirty="0">
+                <a:latin typeface="Lucida Console" panose="020B0609040504020204" pitchFamily="49" charset="0"/>
+                <a:ea typeface="Calibri" panose="020F0502020204030204" pitchFamily="34" charset="0"/>
+                <a:cs typeface="Lucida Console" panose="020B0609040504020204" pitchFamily="49" charset="0"/>
+              </a:rPr>
+              <a:t> </a:t>
+            </a:r>
+            <a:endParaRPr lang="en-US" sz="2800" dirty="0">
+              <a:latin typeface="Calibri" panose="020F0502020204030204" pitchFamily="34" charset="0"/>
+              <a:ea typeface="Calibri" panose="020F0502020204030204" pitchFamily="34" charset="0"/>
+              <a:cs typeface="Times New Roman" panose="02020603050405020304" pitchFamily="18" charset="0"/>
+            </a:endParaRPr>
+          </a:p>
+          <a:p>
+            <a:pPr>
+              <a:lnSpc>
+                <a:spcPct val="107000"/>
+              </a:lnSpc>
+            </a:pPr>
+            <a:r>
+              <a:rPr lang="en-US" dirty="0">
+                <a:solidFill>
+                  <a:srgbClr val="00BF00"/>
+                </a:solidFill>
+                <a:latin typeface="Lucida Console" panose="020B0609040504020204" pitchFamily="49" charset="0"/>
+                <a:ea typeface="Calibri" panose="020F0502020204030204" pitchFamily="34" charset="0"/>
+                <a:cs typeface="Lucida Console" panose="020B0609040504020204" pitchFamily="49" charset="0"/>
+              </a:rPr>
+              <a:t>Mitch@Win7-PC </a:t>
+            </a:r>
+            <a:r>
+              <a:rPr lang="en-US" dirty="0">
+                <a:solidFill>
+                  <a:srgbClr val="BF00BF"/>
+                </a:solidFill>
+                <a:latin typeface="Lucida Console" panose="020B0609040504020204" pitchFamily="49" charset="0"/>
+                <a:ea typeface="Calibri" panose="020F0502020204030204" pitchFamily="34" charset="0"/>
+                <a:cs typeface="Lucida Console" panose="020B0609040504020204" pitchFamily="49" charset="0"/>
+              </a:rPr>
+              <a:t>MINGW64 </a:t>
+            </a:r>
+            <a:r>
+              <a:rPr lang="en-US" dirty="0">
+                <a:solidFill>
+                  <a:srgbClr val="BFBF00"/>
+                </a:solidFill>
+                <a:latin typeface="Lucida Console" panose="020B0609040504020204" pitchFamily="49" charset="0"/>
+                <a:ea typeface="Calibri" panose="020F0502020204030204" pitchFamily="34" charset="0"/>
+                <a:cs typeface="Lucida Console" panose="020B0609040504020204" pitchFamily="49" charset="0"/>
+              </a:rPr>
+              <a:t>~/Documents/</a:t>
+            </a:r>
+            <a:r>
+              <a:rPr lang="en-US" dirty="0" err="1">
+                <a:solidFill>
+                  <a:srgbClr val="BFBF00"/>
+                </a:solidFill>
+                <a:latin typeface="Lucida Console" panose="020B0609040504020204" pitchFamily="49" charset="0"/>
+                <a:ea typeface="Calibri" panose="020F0502020204030204" pitchFamily="34" charset="0"/>
+                <a:cs typeface="Lucida Console" panose="020B0609040504020204" pitchFamily="49" charset="0"/>
+              </a:rPr>
+              <a:t>Git_Repo</a:t>
+            </a:r>
+            <a:r>
+              <a:rPr lang="en-US" dirty="0">
+                <a:solidFill>
+                  <a:srgbClr val="BFBF00"/>
+                </a:solidFill>
+                <a:latin typeface="Lucida Console" panose="020B0609040504020204" pitchFamily="49" charset="0"/>
+                <a:ea typeface="Calibri" panose="020F0502020204030204" pitchFamily="34" charset="0"/>
+                <a:cs typeface="Lucida Console" panose="020B0609040504020204" pitchFamily="49" charset="0"/>
+              </a:rPr>
+              <a:t>/</a:t>
+            </a:r>
+            <a:r>
+              <a:rPr lang="en-US" dirty="0" err="1">
+                <a:solidFill>
+                  <a:srgbClr val="BFBF00"/>
+                </a:solidFill>
+                <a:latin typeface="Lucida Console" panose="020B0609040504020204" pitchFamily="49" charset="0"/>
+                <a:ea typeface="Calibri" panose="020F0502020204030204" pitchFamily="34" charset="0"/>
+                <a:cs typeface="Lucida Console" panose="020B0609040504020204" pitchFamily="49" charset="0"/>
+              </a:rPr>
+              <a:t>DevEnv</a:t>
+            </a:r>
+            <a:r>
+              <a:rPr lang="en-US" dirty="0">
+                <a:solidFill>
+                  <a:srgbClr val="BFBF00"/>
+                </a:solidFill>
+                <a:latin typeface="Lucida Console" panose="020B0609040504020204" pitchFamily="49" charset="0"/>
+                <a:ea typeface="Calibri" panose="020F0502020204030204" pitchFamily="34" charset="0"/>
+                <a:cs typeface="Lucida Console" panose="020B0609040504020204" pitchFamily="49" charset="0"/>
+              </a:rPr>
+              <a:t>-</a:t>
+            </a:r>
+            <a:r>
+              <a:rPr lang="en-US" dirty="0" err="1">
+                <a:solidFill>
+                  <a:srgbClr val="BFBF00"/>
+                </a:solidFill>
+                <a:latin typeface="Lucida Console" panose="020B0609040504020204" pitchFamily="49" charset="0"/>
+                <a:ea typeface="Calibri" panose="020F0502020204030204" pitchFamily="34" charset="0"/>
+                <a:cs typeface="Lucida Console" panose="020B0609040504020204" pitchFamily="49" charset="0"/>
+              </a:rPr>
+              <a:t>SetUp</a:t>
+            </a:r>
+            <a:r>
+              <a:rPr lang="en-US" dirty="0">
+                <a:solidFill>
+                  <a:srgbClr val="BFBF00"/>
+                </a:solidFill>
+                <a:latin typeface="Lucida Console" panose="020B0609040504020204" pitchFamily="49" charset="0"/>
+                <a:ea typeface="Calibri" panose="020F0502020204030204" pitchFamily="34" charset="0"/>
+                <a:cs typeface="Lucida Console" panose="020B0609040504020204" pitchFamily="49" charset="0"/>
+              </a:rPr>
+              <a:t>-Help</a:t>
+            </a:r>
+            <a:r>
+              <a:rPr lang="en-US" dirty="0">
+                <a:solidFill>
+                  <a:srgbClr val="00BFBF"/>
+                </a:solidFill>
+                <a:latin typeface="Lucida Console" panose="020B0609040504020204" pitchFamily="49" charset="0"/>
+                <a:ea typeface="Calibri" panose="020F0502020204030204" pitchFamily="34" charset="0"/>
+                <a:cs typeface="Lucida Console" panose="020B0609040504020204" pitchFamily="49" charset="0"/>
+              </a:rPr>
+              <a:t> (master)</a:t>
+            </a:r>
+            <a:endParaRPr lang="en-US" sz="2800" dirty="0">
+              <a:latin typeface="Calibri" panose="020F0502020204030204" pitchFamily="34" charset="0"/>
+              <a:ea typeface="Calibri" panose="020F0502020204030204" pitchFamily="34" charset="0"/>
+              <a:cs typeface="Times New Roman" panose="02020603050405020304" pitchFamily="18" charset="0"/>
+            </a:endParaRPr>
+          </a:p>
+          <a:p>
+            <a:pPr>
+              <a:lnSpc>
+                <a:spcPct val="107000"/>
+              </a:lnSpc>
+            </a:pPr>
+            <a:r>
+              <a:rPr lang="en-US" dirty="0">
+                <a:latin typeface="Lucida Console" panose="020B0609040504020204" pitchFamily="49" charset="0"/>
+                <a:ea typeface="Calibri" panose="020F0502020204030204" pitchFamily="34" charset="0"/>
+                <a:cs typeface="Lucida Console" panose="020B0609040504020204" pitchFamily="49" charset="0"/>
+              </a:rPr>
+              <a:t>$ </a:t>
+            </a:r>
+            <a:r>
+              <a:rPr lang="en-US" dirty="0" err="1">
+                <a:latin typeface="Lucida Console" panose="020B0609040504020204" pitchFamily="49" charset="0"/>
+                <a:ea typeface="Calibri" panose="020F0502020204030204" pitchFamily="34" charset="0"/>
+                <a:cs typeface="Lucida Console" panose="020B0609040504020204" pitchFamily="49" charset="0"/>
+              </a:rPr>
+              <a:t>git</a:t>
+            </a:r>
+            <a:r>
+              <a:rPr lang="en-US" dirty="0">
+                <a:latin typeface="Lucida Console" panose="020B0609040504020204" pitchFamily="49" charset="0"/>
+                <a:ea typeface="Calibri" panose="020F0502020204030204" pitchFamily="34" charset="0"/>
+                <a:cs typeface="Lucida Console" panose="020B0609040504020204" pitchFamily="49" charset="0"/>
+              </a:rPr>
+              <a:t> branch -d </a:t>
+            </a:r>
+            <a:r>
+              <a:rPr lang="en-US" dirty="0" err="1">
+                <a:latin typeface="Lucida Console" panose="020B0609040504020204" pitchFamily="49" charset="0"/>
+                <a:ea typeface="Calibri" panose="020F0502020204030204" pitchFamily="34" charset="0"/>
+                <a:cs typeface="Lucida Console" panose="020B0609040504020204" pitchFamily="49" charset="0"/>
+              </a:rPr>
+              <a:t>contentAsMarkdown</a:t>
+            </a:r>
+            <a:endParaRPr lang="en-US" sz="2800" dirty="0">
+              <a:latin typeface="Calibri" panose="020F0502020204030204" pitchFamily="34" charset="0"/>
+              <a:ea typeface="Calibri" panose="020F0502020204030204" pitchFamily="34" charset="0"/>
+              <a:cs typeface="Times New Roman" panose="02020603050405020304" pitchFamily="18" charset="0"/>
+            </a:endParaRPr>
+          </a:p>
+          <a:p>
+            <a:r>
+              <a:rPr lang="en-US" dirty="0">
+                <a:latin typeface="Lucida Console" panose="020B0609040504020204" pitchFamily="49" charset="0"/>
+                <a:ea typeface="Calibri" panose="020F0502020204030204" pitchFamily="34" charset="0"/>
+                <a:cs typeface="Lucida Console" panose="020B0609040504020204" pitchFamily="49" charset="0"/>
+              </a:rPr>
+              <a:t>Deleted branch </a:t>
+            </a:r>
+            <a:r>
+              <a:rPr lang="en-US" dirty="0" err="1">
+                <a:latin typeface="Lucida Console" panose="020B0609040504020204" pitchFamily="49" charset="0"/>
+                <a:ea typeface="Calibri" panose="020F0502020204030204" pitchFamily="34" charset="0"/>
+                <a:cs typeface="Lucida Console" panose="020B0609040504020204" pitchFamily="49" charset="0"/>
+              </a:rPr>
+              <a:t>contentAsMarkdown</a:t>
+            </a:r>
+            <a:r>
+              <a:rPr lang="en-US" dirty="0">
+                <a:latin typeface="Lucida Console" panose="020B0609040504020204" pitchFamily="49" charset="0"/>
+                <a:ea typeface="Calibri" panose="020F0502020204030204" pitchFamily="34" charset="0"/>
+                <a:cs typeface="Lucida Console" panose="020B0609040504020204" pitchFamily="49" charset="0"/>
+              </a:rPr>
+              <a:t> (was 57d410a</a:t>
+            </a:r>
+            <a:r>
+              <a:rPr lang="en-US" dirty="0" smtClean="0">
+                <a:latin typeface="Lucida Console" panose="020B0609040504020204" pitchFamily="49" charset="0"/>
+                <a:ea typeface="Calibri" panose="020F0502020204030204" pitchFamily="34" charset="0"/>
+                <a:cs typeface="Lucida Console" panose="020B0609040504020204" pitchFamily="49" charset="0"/>
+              </a:rPr>
+              <a:t>).</a:t>
+            </a:r>
+          </a:p>
+          <a:p>
+            <a:endParaRPr lang="en-US" dirty="0">
+              <a:latin typeface="Lucida Console" panose="020B0609040504020204" pitchFamily="49" charset="0"/>
+              <a:ea typeface="Calibri" panose="020F0502020204030204" pitchFamily="34" charset="0"/>
+              <a:cs typeface="Lucida Console" panose="020B0609040504020204" pitchFamily="49" charset="0"/>
+            </a:endParaRPr>
+          </a:p>
+          <a:p>
+            <a:pPr>
+              <a:lnSpc>
+                <a:spcPct val="107000"/>
+              </a:lnSpc>
+            </a:pPr>
+            <a:r>
+              <a:rPr lang="en-US" dirty="0" smtClean="0">
+                <a:solidFill>
+                  <a:srgbClr val="00BF00"/>
+                </a:solidFill>
+                <a:latin typeface="Lucida Console" panose="020B0609040504020204" pitchFamily="49" charset="0"/>
+                <a:ea typeface="Calibri" panose="020F0502020204030204" pitchFamily="34" charset="0"/>
+                <a:cs typeface="Lucida Console" panose="020B0609040504020204" pitchFamily="49" charset="0"/>
+              </a:rPr>
+              <a:t>Mitch@Win7-PC </a:t>
+            </a:r>
+            <a:r>
+              <a:rPr lang="en-US" dirty="0">
+                <a:solidFill>
+                  <a:srgbClr val="BF00BF"/>
+                </a:solidFill>
+                <a:latin typeface="Lucida Console" panose="020B0609040504020204" pitchFamily="49" charset="0"/>
+                <a:ea typeface="Calibri" panose="020F0502020204030204" pitchFamily="34" charset="0"/>
+                <a:cs typeface="Lucida Console" panose="020B0609040504020204" pitchFamily="49" charset="0"/>
+              </a:rPr>
+              <a:t>MINGW64 </a:t>
+            </a:r>
+            <a:r>
+              <a:rPr lang="en-US" dirty="0">
+                <a:solidFill>
+                  <a:srgbClr val="BFBF00"/>
+                </a:solidFill>
+                <a:latin typeface="Lucida Console" panose="020B0609040504020204" pitchFamily="49" charset="0"/>
+                <a:ea typeface="Calibri" panose="020F0502020204030204" pitchFamily="34" charset="0"/>
+                <a:cs typeface="Lucida Console" panose="020B0609040504020204" pitchFamily="49" charset="0"/>
+              </a:rPr>
+              <a:t>~/</a:t>
+            </a:r>
+            <a:r>
+              <a:rPr lang="en-US" dirty="0" smtClean="0">
+                <a:solidFill>
+                  <a:srgbClr val="BFBF00"/>
+                </a:solidFill>
+                <a:latin typeface="Lucida Console" panose="020B0609040504020204" pitchFamily="49" charset="0"/>
+                <a:ea typeface="Calibri" panose="020F0502020204030204" pitchFamily="34" charset="0"/>
+                <a:cs typeface="Lucida Console" panose="020B0609040504020204" pitchFamily="49" charset="0"/>
+              </a:rPr>
+              <a:t>Documents/</a:t>
+            </a:r>
+            <a:r>
+              <a:rPr lang="en-US" dirty="0" err="1" smtClean="0">
+                <a:solidFill>
+                  <a:srgbClr val="BFBF00"/>
+                </a:solidFill>
+                <a:latin typeface="Lucida Console" panose="020B0609040504020204" pitchFamily="49" charset="0"/>
+                <a:ea typeface="Calibri" panose="020F0502020204030204" pitchFamily="34" charset="0"/>
+                <a:cs typeface="Lucida Console" panose="020B0609040504020204" pitchFamily="49" charset="0"/>
+              </a:rPr>
+              <a:t>Git_Repo</a:t>
+            </a:r>
+            <a:r>
+              <a:rPr lang="en-US" dirty="0" smtClean="0">
+                <a:solidFill>
+                  <a:srgbClr val="BFBF00"/>
+                </a:solidFill>
+                <a:latin typeface="Lucida Console" panose="020B0609040504020204" pitchFamily="49" charset="0"/>
+                <a:ea typeface="Calibri" panose="020F0502020204030204" pitchFamily="34" charset="0"/>
+                <a:cs typeface="Lucida Console" panose="020B0609040504020204" pitchFamily="49" charset="0"/>
+              </a:rPr>
+              <a:t>/</a:t>
+            </a:r>
+            <a:r>
+              <a:rPr lang="en-US" dirty="0" err="1" smtClean="0">
+                <a:solidFill>
+                  <a:srgbClr val="BFBF00"/>
+                </a:solidFill>
+                <a:latin typeface="Lucida Console" panose="020B0609040504020204" pitchFamily="49" charset="0"/>
+                <a:ea typeface="Calibri" panose="020F0502020204030204" pitchFamily="34" charset="0"/>
+                <a:cs typeface="Lucida Console" panose="020B0609040504020204" pitchFamily="49" charset="0"/>
+              </a:rPr>
+              <a:t>DevEnv</a:t>
+            </a:r>
+            <a:r>
+              <a:rPr lang="en-US" dirty="0" smtClean="0">
+                <a:solidFill>
+                  <a:srgbClr val="BFBF00"/>
+                </a:solidFill>
+                <a:latin typeface="Lucida Console" panose="020B0609040504020204" pitchFamily="49" charset="0"/>
+                <a:ea typeface="Calibri" panose="020F0502020204030204" pitchFamily="34" charset="0"/>
+                <a:cs typeface="Lucida Console" panose="020B0609040504020204" pitchFamily="49" charset="0"/>
+              </a:rPr>
+              <a:t>-</a:t>
+            </a:r>
+            <a:r>
+              <a:rPr lang="en-US" dirty="0" err="1" smtClean="0">
+                <a:solidFill>
+                  <a:srgbClr val="BFBF00"/>
+                </a:solidFill>
+                <a:latin typeface="Lucida Console" panose="020B0609040504020204" pitchFamily="49" charset="0"/>
+                <a:ea typeface="Calibri" panose="020F0502020204030204" pitchFamily="34" charset="0"/>
+                <a:cs typeface="Lucida Console" panose="020B0609040504020204" pitchFamily="49" charset="0"/>
+              </a:rPr>
+              <a:t>SetUp</a:t>
+            </a:r>
+            <a:r>
+              <a:rPr lang="en-US" dirty="0" smtClean="0">
+                <a:solidFill>
+                  <a:srgbClr val="BFBF00"/>
+                </a:solidFill>
+                <a:latin typeface="Lucida Console" panose="020B0609040504020204" pitchFamily="49" charset="0"/>
+                <a:ea typeface="Calibri" panose="020F0502020204030204" pitchFamily="34" charset="0"/>
+                <a:cs typeface="Lucida Console" panose="020B0609040504020204" pitchFamily="49" charset="0"/>
+              </a:rPr>
+              <a:t>-Help</a:t>
+            </a:r>
+            <a:r>
+              <a:rPr lang="en-US" dirty="0" smtClean="0">
+                <a:solidFill>
+                  <a:srgbClr val="00BFBF"/>
+                </a:solidFill>
+                <a:latin typeface="Lucida Console" panose="020B0609040504020204" pitchFamily="49" charset="0"/>
+                <a:ea typeface="Calibri" panose="020F0502020204030204" pitchFamily="34" charset="0"/>
+                <a:cs typeface="Lucida Console" panose="020B0609040504020204" pitchFamily="49" charset="0"/>
+              </a:rPr>
+              <a:t> </a:t>
+            </a:r>
+            <a:r>
+              <a:rPr lang="en-US" dirty="0">
+                <a:solidFill>
+                  <a:srgbClr val="00BFBF"/>
+                </a:solidFill>
+                <a:latin typeface="Lucida Console" panose="020B0609040504020204" pitchFamily="49" charset="0"/>
+                <a:ea typeface="Calibri" panose="020F0502020204030204" pitchFamily="34" charset="0"/>
+                <a:cs typeface="Lucida Console" panose="020B0609040504020204" pitchFamily="49" charset="0"/>
+              </a:rPr>
+              <a:t>(master)</a:t>
+            </a:r>
+            <a:endParaRPr lang="en-US" sz="2800" dirty="0">
+              <a:latin typeface="Calibri" panose="020F0502020204030204" pitchFamily="34" charset="0"/>
+              <a:ea typeface="Calibri" panose="020F0502020204030204" pitchFamily="34" charset="0"/>
+              <a:cs typeface="Times New Roman" panose="02020603050405020304" pitchFamily="18" charset="0"/>
+            </a:endParaRPr>
+          </a:p>
+          <a:p>
+            <a:pPr>
+              <a:lnSpc>
+                <a:spcPct val="107000"/>
+              </a:lnSpc>
+            </a:pPr>
+            <a:r>
+              <a:rPr lang="en-US" dirty="0">
+                <a:latin typeface="Lucida Console" panose="020B0609040504020204" pitchFamily="49" charset="0"/>
+                <a:ea typeface="Calibri" panose="020F0502020204030204" pitchFamily="34" charset="0"/>
+                <a:cs typeface="Lucida Console" panose="020B0609040504020204" pitchFamily="49" charset="0"/>
+              </a:rPr>
+              <a:t>$ </a:t>
+            </a:r>
+            <a:r>
+              <a:rPr lang="en-US" dirty="0" err="1">
+                <a:latin typeface="Lucida Console" panose="020B0609040504020204" pitchFamily="49" charset="0"/>
+                <a:ea typeface="Calibri" panose="020F0502020204030204" pitchFamily="34" charset="0"/>
+                <a:cs typeface="Lucida Console" panose="020B0609040504020204" pitchFamily="49" charset="0"/>
+              </a:rPr>
+              <a:t>git</a:t>
+            </a:r>
+            <a:r>
+              <a:rPr lang="en-US" dirty="0">
+                <a:latin typeface="Lucida Console" panose="020B0609040504020204" pitchFamily="49" charset="0"/>
+                <a:ea typeface="Calibri" panose="020F0502020204030204" pitchFamily="34" charset="0"/>
+                <a:cs typeface="Lucida Console" panose="020B0609040504020204" pitchFamily="49" charset="0"/>
+              </a:rPr>
+              <a:t> branch</a:t>
+            </a:r>
+            <a:endParaRPr lang="en-US" sz="2800" dirty="0">
+              <a:latin typeface="Calibri" panose="020F0502020204030204" pitchFamily="34" charset="0"/>
+              <a:ea typeface="Calibri" panose="020F0502020204030204" pitchFamily="34" charset="0"/>
+              <a:cs typeface="Times New Roman" panose="02020603050405020304" pitchFamily="18" charset="0"/>
+            </a:endParaRPr>
+          </a:p>
+          <a:p>
+            <a:pPr>
+              <a:lnSpc>
+                <a:spcPct val="107000"/>
+              </a:lnSpc>
+            </a:pPr>
+            <a:r>
+              <a:rPr lang="en-US" dirty="0">
+                <a:latin typeface="Lucida Console" panose="020B0609040504020204" pitchFamily="49" charset="0"/>
+                <a:ea typeface="Calibri" panose="020F0502020204030204" pitchFamily="34" charset="0"/>
+                <a:cs typeface="Lucida Console" panose="020B0609040504020204" pitchFamily="49" charset="0"/>
+              </a:rPr>
+              <a:t>* </a:t>
+            </a:r>
+            <a:r>
+              <a:rPr lang="en-US" dirty="0">
+                <a:solidFill>
+                  <a:srgbClr val="00BF00"/>
+                </a:solidFill>
+                <a:latin typeface="Lucida Console" panose="020B0609040504020204" pitchFamily="49" charset="0"/>
+                <a:ea typeface="Calibri" panose="020F0502020204030204" pitchFamily="34" charset="0"/>
+                <a:cs typeface="Lucida Console" panose="020B0609040504020204" pitchFamily="49" charset="0"/>
+              </a:rPr>
+              <a:t>master</a:t>
+            </a:r>
+            <a:endParaRPr lang="en-US" sz="2800" dirty="0">
+              <a:latin typeface="Calibri" panose="020F0502020204030204" pitchFamily="34" charset="0"/>
+              <a:ea typeface="Calibri" panose="020F0502020204030204" pitchFamily="34" charset="0"/>
+              <a:cs typeface="Times New Roman" panose="02020603050405020304" pitchFamily="18" charset="0"/>
+            </a:endParaRPr>
+          </a:p>
+          <a:p>
+            <a:endParaRPr lang="en-US" dirty="0" smtClean="0">
+              <a:latin typeface="Lucida Console" panose="020B0609040504020204" pitchFamily="49" charset="0"/>
+              <a:ea typeface="Calibri" panose="020F0502020204030204" pitchFamily="34" charset="0"/>
+              <a:cs typeface="Lucida Console" panose="020B0609040504020204" pitchFamily="49" charset="0"/>
+            </a:endParaRPr>
+          </a:p>
+        </p:txBody>
+      </p:sp>
+    </p:spTree>
+    <p:extLst>
+      <p:ext uri="{BB962C8B-B14F-4D97-AF65-F5344CB8AC3E}">
+        <p14:creationId xmlns:p14="http://schemas.microsoft.com/office/powerpoint/2010/main" val="1073889864"/>
+      </p:ext>
+    </p:extLst>
+  </p:cSld>
+  <p:clrMapOvr>
+    <a:masterClrMapping/>
+  </p:clrMapOvr>
+  <p:timing>
+    <p:tnLst>
+      <p:par>
+        <p:cTn id="1" dur="indefinite" restart="never" nodeType="tmRoot"/>
+      </p:par>
+    </p:tnLst>
+  </p:timing>
+</p:sld>
+</file>
+
+<file path=ppt/slides/slide11.xml><?xml version="1.0" encoding="utf-8"?>
+<p:sld xmlns:a="http://schemas.openxmlformats.org/drawingml/2006/main" xmlns:r="http://schemas.openxmlformats.org/officeDocument/2006/relationships" xmlns:p="http://schemas.openxmlformats.org/presentationml/2006/main">
+  <p:cSld>
+    <p:spTree>
+      <p:nvGrpSpPr>
+        <p:cNvPr id="1" name=""/>
+        <p:cNvGrpSpPr/>
+        <p:nvPr/>
+      </p:nvGrpSpPr>
+      <p:grpSpPr>
+        <a:xfrm>
+          <a:off x="0" y="0"/>
+          <a:ext cx="0" cy="0"/>
+          <a:chOff x="0" y="0"/>
+          <a:chExt cx="0" cy="0"/>
+        </a:xfrm>
+      </p:grpSpPr>
+      <p:sp>
+        <p:nvSpPr>
+          <p:cNvPr id="2" name="Title 1"/>
+          <p:cNvSpPr>
+            <a:spLocks noGrp="1"/>
+          </p:cNvSpPr>
+          <p:nvPr>
+            <p:ph type="title"/>
+          </p:nvPr>
+        </p:nvSpPr>
+        <p:spPr>
+          <a:xfrm>
+            <a:off x="838200" y="1"/>
+            <a:ext cx="10515600" cy="973393"/>
+          </a:xfrm>
+        </p:spPr>
+        <p:txBody>
+          <a:bodyPr>
+            <a:normAutofit fontScale="90000"/>
+          </a:bodyPr>
+          <a:lstStyle/>
+          <a:p>
+            <a:r>
+              <a:rPr lang="en-US" dirty="0" smtClean="0"/>
+              <a:t>Merge commands in Action – Bash Script Used</a:t>
+            </a:r>
+            <a:endParaRPr lang="en-US" dirty="0"/>
+          </a:p>
+        </p:txBody>
+      </p:sp>
+      <p:sp>
+        <p:nvSpPr>
+          <p:cNvPr id="6" name="Rectangle 5"/>
+          <p:cNvSpPr/>
+          <p:nvPr/>
+        </p:nvSpPr>
+        <p:spPr>
+          <a:xfrm>
+            <a:off x="536812" y="973394"/>
+            <a:ext cx="10816987" cy="2874413"/>
+          </a:xfrm>
+          <a:prstGeom prst="rect">
+            <a:avLst/>
+          </a:prstGeom>
+          <a:ln>
+            <a:solidFill>
+              <a:schemeClr val="accent1"/>
+            </a:solidFill>
+          </a:ln>
+        </p:spPr>
+        <p:txBody>
+          <a:bodyPr>
+            <a:normAutofit/>
+          </a:bodyPr>
+          <a:lstStyle/>
+          <a:p>
+            <a:r>
+              <a:rPr lang="en-US" dirty="0"/>
+              <a:t># Git-Update-Online-Repo.sh</a:t>
+            </a:r>
+            <a:endParaRPr lang="en-US" dirty="0" smtClean="0"/>
+          </a:p>
+          <a:p>
+            <a:r>
+              <a:rPr lang="en-US" dirty="0" smtClean="0"/>
+              <a:t># </a:t>
+            </a:r>
+            <a:r>
+              <a:rPr lang="en-US" dirty="0"/>
+              <a:t>simple bash script</a:t>
+            </a:r>
+          </a:p>
+          <a:p>
+            <a:r>
+              <a:rPr lang="en-US" dirty="0"/>
+              <a:t># this script will add and commit all changes</a:t>
+            </a:r>
+          </a:p>
+          <a:p>
+            <a:r>
+              <a:rPr lang="en-US" dirty="0"/>
+              <a:t># it also pushes all changes up to the online repo</a:t>
+            </a:r>
+          </a:p>
+          <a:p>
+            <a:r>
+              <a:rPr lang="en-US" dirty="0"/>
+              <a:t># use single quotes to pass in the commit comment string as first argument</a:t>
+            </a:r>
+          </a:p>
+          <a:p>
+            <a:endParaRPr lang="en-US" dirty="0"/>
+          </a:p>
+          <a:p>
+            <a:r>
+              <a:rPr lang="en-US" dirty="0" err="1"/>
+              <a:t>git</a:t>
+            </a:r>
+            <a:r>
+              <a:rPr lang="en-US" dirty="0"/>
+              <a:t> add --all</a:t>
+            </a:r>
+          </a:p>
+          <a:p>
+            <a:r>
+              <a:rPr lang="en-US" dirty="0" err="1"/>
+              <a:t>git</a:t>
+            </a:r>
+            <a:r>
+              <a:rPr lang="en-US" dirty="0"/>
+              <a:t> status</a:t>
+            </a:r>
+          </a:p>
+          <a:p>
+            <a:r>
+              <a:rPr lang="en-US" dirty="0" err="1"/>
+              <a:t>git</a:t>
+            </a:r>
+            <a:r>
+              <a:rPr lang="en-US" dirty="0"/>
+              <a:t> commit -m "$*"</a:t>
+            </a:r>
+          </a:p>
+          <a:p>
+            <a:r>
+              <a:rPr lang="en-US" dirty="0" err="1"/>
+              <a:t>git</a:t>
+            </a:r>
+            <a:r>
+              <a:rPr lang="en-US" dirty="0"/>
+              <a:t> push</a:t>
+            </a:r>
+          </a:p>
+        </p:txBody>
+      </p:sp>
+      <p:sp>
+        <p:nvSpPr>
+          <p:cNvPr id="7" name="Rectangle 6"/>
+          <p:cNvSpPr/>
+          <p:nvPr/>
+        </p:nvSpPr>
+        <p:spPr>
+          <a:xfrm>
+            <a:off x="536813" y="4042186"/>
+            <a:ext cx="10816986" cy="2585323"/>
+          </a:xfrm>
+          <a:prstGeom prst="rect">
+            <a:avLst/>
+          </a:prstGeom>
+          <a:ln>
+            <a:solidFill>
+              <a:schemeClr val="accent1"/>
+            </a:solidFill>
+          </a:ln>
+        </p:spPr>
+        <p:txBody>
+          <a:bodyPr wrap="square">
+            <a:spAutoFit/>
+          </a:bodyPr>
+          <a:lstStyle/>
+          <a:p>
+            <a:r>
+              <a:rPr lang="en-US" dirty="0"/>
+              <a:t># Git-Commit-Local-Repo.sh</a:t>
+            </a:r>
+          </a:p>
+          <a:p>
+            <a:r>
+              <a:rPr lang="en-US" dirty="0"/>
+              <a:t># this script will add and commit all changes to local working project</a:t>
+            </a:r>
+          </a:p>
+          <a:p>
+            <a:r>
+              <a:rPr lang="en-US" dirty="0"/>
+              <a:t># it uses status and log commands to show what is happening along the way</a:t>
+            </a:r>
+          </a:p>
+          <a:p>
+            <a:r>
+              <a:rPr lang="en-US" dirty="0"/>
+              <a:t># use </a:t>
+            </a:r>
+            <a:r>
+              <a:rPr lang="en-US" dirty="0"/>
+              <a:t>single</a:t>
+            </a:r>
+            <a:r>
+              <a:rPr lang="en-US" dirty="0"/>
+              <a:t> quotes to pass in the commit comment string as first argument</a:t>
+            </a:r>
+          </a:p>
+          <a:p>
+            <a:endParaRPr lang="en-US" dirty="0"/>
+          </a:p>
+          <a:p>
+            <a:r>
+              <a:rPr lang="en-US" dirty="0" err="1"/>
+              <a:t>git</a:t>
+            </a:r>
+            <a:r>
+              <a:rPr lang="en-US" dirty="0"/>
+              <a:t> add --all</a:t>
+            </a:r>
+          </a:p>
+          <a:p>
+            <a:r>
+              <a:rPr lang="en-US" dirty="0" err="1"/>
+              <a:t>git</a:t>
+            </a:r>
+            <a:r>
+              <a:rPr lang="en-US" dirty="0"/>
+              <a:t> status</a:t>
+            </a:r>
+          </a:p>
+          <a:p>
+            <a:r>
+              <a:rPr lang="en-US" dirty="0" err="1"/>
+              <a:t>git</a:t>
+            </a:r>
+            <a:r>
+              <a:rPr lang="en-US" dirty="0"/>
+              <a:t> commit -m "$*"</a:t>
+            </a:r>
+          </a:p>
+          <a:p>
+            <a:r>
+              <a:rPr lang="en-US" dirty="0" err="1"/>
+              <a:t>git</a:t>
+            </a:r>
+            <a:r>
+              <a:rPr lang="en-US" dirty="0"/>
+              <a:t> log -n 1</a:t>
+            </a:r>
+          </a:p>
+        </p:txBody>
+      </p:sp>
+    </p:spTree>
+    <p:extLst>
+      <p:ext uri="{BB962C8B-B14F-4D97-AF65-F5344CB8AC3E}">
+        <p14:creationId xmlns:p14="http://schemas.microsoft.com/office/powerpoint/2010/main" val="3755662124"/>
+      </p:ext>
+    </p:extLst>
+  </p:cSld>
+  <p:clrMapOvr>
+    <a:masterClrMapping/>
+  </p:clrMapOvr>
+  <p:timing>
+    <p:tnLst>
+      <p:par>
+        <p:cTn id="1" dur="indefinite" restart="never" nodeType="tmRoot"/>
+      </p:par>
+    </p:tnLst>
+  </p:timing>
+</p:sld>
+</file>
+
 <file path=ppt/slides/slide2.xml><?xml version="1.0" encoding="utf-8"?>
 <p:sld xmlns:a="http://schemas.openxmlformats.org/drawingml/2006/main" xmlns:r="http://schemas.openxmlformats.org/officeDocument/2006/relationships" xmlns:p="http://schemas.openxmlformats.org/presentationml/2006/main">
   <p:cSld>
@@ -3113,7 +6303,15 @@
           <a:p>
             <a:r>
               <a:rPr lang="en-US" dirty="0" smtClean="0"/>
-              <a:t>Finally – slides show the commands to merge the ranches thus replacing original .txt draft with newer branch that is .md</a:t>
+              <a:t>Finally – slides show the commands to merge the </a:t>
+            </a:r>
+            <a:r>
+              <a:rPr lang="en-US" dirty="0" smtClean="0"/>
+              <a:t>branches </a:t>
+            </a:r>
+            <a:r>
+              <a:rPr lang="en-US" dirty="0" smtClean="0"/>
+              <a:t>thus replacing original .txt draft with newer branch that is .md</a:t>
             </a:r>
             <a:endParaRPr lang="en-US" dirty="0"/>
           </a:p>
@@ -6079,6 +9277,3223 @@
     <p:extLst>
       <p:ext uri="{BB962C8B-B14F-4D97-AF65-F5344CB8AC3E}">
         <p14:creationId xmlns:p14="http://schemas.microsoft.com/office/powerpoint/2010/main" val="115242064"/>
+      </p:ext>
+    </p:extLst>
+  </p:cSld>
+  <p:clrMapOvr>
+    <a:masterClrMapping/>
+  </p:clrMapOvr>
+  <p:timing>
+    <p:tnLst>
+      <p:par>
+        <p:cTn id="1" dur="indefinite" restart="never" nodeType="tmRoot"/>
+      </p:par>
+    </p:tnLst>
+  </p:timing>
+</p:sld>
+</file>
+
+<file path=ppt/slides/slide8.xml><?xml version="1.0" encoding="utf-8"?>
+<p:sld xmlns:a="http://schemas.openxmlformats.org/drawingml/2006/main" xmlns:r="http://schemas.openxmlformats.org/officeDocument/2006/relationships" xmlns:p="http://schemas.openxmlformats.org/presentationml/2006/main">
+  <p:cSld>
+    <p:spTree>
+      <p:nvGrpSpPr>
+        <p:cNvPr id="1" name=""/>
+        <p:cNvGrpSpPr/>
+        <p:nvPr/>
+      </p:nvGrpSpPr>
+      <p:grpSpPr>
+        <a:xfrm>
+          <a:off x="0" y="0"/>
+          <a:ext cx="0" cy="0"/>
+          <a:chOff x="0" y="0"/>
+          <a:chExt cx="0" cy="0"/>
+        </a:xfrm>
+      </p:grpSpPr>
+      <p:sp>
+        <p:nvSpPr>
+          <p:cNvPr id="2" name="Title 1"/>
+          <p:cNvSpPr>
+            <a:spLocks noGrp="1"/>
+          </p:cNvSpPr>
+          <p:nvPr>
+            <p:ph type="title"/>
+          </p:nvPr>
+        </p:nvSpPr>
+        <p:spPr>
+          <a:xfrm>
+            <a:off x="586853" y="1"/>
+            <a:ext cx="10766947" cy="682387"/>
+          </a:xfrm>
+        </p:spPr>
+        <p:txBody>
+          <a:bodyPr>
+            <a:normAutofit fontScale="90000"/>
+          </a:bodyPr>
+          <a:lstStyle/>
+          <a:p>
+            <a:r>
+              <a:rPr lang="en-US" dirty="0" smtClean="0"/>
+              <a:t>Merge commands in Action – Slide 1</a:t>
+            </a:r>
+            <a:endParaRPr lang="en-US" dirty="0"/>
+          </a:p>
+        </p:txBody>
+      </p:sp>
+      <p:sp>
+        <p:nvSpPr>
+          <p:cNvPr id="3" name="Content Placeholder 2"/>
+          <p:cNvSpPr>
+            <a:spLocks noGrp="1"/>
+          </p:cNvSpPr>
+          <p:nvPr>
+            <p:ph idx="1"/>
+          </p:nvPr>
+        </p:nvSpPr>
+        <p:spPr>
+          <a:xfrm>
+            <a:off x="586853" y="832514"/>
+            <a:ext cx="11232107" cy="5863254"/>
+          </a:xfrm>
+        </p:spPr>
+        <p:txBody>
+          <a:bodyPr>
+            <a:normAutofit fontScale="70000" lnSpcReduction="20000"/>
+          </a:bodyPr>
+          <a:lstStyle/>
+          <a:p>
+            <a:r>
+              <a:rPr lang="en-US" dirty="0" smtClean="0"/>
+              <a:t>On next slides:  commands used to:</a:t>
+            </a:r>
+          </a:p>
+          <a:p>
+            <a:pPr lvl="1"/>
+            <a:r>
+              <a:rPr lang="en-US" dirty="0" smtClean="0"/>
+              <a:t>Test ahead of merging</a:t>
+            </a:r>
+          </a:p>
+          <a:p>
+            <a:pPr lvl="1"/>
+            <a:r>
+              <a:rPr lang="en-US" dirty="0" smtClean="0"/>
+              <a:t>Merge working branch back into Master</a:t>
+            </a:r>
+          </a:p>
+          <a:p>
+            <a:pPr lvl="1"/>
+            <a:r>
+              <a:rPr lang="en-US" dirty="0" smtClean="0"/>
+              <a:t>Delete the working branch once all changes are on master (and pushed up to online repo)</a:t>
+            </a:r>
+          </a:p>
+          <a:p>
+            <a:r>
+              <a:rPr lang="en-US" dirty="0" smtClean="0"/>
+              <a:t>Process:</a:t>
+            </a:r>
+          </a:p>
+          <a:p>
+            <a:pPr lvl="1"/>
+            <a:r>
+              <a:rPr lang="en-US" dirty="0" smtClean="0"/>
+              <a:t>Make sure working branch is checked out</a:t>
+            </a:r>
+          </a:p>
+          <a:p>
+            <a:pPr lvl="1"/>
+            <a:r>
+              <a:rPr lang="en-US" dirty="0" smtClean="0"/>
+              <a:t>Merge master into working branch first (this allows you to check what the merge will look like on Master before you over-write Master branch changes with it</a:t>
+            </a:r>
+          </a:p>
+          <a:p>
+            <a:pPr lvl="1"/>
+            <a:r>
+              <a:rPr lang="en-US" dirty="0" smtClean="0"/>
+              <a:t>Checkout master branch (can only do this if all changes committed on working branch first) – this switches back to master</a:t>
+            </a:r>
+          </a:p>
+          <a:p>
+            <a:pPr lvl="1"/>
+            <a:r>
+              <a:rPr lang="en-US" dirty="0" smtClean="0"/>
+              <a:t>Perform merge on master of working branch into master</a:t>
+            </a:r>
+          </a:p>
+          <a:p>
+            <a:pPr lvl="1"/>
+            <a:r>
+              <a:rPr lang="en-US" dirty="0" smtClean="0"/>
+              <a:t>Delete working branch</a:t>
+            </a:r>
+            <a:endParaRPr lang="en-US" dirty="0"/>
+          </a:p>
+          <a:p>
+            <a:r>
+              <a:rPr lang="en-US" dirty="0" smtClean="0"/>
+              <a:t>Notes:  </a:t>
+            </a:r>
+          </a:p>
+          <a:p>
+            <a:pPr lvl="1"/>
+            <a:r>
+              <a:rPr lang="en-US" dirty="0" smtClean="0"/>
+              <a:t>During above process, some simple bash scripts to combine adding, committing, pushing into single operations are used.  UNIX list command reminds shows names of these scripts before first usage.</a:t>
+            </a:r>
+          </a:p>
+          <a:p>
+            <a:pPr lvl="1"/>
+            <a:r>
+              <a:rPr lang="en-US" dirty="0" smtClean="0"/>
+              <a:t>A copy of the bash scripts (so you can see what command syntax they contain) are immediately after the “merge commands in action” slides.  Their names should give general idea of what they do.</a:t>
+            </a:r>
+          </a:p>
+          <a:p>
+            <a:pPr lvl="1"/>
+            <a:r>
+              <a:rPr lang="en-US" dirty="0" smtClean="0"/>
+              <a:t>A problem was encountered:  Status revealed that hidden file </a:t>
+            </a:r>
+            <a:r>
+              <a:rPr lang="en-US" dirty="0" err="1" smtClean="0"/>
+              <a:t>Thumbs.db</a:t>
+            </a:r>
+            <a:r>
+              <a:rPr lang="en-US" dirty="0" smtClean="0"/>
+              <a:t> was edited which would have resulted in a conflict during merging.  This was included in the provided command stream since it shows using “status” to detect the issue and the bash scripts to fix the issue (add / commit operations).</a:t>
+            </a:r>
+          </a:p>
+          <a:p>
+            <a:pPr lvl="1"/>
+            <a:r>
+              <a:rPr lang="en-US" dirty="0" smtClean="0"/>
+              <a:t>If status had not been used to detect the error, we would have gotten errors and then done what is shown in this command list anyway to get all updates to go through.  (Initial merge would have failed, and we then would have simply performed the add / commit operations first to get it to succeed).</a:t>
+            </a:r>
+          </a:p>
+          <a:p>
+            <a:pPr lvl="1"/>
+            <a:endParaRPr lang="en-US" dirty="0"/>
+          </a:p>
+        </p:txBody>
+      </p:sp>
+    </p:spTree>
+    <p:extLst>
+      <p:ext uri="{BB962C8B-B14F-4D97-AF65-F5344CB8AC3E}">
+        <p14:creationId xmlns:p14="http://schemas.microsoft.com/office/powerpoint/2010/main" val="2024925631"/>
+      </p:ext>
+    </p:extLst>
+  </p:cSld>
+  <p:clrMapOvr>
+    <a:masterClrMapping/>
+  </p:clrMapOvr>
+  <p:timing>
+    <p:tnLst>
+      <p:par>
+        <p:cTn id="1" dur="indefinite" restart="never" nodeType="tmRoot"/>
+      </p:par>
+    </p:tnLst>
+  </p:timing>
+</p:sld>
+</file>
+
+<file path=ppt/slides/slide9.xml><?xml version="1.0" encoding="utf-8"?>
+<p:sld xmlns:a="http://schemas.openxmlformats.org/drawingml/2006/main" xmlns:r="http://schemas.openxmlformats.org/officeDocument/2006/relationships" xmlns:p="http://schemas.openxmlformats.org/presentationml/2006/main">
+  <p:cSld>
+    <p:spTree>
+      <p:nvGrpSpPr>
+        <p:cNvPr id="1" name=""/>
+        <p:cNvGrpSpPr/>
+        <p:nvPr/>
+      </p:nvGrpSpPr>
+      <p:grpSpPr>
+        <a:xfrm>
+          <a:off x="0" y="0"/>
+          <a:ext cx="0" cy="0"/>
+          <a:chOff x="0" y="0"/>
+          <a:chExt cx="0" cy="0"/>
+        </a:xfrm>
+      </p:grpSpPr>
+      <p:sp>
+        <p:nvSpPr>
+          <p:cNvPr id="2" name="Title 1"/>
+          <p:cNvSpPr>
+            <a:spLocks noGrp="1"/>
+          </p:cNvSpPr>
+          <p:nvPr>
+            <p:ph type="title"/>
+          </p:nvPr>
+        </p:nvSpPr>
+        <p:spPr>
+          <a:xfrm>
+            <a:off x="838200" y="2"/>
+            <a:ext cx="10515600" cy="532262"/>
+          </a:xfrm>
+        </p:spPr>
+        <p:txBody>
+          <a:bodyPr>
+            <a:normAutofit fontScale="90000"/>
+          </a:bodyPr>
+          <a:lstStyle/>
+          <a:p>
+            <a:r>
+              <a:rPr lang="en-US" dirty="0" smtClean="0"/>
+              <a:t>Merge commands in Action – Slide 2a</a:t>
+            </a:r>
+            <a:endParaRPr lang="en-US" dirty="0"/>
+          </a:p>
+        </p:txBody>
+      </p:sp>
+      <p:sp>
+        <p:nvSpPr>
+          <p:cNvPr id="5" name="Rectangle 4"/>
+          <p:cNvSpPr/>
+          <p:nvPr/>
+        </p:nvSpPr>
+        <p:spPr>
+          <a:xfrm>
+            <a:off x="111728" y="532264"/>
+            <a:ext cx="5947877" cy="6196082"/>
+          </a:xfrm>
+          <a:prstGeom prst="rect">
+            <a:avLst/>
+          </a:prstGeom>
+        </p:spPr>
+        <p:txBody>
+          <a:bodyPr>
+            <a:noAutofit/>
+          </a:bodyPr>
+          <a:lstStyle/>
+          <a:p>
+            <a:pPr>
+              <a:lnSpc>
+                <a:spcPct val="107000"/>
+              </a:lnSpc>
+            </a:pPr>
+            <a:r>
+              <a:rPr lang="en-US" sz="950" dirty="0">
+                <a:solidFill>
+                  <a:srgbClr val="00BF00"/>
+                </a:solidFill>
+                <a:latin typeface="Lucida Console" panose="020B0609040504020204" pitchFamily="49" charset="0"/>
+                <a:ea typeface="Calibri" panose="020F0502020204030204" pitchFamily="34" charset="0"/>
+                <a:cs typeface="Lucida Console" panose="020B0609040504020204" pitchFamily="49" charset="0"/>
+              </a:rPr>
+              <a:t>Mitch@Win7-PC </a:t>
+            </a:r>
+            <a:r>
+              <a:rPr lang="en-US" sz="950" dirty="0">
+                <a:solidFill>
+                  <a:srgbClr val="BF00BF"/>
+                </a:solidFill>
+                <a:latin typeface="Lucida Console" panose="020B0609040504020204" pitchFamily="49" charset="0"/>
+                <a:ea typeface="Calibri" panose="020F0502020204030204" pitchFamily="34" charset="0"/>
+                <a:cs typeface="Lucida Console" panose="020B0609040504020204" pitchFamily="49" charset="0"/>
+              </a:rPr>
+              <a:t>MINGW64 </a:t>
+            </a:r>
+            <a:r>
+              <a:rPr lang="en-US" sz="950" dirty="0">
+                <a:solidFill>
+                  <a:srgbClr val="BFBF00"/>
+                </a:solidFill>
+                <a:latin typeface="Lucida Console" panose="020B0609040504020204" pitchFamily="49" charset="0"/>
+                <a:ea typeface="Calibri" panose="020F0502020204030204" pitchFamily="34" charset="0"/>
+                <a:cs typeface="Lucida Console" panose="020B0609040504020204" pitchFamily="49" charset="0"/>
+              </a:rPr>
+              <a:t>~/Documents/</a:t>
+            </a:r>
+            <a:r>
+              <a:rPr lang="en-US" sz="950" dirty="0" err="1">
+                <a:solidFill>
+                  <a:srgbClr val="BFBF00"/>
+                </a:solidFill>
+                <a:latin typeface="Lucida Console" panose="020B0609040504020204" pitchFamily="49" charset="0"/>
+                <a:ea typeface="Calibri" panose="020F0502020204030204" pitchFamily="34" charset="0"/>
+                <a:cs typeface="Lucida Console" panose="020B0609040504020204" pitchFamily="49" charset="0"/>
+              </a:rPr>
+              <a:t>Git_Repo</a:t>
+            </a:r>
+            <a:r>
+              <a:rPr lang="en-US" sz="950" dirty="0">
+                <a:solidFill>
+                  <a:srgbClr val="BFBF00"/>
+                </a:solidFill>
+                <a:latin typeface="Lucida Console" panose="020B0609040504020204" pitchFamily="49" charset="0"/>
+                <a:ea typeface="Calibri" panose="020F0502020204030204" pitchFamily="34" charset="0"/>
+                <a:cs typeface="Lucida Console" panose="020B0609040504020204" pitchFamily="49" charset="0"/>
+              </a:rPr>
+              <a:t>/</a:t>
+            </a:r>
+            <a:r>
+              <a:rPr lang="en-US" sz="950" dirty="0" err="1">
+                <a:solidFill>
+                  <a:srgbClr val="BFBF00"/>
+                </a:solidFill>
+                <a:latin typeface="Lucida Console" panose="020B0609040504020204" pitchFamily="49" charset="0"/>
+                <a:ea typeface="Calibri" panose="020F0502020204030204" pitchFamily="34" charset="0"/>
+                <a:cs typeface="Lucida Console" panose="020B0609040504020204" pitchFamily="49" charset="0"/>
+              </a:rPr>
+              <a:t>DevEnv</a:t>
+            </a:r>
+            <a:r>
+              <a:rPr lang="en-US" sz="950" dirty="0">
+                <a:solidFill>
+                  <a:srgbClr val="BFBF00"/>
+                </a:solidFill>
+                <a:latin typeface="Lucida Console" panose="020B0609040504020204" pitchFamily="49" charset="0"/>
+                <a:ea typeface="Calibri" panose="020F0502020204030204" pitchFamily="34" charset="0"/>
+                <a:cs typeface="Lucida Console" panose="020B0609040504020204" pitchFamily="49" charset="0"/>
+              </a:rPr>
+              <a:t>-</a:t>
+            </a:r>
+            <a:r>
+              <a:rPr lang="en-US" sz="950" dirty="0" err="1">
+                <a:solidFill>
+                  <a:srgbClr val="BFBF00"/>
+                </a:solidFill>
+                <a:latin typeface="Lucida Console" panose="020B0609040504020204" pitchFamily="49" charset="0"/>
+                <a:ea typeface="Calibri" panose="020F0502020204030204" pitchFamily="34" charset="0"/>
+                <a:cs typeface="Lucida Console" panose="020B0609040504020204" pitchFamily="49" charset="0"/>
+              </a:rPr>
+              <a:t>SetUp</a:t>
+            </a:r>
+            <a:r>
+              <a:rPr lang="en-US" sz="950" dirty="0">
+                <a:solidFill>
+                  <a:srgbClr val="BFBF00"/>
+                </a:solidFill>
+                <a:latin typeface="Lucida Console" panose="020B0609040504020204" pitchFamily="49" charset="0"/>
+                <a:ea typeface="Calibri" panose="020F0502020204030204" pitchFamily="34" charset="0"/>
+                <a:cs typeface="Lucida Console" panose="020B0609040504020204" pitchFamily="49" charset="0"/>
+              </a:rPr>
+              <a:t>-Help</a:t>
+            </a:r>
+            <a:r>
+              <a:rPr lang="en-US" sz="950" dirty="0">
+                <a:solidFill>
+                  <a:srgbClr val="00BFBF"/>
+                </a:solidFill>
+                <a:latin typeface="Lucida Console" panose="020B0609040504020204" pitchFamily="49" charset="0"/>
+                <a:ea typeface="Calibri" panose="020F0502020204030204" pitchFamily="34" charset="0"/>
+                <a:cs typeface="Lucida Console" panose="020B0609040504020204" pitchFamily="49" charset="0"/>
+              </a:rPr>
+              <a:t> (</a:t>
+            </a:r>
+            <a:r>
+              <a:rPr lang="en-US" sz="950" dirty="0" err="1">
+                <a:solidFill>
+                  <a:srgbClr val="00BFBF"/>
+                </a:solidFill>
+                <a:latin typeface="Lucida Console" panose="020B0609040504020204" pitchFamily="49" charset="0"/>
+                <a:ea typeface="Calibri" panose="020F0502020204030204" pitchFamily="34" charset="0"/>
+                <a:cs typeface="Lucida Console" panose="020B0609040504020204" pitchFamily="49" charset="0"/>
+              </a:rPr>
+              <a:t>contentAsMarkdown</a:t>
+            </a:r>
+            <a:r>
+              <a:rPr lang="en-US" sz="950" dirty="0">
+                <a:solidFill>
+                  <a:srgbClr val="00BFBF"/>
+                </a:solidFill>
+                <a:latin typeface="Lucida Console" panose="020B0609040504020204" pitchFamily="49" charset="0"/>
+                <a:ea typeface="Calibri" panose="020F0502020204030204" pitchFamily="34" charset="0"/>
+                <a:cs typeface="Lucida Console" panose="020B0609040504020204" pitchFamily="49" charset="0"/>
+              </a:rPr>
+              <a:t>)</a:t>
+            </a:r>
+            <a:endParaRPr lang="en-US" sz="950" dirty="0">
+              <a:latin typeface="Calibri" panose="020F0502020204030204" pitchFamily="34" charset="0"/>
+              <a:ea typeface="Calibri" panose="020F0502020204030204" pitchFamily="34" charset="0"/>
+              <a:cs typeface="Times New Roman" panose="02020603050405020304" pitchFamily="18" charset="0"/>
+            </a:endParaRPr>
+          </a:p>
+          <a:p>
+            <a:pPr>
+              <a:lnSpc>
+                <a:spcPct val="107000"/>
+              </a:lnSpc>
+            </a:pPr>
+            <a:r>
+              <a:rPr lang="en-US" sz="950" dirty="0">
+                <a:latin typeface="Lucida Console" panose="020B0609040504020204" pitchFamily="49" charset="0"/>
+                <a:ea typeface="Calibri" panose="020F0502020204030204" pitchFamily="34" charset="0"/>
+                <a:cs typeface="Lucida Console" panose="020B0609040504020204" pitchFamily="49" charset="0"/>
+              </a:rPr>
+              <a:t>$ ls -la *.</a:t>
+            </a:r>
+            <a:r>
+              <a:rPr lang="en-US" sz="950" dirty="0" err="1">
+                <a:latin typeface="Lucida Console" panose="020B0609040504020204" pitchFamily="49" charset="0"/>
+                <a:ea typeface="Calibri" panose="020F0502020204030204" pitchFamily="34" charset="0"/>
+                <a:cs typeface="Lucida Console" panose="020B0609040504020204" pitchFamily="49" charset="0"/>
+              </a:rPr>
+              <a:t>sh</a:t>
+            </a:r>
+            <a:endParaRPr lang="en-US" sz="950" dirty="0">
+              <a:latin typeface="Calibri" panose="020F0502020204030204" pitchFamily="34" charset="0"/>
+              <a:ea typeface="Calibri" panose="020F0502020204030204" pitchFamily="34" charset="0"/>
+              <a:cs typeface="Times New Roman" panose="02020603050405020304" pitchFamily="18" charset="0"/>
+            </a:endParaRPr>
+          </a:p>
+          <a:p>
+            <a:pPr>
+              <a:lnSpc>
+                <a:spcPct val="107000"/>
+              </a:lnSpc>
+            </a:pPr>
+            <a:r>
+              <a:rPr lang="en-US" sz="950" dirty="0">
+                <a:latin typeface="Lucida Console" panose="020B0609040504020204" pitchFamily="49" charset="0"/>
+                <a:ea typeface="Calibri" panose="020F0502020204030204" pitchFamily="34" charset="0"/>
+                <a:cs typeface="Lucida Console" panose="020B0609040504020204" pitchFamily="49" charset="0"/>
+              </a:rPr>
+              <a:t>-</a:t>
+            </a:r>
+            <a:r>
+              <a:rPr lang="en-US" sz="950" dirty="0" err="1">
+                <a:latin typeface="Lucida Console" panose="020B0609040504020204" pitchFamily="49" charset="0"/>
+                <a:ea typeface="Calibri" panose="020F0502020204030204" pitchFamily="34" charset="0"/>
+                <a:cs typeface="Lucida Console" panose="020B0609040504020204" pitchFamily="49" charset="0"/>
+              </a:rPr>
+              <a:t>rw</a:t>
+            </a:r>
+            <a:r>
+              <a:rPr lang="en-US" sz="950" dirty="0">
+                <a:latin typeface="Lucida Console" panose="020B0609040504020204" pitchFamily="49" charset="0"/>
+                <a:ea typeface="Calibri" panose="020F0502020204030204" pitchFamily="34" charset="0"/>
+                <a:cs typeface="Lucida Console" panose="020B0609040504020204" pitchFamily="49" charset="0"/>
+              </a:rPr>
+              <a:t>-r--r-- 1 Mitch 197121 308 Nov 26 12:01 Git-Commit-Local-Repo.sh</a:t>
+            </a:r>
+            <a:endParaRPr lang="en-US" sz="950" dirty="0">
+              <a:latin typeface="Calibri" panose="020F0502020204030204" pitchFamily="34" charset="0"/>
+              <a:ea typeface="Calibri" panose="020F0502020204030204" pitchFamily="34" charset="0"/>
+              <a:cs typeface="Times New Roman" panose="02020603050405020304" pitchFamily="18" charset="0"/>
+            </a:endParaRPr>
+          </a:p>
+          <a:p>
+            <a:pPr>
+              <a:lnSpc>
+                <a:spcPct val="107000"/>
+              </a:lnSpc>
+            </a:pPr>
+            <a:r>
+              <a:rPr lang="en-US" sz="950" dirty="0">
+                <a:latin typeface="Lucida Console" panose="020B0609040504020204" pitchFamily="49" charset="0"/>
+                <a:ea typeface="Calibri" panose="020F0502020204030204" pitchFamily="34" charset="0"/>
+                <a:cs typeface="Lucida Console" panose="020B0609040504020204" pitchFamily="49" charset="0"/>
+              </a:rPr>
+              <a:t>-</a:t>
+            </a:r>
+            <a:r>
+              <a:rPr lang="en-US" sz="950" dirty="0" err="1">
+                <a:latin typeface="Lucida Console" panose="020B0609040504020204" pitchFamily="49" charset="0"/>
+                <a:ea typeface="Calibri" panose="020F0502020204030204" pitchFamily="34" charset="0"/>
+                <a:cs typeface="Lucida Console" panose="020B0609040504020204" pitchFamily="49" charset="0"/>
+              </a:rPr>
+              <a:t>rw</a:t>
+            </a:r>
+            <a:r>
+              <a:rPr lang="en-US" sz="950" dirty="0">
+                <a:latin typeface="Lucida Console" panose="020B0609040504020204" pitchFamily="49" charset="0"/>
+                <a:ea typeface="Calibri" panose="020F0502020204030204" pitchFamily="34" charset="0"/>
+                <a:cs typeface="Lucida Console" panose="020B0609040504020204" pitchFamily="49" charset="0"/>
+              </a:rPr>
+              <a:t>-r--r-- 1 Mitch 197121 256 Nov 21 14:28 Git-Update-Online-Repo.sh</a:t>
+            </a:r>
+            <a:endParaRPr lang="en-US" sz="950" dirty="0">
+              <a:latin typeface="Calibri" panose="020F0502020204030204" pitchFamily="34" charset="0"/>
+              <a:ea typeface="Calibri" panose="020F0502020204030204" pitchFamily="34" charset="0"/>
+              <a:cs typeface="Times New Roman" panose="02020603050405020304" pitchFamily="18" charset="0"/>
+            </a:endParaRPr>
+          </a:p>
+          <a:p>
+            <a:pPr>
+              <a:lnSpc>
+                <a:spcPct val="107000"/>
+              </a:lnSpc>
+            </a:pPr>
+            <a:r>
+              <a:rPr lang="en-US" sz="950" dirty="0">
+                <a:solidFill>
+                  <a:srgbClr val="00BF00"/>
+                </a:solidFill>
+                <a:latin typeface="Lucida Console" panose="020B0609040504020204" pitchFamily="49" charset="0"/>
+                <a:ea typeface="Calibri" panose="020F0502020204030204" pitchFamily="34" charset="0"/>
+                <a:cs typeface="Lucida Console" panose="020B0609040504020204" pitchFamily="49" charset="0"/>
+              </a:rPr>
+              <a:t> </a:t>
+            </a:r>
+            <a:endParaRPr lang="en-US" sz="950" dirty="0">
+              <a:latin typeface="Calibri" panose="020F0502020204030204" pitchFamily="34" charset="0"/>
+              <a:ea typeface="Calibri" panose="020F0502020204030204" pitchFamily="34" charset="0"/>
+              <a:cs typeface="Times New Roman" panose="02020603050405020304" pitchFamily="18" charset="0"/>
+            </a:endParaRPr>
+          </a:p>
+          <a:p>
+            <a:pPr>
+              <a:lnSpc>
+                <a:spcPct val="107000"/>
+              </a:lnSpc>
+            </a:pPr>
+            <a:r>
+              <a:rPr lang="en-US" sz="950" dirty="0">
+                <a:solidFill>
+                  <a:srgbClr val="00BF00"/>
+                </a:solidFill>
+                <a:latin typeface="Lucida Console" panose="020B0609040504020204" pitchFamily="49" charset="0"/>
+                <a:ea typeface="Calibri" panose="020F0502020204030204" pitchFamily="34" charset="0"/>
+                <a:cs typeface="Lucida Console" panose="020B0609040504020204" pitchFamily="49" charset="0"/>
+              </a:rPr>
+              <a:t>Mitch@Win7-PC </a:t>
+            </a:r>
+            <a:r>
+              <a:rPr lang="en-US" sz="950" dirty="0">
+                <a:solidFill>
+                  <a:srgbClr val="BF00BF"/>
+                </a:solidFill>
+                <a:latin typeface="Lucida Console" panose="020B0609040504020204" pitchFamily="49" charset="0"/>
+                <a:ea typeface="Calibri" panose="020F0502020204030204" pitchFamily="34" charset="0"/>
+                <a:cs typeface="Lucida Console" panose="020B0609040504020204" pitchFamily="49" charset="0"/>
+              </a:rPr>
+              <a:t>MINGW64 </a:t>
+            </a:r>
+            <a:r>
+              <a:rPr lang="en-US" sz="950" dirty="0">
+                <a:solidFill>
+                  <a:srgbClr val="BFBF00"/>
+                </a:solidFill>
+                <a:latin typeface="Lucida Console" panose="020B0609040504020204" pitchFamily="49" charset="0"/>
+                <a:ea typeface="Calibri" panose="020F0502020204030204" pitchFamily="34" charset="0"/>
+                <a:cs typeface="Lucida Console" panose="020B0609040504020204" pitchFamily="49" charset="0"/>
+              </a:rPr>
+              <a:t>~/Documents/</a:t>
+            </a:r>
+            <a:r>
+              <a:rPr lang="en-US" sz="950" dirty="0" err="1">
+                <a:solidFill>
+                  <a:srgbClr val="BFBF00"/>
+                </a:solidFill>
+                <a:latin typeface="Lucida Console" panose="020B0609040504020204" pitchFamily="49" charset="0"/>
+                <a:ea typeface="Calibri" panose="020F0502020204030204" pitchFamily="34" charset="0"/>
+                <a:cs typeface="Lucida Console" panose="020B0609040504020204" pitchFamily="49" charset="0"/>
+              </a:rPr>
+              <a:t>Git_Repo</a:t>
+            </a:r>
+            <a:r>
+              <a:rPr lang="en-US" sz="950" dirty="0">
+                <a:solidFill>
+                  <a:srgbClr val="BFBF00"/>
+                </a:solidFill>
+                <a:latin typeface="Lucida Console" panose="020B0609040504020204" pitchFamily="49" charset="0"/>
+                <a:ea typeface="Calibri" panose="020F0502020204030204" pitchFamily="34" charset="0"/>
+                <a:cs typeface="Lucida Console" panose="020B0609040504020204" pitchFamily="49" charset="0"/>
+              </a:rPr>
+              <a:t>/</a:t>
+            </a:r>
+            <a:r>
+              <a:rPr lang="en-US" sz="950" dirty="0" err="1">
+                <a:solidFill>
+                  <a:srgbClr val="BFBF00"/>
+                </a:solidFill>
+                <a:latin typeface="Lucida Console" panose="020B0609040504020204" pitchFamily="49" charset="0"/>
+                <a:ea typeface="Calibri" panose="020F0502020204030204" pitchFamily="34" charset="0"/>
+                <a:cs typeface="Lucida Console" panose="020B0609040504020204" pitchFamily="49" charset="0"/>
+              </a:rPr>
+              <a:t>DevEnv</a:t>
+            </a:r>
+            <a:r>
+              <a:rPr lang="en-US" sz="950" dirty="0">
+                <a:solidFill>
+                  <a:srgbClr val="BFBF00"/>
+                </a:solidFill>
+                <a:latin typeface="Lucida Console" panose="020B0609040504020204" pitchFamily="49" charset="0"/>
+                <a:ea typeface="Calibri" panose="020F0502020204030204" pitchFamily="34" charset="0"/>
+                <a:cs typeface="Lucida Console" panose="020B0609040504020204" pitchFamily="49" charset="0"/>
+              </a:rPr>
+              <a:t>-</a:t>
+            </a:r>
+            <a:r>
+              <a:rPr lang="en-US" sz="950" dirty="0" err="1">
+                <a:solidFill>
+                  <a:srgbClr val="BFBF00"/>
+                </a:solidFill>
+                <a:latin typeface="Lucida Console" panose="020B0609040504020204" pitchFamily="49" charset="0"/>
+                <a:ea typeface="Calibri" panose="020F0502020204030204" pitchFamily="34" charset="0"/>
+                <a:cs typeface="Lucida Console" panose="020B0609040504020204" pitchFamily="49" charset="0"/>
+              </a:rPr>
+              <a:t>SetUp</a:t>
+            </a:r>
+            <a:r>
+              <a:rPr lang="en-US" sz="950" dirty="0">
+                <a:solidFill>
+                  <a:srgbClr val="BFBF00"/>
+                </a:solidFill>
+                <a:latin typeface="Lucida Console" panose="020B0609040504020204" pitchFamily="49" charset="0"/>
+                <a:ea typeface="Calibri" panose="020F0502020204030204" pitchFamily="34" charset="0"/>
+                <a:cs typeface="Lucida Console" panose="020B0609040504020204" pitchFamily="49" charset="0"/>
+              </a:rPr>
+              <a:t>-Help</a:t>
+            </a:r>
+            <a:r>
+              <a:rPr lang="en-US" sz="950" dirty="0">
+                <a:solidFill>
+                  <a:srgbClr val="00BFBF"/>
+                </a:solidFill>
+                <a:latin typeface="Lucida Console" panose="020B0609040504020204" pitchFamily="49" charset="0"/>
+                <a:ea typeface="Calibri" panose="020F0502020204030204" pitchFamily="34" charset="0"/>
+                <a:cs typeface="Lucida Console" panose="020B0609040504020204" pitchFamily="49" charset="0"/>
+              </a:rPr>
+              <a:t> (</a:t>
+            </a:r>
+            <a:r>
+              <a:rPr lang="en-US" sz="950" dirty="0" err="1">
+                <a:solidFill>
+                  <a:srgbClr val="00BFBF"/>
+                </a:solidFill>
+                <a:latin typeface="Lucida Console" panose="020B0609040504020204" pitchFamily="49" charset="0"/>
+                <a:ea typeface="Calibri" panose="020F0502020204030204" pitchFamily="34" charset="0"/>
+                <a:cs typeface="Lucida Console" panose="020B0609040504020204" pitchFamily="49" charset="0"/>
+              </a:rPr>
+              <a:t>contentAsMarkdown</a:t>
+            </a:r>
+            <a:r>
+              <a:rPr lang="en-US" sz="950" dirty="0">
+                <a:solidFill>
+                  <a:srgbClr val="00BFBF"/>
+                </a:solidFill>
+                <a:latin typeface="Lucida Console" panose="020B0609040504020204" pitchFamily="49" charset="0"/>
+                <a:ea typeface="Calibri" panose="020F0502020204030204" pitchFamily="34" charset="0"/>
+                <a:cs typeface="Lucida Console" panose="020B0609040504020204" pitchFamily="49" charset="0"/>
+              </a:rPr>
+              <a:t>)</a:t>
+            </a:r>
+            <a:endParaRPr lang="en-US" sz="950" dirty="0">
+              <a:latin typeface="Calibri" panose="020F0502020204030204" pitchFamily="34" charset="0"/>
+              <a:ea typeface="Calibri" panose="020F0502020204030204" pitchFamily="34" charset="0"/>
+              <a:cs typeface="Times New Roman" panose="02020603050405020304" pitchFamily="18" charset="0"/>
+            </a:endParaRPr>
+          </a:p>
+          <a:p>
+            <a:pPr>
+              <a:lnSpc>
+                <a:spcPct val="107000"/>
+              </a:lnSpc>
+            </a:pPr>
+            <a:r>
+              <a:rPr lang="en-US" sz="950" dirty="0">
+                <a:latin typeface="Lucida Console" panose="020B0609040504020204" pitchFamily="49" charset="0"/>
+                <a:ea typeface="Calibri" panose="020F0502020204030204" pitchFamily="34" charset="0"/>
+                <a:cs typeface="Lucida Console" panose="020B0609040504020204" pitchFamily="49" charset="0"/>
+              </a:rPr>
+              <a:t>$ </a:t>
+            </a:r>
+            <a:r>
+              <a:rPr lang="en-US" sz="950" dirty="0" err="1">
+                <a:latin typeface="Lucida Console" panose="020B0609040504020204" pitchFamily="49" charset="0"/>
+                <a:ea typeface="Calibri" panose="020F0502020204030204" pitchFamily="34" charset="0"/>
+                <a:cs typeface="Lucida Console" panose="020B0609040504020204" pitchFamily="49" charset="0"/>
+              </a:rPr>
+              <a:t>git</a:t>
+            </a:r>
+            <a:r>
+              <a:rPr lang="en-US" sz="950" dirty="0">
+                <a:latin typeface="Lucida Console" panose="020B0609040504020204" pitchFamily="49" charset="0"/>
+                <a:ea typeface="Calibri" panose="020F0502020204030204" pitchFamily="34" charset="0"/>
+                <a:cs typeface="Lucida Console" panose="020B0609040504020204" pitchFamily="49" charset="0"/>
+              </a:rPr>
+              <a:t> status</a:t>
+            </a:r>
+            <a:endParaRPr lang="en-US" sz="950" dirty="0">
+              <a:latin typeface="Calibri" panose="020F0502020204030204" pitchFamily="34" charset="0"/>
+              <a:ea typeface="Calibri" panose="020F0502020204030204" pitchFamily="34" charset="0"/>
+              <a:cs typeface="Times New Roman" panose="02020603050405020304" pitchFamily="18" charset="0"/>
+            </a:endParaRPr>
+          </a:p>
+          <a:p>
+            <a:pPr>
+              <a:lnSpc>
+                <a:spcPct val="107000"/>
+              </a:lnSpc>
+            </a:pPr>
+            <a:r>
+              <a:rPr lang="en-US" sz="950" dirty="0">
+                <a:latin typeface="Lucida Console" panose="020B0609040504020204" pitchFamily="49" charset="0"/>
+                <a:ea typeface="Calibri" panose="020F0502020204030204" pitchFamily="34" charset="0"/>
+                <a:cs typeface="Lucida Console" panose="020B0609040504020204" pitchFamily="49" charset="0"/>
+              </a:rPr>
+              <a:t>On branch </a:t>
+            </a:r>
+            <a:r>
+              <a:rPr lang="en-US" sz="950" dirty="0" err="1">
+                <a:latin typeface="Lucida Console" panose="020B0609040504020204" pitchFamily="49" charset="0"/>
+                <a:ea typeface="Calibri" panose="020F0502020204030204" pitchFamily="34" charset="0"/>
+                <a:cs typeface="Lucida Console" panose="020B0609040504020204" pitchFamily="49" charset="0"/>
+              </a:rPr>
+              <a:t>contentAsMarkdown</a:t>
+            </a:r>
+            <a:endParaRPr lang="en-US" sz="950" dirty="0">
+              <a:latin typeface="Calibri" panose="020F0502020204030204" pitchFamily="34" charset="0"/>
+              <a:ea typeface="Calibri" panose="020F0502020204030204" pitchFamily="34" charset="0"/>
+              <a:cs typeface="Times New Roman" panose="02020603050405020304" pitchFamily="18" charset="0"/>
+            </a:endParaRPr>
+          </a:p>
+          <a:p>
+            <a:pPr>
+              <a:lnSpc>
+                <a:spcPct val="107000"/>
+              </a:lnSpc>
+            </a:pPr>
+            <a:r>
+              <a:rPr lang="en-US" sz="950" dirty="0">
+                <a:latin typeface="Lucida Console" panose="020B0609040504020204" pitchFamily="49" charset="0"/>
+                <a:ea typeface="Calibri" panose="020F0502020204030204" pitchFamily="34" charset="0"/>
+                <a:cs typeface="Lucida Console" panose="020B0609040504020204" pitchFamily="49" charset="0"/>
+              </a:rPr>
+              <a:t>Changes not staged for commit:</a:t>
+            </a:r>
+            <a:endParaRPr lang="en-US" sz="950" dirty="0">
+              <a:latin typeface="Calibri" panose="020F0502020204030204" pitchFamily="34" charset="0"/>
+              <a:ea typeface="Calibri" panose="020F0502020204030204" pitchFamily="34" charset="0"/>
+              <a:cs typeface="Times New Roman" panose="02020603050405020304" pitchFamily="18" charset="0"/>
+            </a:endParaRPr>
+          </a:p>
+          <a:p>
+            <a:pPr>
+              <a:lnSpc>
+                <a:spcPct val="107000"/>
+              </a:lnSpc>
+            </a:pPr>
+            <a:r>
+              <a:rPr lang="en-US" sz="950" dirty="0">
+                <a:latin typeface="Lucida Console" panose="020B0609040504020204" pitchFamily="49" charset="0"/>
+                <a:ea typeface="Calibri" panose="020F0502020204030204" pitchFamily="34" charset="0"/>
+                <a:cs typeface="Lucida Console" panose="020B0609040504020204" pitchFamily="49" charset="0"/>
+              </a:rPr>
+              <a:t>  (use "</a:t>
+            </a:r>
+            <a:r>
+              <a:rPr lang="en-US" sz="950" dirty="0" err="1">
+                <a:latin typeface="Lucida Console" panose="020B0609040504020204" pitchFamily="49" charset="0"/>
+                <a:ea typeface="Calibri" panose="020F0502020204030204" pitchFamily="34" charset="0"/>
+                <a:cs typeface="Lucida Console" panose="020B0609040504020204" pitchFamily="49" charset="0"/>
+              </a:rPr>
+              <a:t>git</a:t>
+            </a:r>
+            <a:r>
+              <a:rPr lang="en-US" sz="950" dirty="0">
+                <a:latin typeface="Lucida Console" panose="020B0609040504020204" pitchFamily="49" charset="0"/>
+                <a:ea typeface="Calibri" panose="020F0502020204030204" pitchFamily="34" charset="0"/>
+                <a:cs typeface="Lucida Console" panose="020B0609040504020204" pitchFamily="49" charset="0"/>
+              </a:rPr>
+              <a:t> add &lt;file&gt;..." to update what will be committed)</a:t>
+            </a:r>
+            <a:endParaRPr lang="en-US" sz="950" dirty="0">
+              <a:latin typeface="Calibri" panose="020F0502020204030204" pitchFamily="34" charset="0"/>
+              <a:ea typeface="Calibri" panose="020F0502020204030204" pitchFamily="34" charset="0"/>
+              <a:cs typeface="Times New Roman" panose="02020603050405020304" pitchFamily="18" charset="0"/>
+            </a:endParaRPr>
+          </a:p>
+          <a:p>
+            <a:pPr>
+              <a:lnSpc>
+                <a:spcPct val="107000"/>
+              </a:lnSpc>
+            </a:pPr>
+            <a:r>
+              <a:rPr lang="en-US" sz="950" dirty="0">
+                <a:latin typeface="Lucida Console" panose="020B0609040504020204" pitchFamily="49" charset="0"/>
+                <a:ea typeface="Calibri" panose="020F0502020204030204" pitchFamily="34" charset="0"/>
+                <a:cs typeface="Lucida Console" panose="020B0609040504020204" pitchFamily="49" charset="0"/>
+              </a:rPr>
+              <a:t>  (use "</a:t>
+            </a:r>
+            <a:r>
+              <a:rPr lang="en-US" sz="950" dirty="0" err="1">
+                <a:latin typeface="Lucida Console" panose="020B0609040504020204" pitchFamily="49" charset="0"/>
+                <a:ea typeface="Calibri" panose="020F0502020204030204" pitchFamily="34" charset="0"/>
+                <a:cs typeface="Lucida Console" panose="020B0609040504020204" pitchFamily="49" charset="0"/>
+              </a:rPr>
+              <a:t>git</a:t>
+            </a:r>
+            <a:r>
+              <a:rPr lang="en-US" sz="950" dirty="0">
+                <a:latin typeface="Lucida Console" panose="020B0609040504020204" pitchFamily="49" charset="0"/>
+                <a:ea typeface="Calibri" panose="020F0502020204030204" pitchFamily="34" charset="0"/>
+                <a:cs typeface="Lucida Console" panose="020B0609040504020204" pitchFamily="49" charset="0"/>
+              </a:rPr>
+              <a:t> checkout -- &lt;file&gt;..." to discard changes in working directory)</a:t>
+            </a:r>
+            <a:endParaRPr lang="en-US" sz="950" dirty="0">
+              <a:latin typeface="Calibri" panose="020F0502020204030204" pitchFamily="34" charset="0"/>
+              <a:ea typeface="Calibri" panose="020F0502020204030204" pitchFamily="34" charset="0"/>
+              <a:cs typeface="Times New Roman" panose="02020603050405020304" pitchFamily="18" charset="0"/>
+            </a:endParaRPr>
+          </a:p>
+          <a:p>
+            <a:pPr>
+              <a:lnSpc>
+                <a:spcPct val="107000"/>
+              </a:lnSpc>
+            </a:pPr>
+            <a:r>
+              <a:rPr lang="en-US" sz="950" dirty="0">
+                <a:latin typeface="Lucida Console" panose="020B0609040504020204" pitchFamily="49" charset="0"/>
+                <a:ea typeface="Calibri" panose="020F0502020204030204" pitchFamily="34" charset="0"/>
+                <a:cs typeface="Lucida Console" panose="020B0609040504020204" pitchFamily="49" charset="0"/>
+              </a:rPr>
+              <a:t> </a:t>
+            </a:r>
+            <a:endParaRPr lang="en-US" sz="950" dirty="0">
+              <a:latin typeface="Calibri" panose="020F0502020204030204" pitchFamily="34" charset="0"/>
+              <a:ea typeface="Calibri" panose="020F0502020204030204" pitchFamily="34" charset="0"/>
+              <a:cs typeface="Times New Roman" panose="02020603050405020304" pitchFamily="18" charset="0"/>
+            </a:endParaRPr>
+          </a:p>
+          <a:p>
+            <a:pPr>
+              <a:lnSpc>
+                <a:spcPct val="107000"/>
+              </a:lnSpc>
+            </a:pPr>
+            <a:r>
+              <a:rPr lang="en-US" sz="950" dirty="0">
+                <a:latin typeface="Lucida Console" panose="020B0609040504020204" pitchFamily="49" charset="0"/>
+                <a:ea typeface="Calibri" panose="020F0502020204030204" pitchFamily="34" charset="0"/>
+                <a:cs typeface="Lucida Console" panose="020B0609040504020204" pitchFamily="49" charset="0"/>
+              </a:rPr>
+              <a:t>        </a:t>
+            </a:r>
+            <a:r>
+              <a:rPr lang="en-US" sz="950" dirty="0">
+                <a:solidFill>
+                  <a:srgbClr val="BF0000"/>
+                </a:solidFill>
+                <a:latin typeface="Lucida Console" panose="020B0609040504020204" pitchFamily="49" charset="0"/>
+                <a:ea typeface="Calibri" panose="020F0502020204030204" pitchFamily="34" charset="0"/>
+                <a:cs typeface="Lucida Console" panose="020B0609040504020204" pitchFamily="49" charset="0"/>
+              </a:rPr>
+              <a:t>modified:   .</a:t>
+            </a:r>
+            <a:r>
+              <a:rPr lang="en-US" sz="950" dirty="0" err="1">
+                <a:solidFill>
+                  <a:srgbClr val="BF0000"/>
+                </a:solidFill>
+                <a:latin typeface="Lucida Console" panose="020B0609040504020204" pitchFamily="49" charset="0"/>
+                <a:ea typeface="Calibri" panose="020F0502020204030204" pitchFamily="34" charset="0"/>
+                <a:cs typeface="Lucida Console" panose="020B0609040504020204" pitchFamily="49" charset="0"/>
+              </a:rPr>
+              <a:t>gitignore</a:t>
+            </a:r>
+            <a:endParaRPr lang="en-US" sz="950" dirty="0">
+              <a:latin typeface="Calibri" panose="020F0502020204030204" pitchFamily="34" charset="0"/>
+              <a:ea typeface="Calibri" panose="020F0502020204030204" pitchFamily="34" charset="0"/>
+              <a:cs typeface="Times New Roman" panose="02020603050405020304" pitchFamily="18" charset="0"/>
+            </a:endParaRPr>
+          </a:p>
+          <a:p>
+            <a:pPr>
+              <a:lnSpc>
+                <a:spcPct val="107000"/>
+              </a:lnSpc>
+            </a:pPr>
+            <a:r>
+              <a:rPr lang="en-US" sz="950" dirty="0">
+                <a:latin typeface="Lucida Console" panose="020B0609040504020204" pitchFamily="49" charset="0"/>
+                <a:ea typeface="Calibri" panose="020F0502020204030204" pitchFamily="34" charset="0"/>
+                <a:cs typeface="Lucida Console" panose="020B0609040504020204" pitchFamily="49" charset="0"/>
+              </a:rPr>
+              <a:t>        </a:t>
+            </a:r>
+            <a:r>
+              <a:rPr lang="en-US" sz="950" dirty="0">
+                <a:solidFill>
+                  <a:srgbClr val="BF0000"/>
+                </a:solidFill>
+                <a:latin typeface="Lucida Console" panose="020B0609040504020204" pitchFamily="49" charset="0"/>
+                <a:ea typeface="Calibri" panose="020F0502020204030204" pitchFamily="34" charset="0"/>
+                <a:cs typeface="Lucida Console" panose="020B0609040504020204" pitchFamily="49" charset="0"/>
+              </a:rPr>
+              <a:t>modified:   GitHub_win7/</a:t>
+            </a:r>
+            <a:r>
+              <a:rPr lang="en-US" sz="950" dirty="0" err="1">
+                <a:solidFill>
+                  <a:srgbClr val="BF0000"/>
+                </a:solidFill>
+                <a:latin typeface="Lucida Console" panose="020B0609040504020204" pitchFamily="49" charset="0"/>
+                <a:ea typeface="Calibri" panose="020F0502020204030204" pitchFamily="34" charset="0"/>
+                <a:cs typeface="Lucida Console" panose="020B0609040504020204" pitchFamily="49" charset="0"/>
+              </a:rPr>
+              <a:t>Thumbs.db</a:t>
+            </a:r>
+            <a:endParaRPr lang="en-US" sz="950" dirty="0">
+              <a:latin typeface="Calibri" panose="020F0502020204030204" pitchFamily="34" charset="0"/>
+              <a:ea typeface="Calibri" panose="020F0502020204030204" pitchFamily="34" charset="0"/>
+              <a:cs typeface="Times New Roman" panose="02020603050405020304" pitchFamily="18" charset="0"/>
+            </a:endParaRPr>
+          </a:p>
+          <a:p>
+            <a:pPr>
+              <a:lnSpc>
+                <a:spcPct val="107000"/>
+              </a:lnSpc>
+            </a:pPr>
+            <a:r>
+              <a:rPr lang="en-US" sz="950" dirty="0">
+                <a:solidFill>
+                  <a:srgbClr val="BF0000"/>
+                </a:solidFill>
+                <a:latin typeface="Lucida Console" panose="020B0609040504020204" pitchFamily="49" charset="0"/>
+                <a:ea typeface="Calibri" panose="020F0502020204030204" pitchFamily="34" charset="0"/>
+                <a:cs typeface="Lucida Console" panose="020B0609040504020204" pitchFamily="49" charset="0"/>
+              </a:rPr>
+              <a:t> </a:t>
+            </a:r>
+            <a:endParaRPr lang="en-US" sz="950" dirty="0">
+              <a:latin typeface="Calibri" panose="020F0502020204030204" pitchFamily="34" charset="0"/>
+              <a:ea typeface="Calibri" panose="020F0502020204030204" pitchFamily="34" charset="0"/>
+              <a:cs typeface="Times New Roman" panose="02020603050405020304" pitchFamily="18" charset="0"/>
+            </a:endParaRPr>
+          </a:p>
+          <a:p>
+            <a:pPr>
+              <a:lnSpc>
+                <a:spcPct val="107000"/>
+              </a:lnSpc>
+            </a:pPr>
+            <a:r>
+              <a:rPr lang="en-US" sz="950" dirty="0">
+                <a:latin typeface="Lucida Console" panose="020B0609040504020204" pitchFamily="49" charset="0"/>
+                <a:ea typeface="Calibri" panose="020F0502020204030204" pitchFamily="34" charset="0"/>
+                <a:cs typeface="Lucida Console" panose="020B0609040504020204" pitchFamily="49" charset="0"/>
+              </a:rPr>
+              <a:t>no changes added to commit (use "</a:t>
+            </a:r>
+            <a:r>
+              <a:rPr lang="en-US" sz="950" dirty="0" err="1">
+                <a:latin typeface="Lucida Console" panose="020B0609040504020204" pitchFamily="49" charset="0"/>
+                <a:ea typeface="Calibri" panose="020F0502020204030204" pitchFamily="34" charset="0"/>
+                <a:cs typeface="Lucida Console" panose="020B0609040504020204" pitchFamily="49" charset="0"/>
+              </a:rPr>
+              <a:t>git</a:t>
+            </a:r>
+            <a:r>
+              <a:rPr lang="en-US" sz="950" dirty="0">
+                <a:latin typeface="Lucida Console" panose="020B0609040504020204" pitchFamily="49" charset="0"/>
+                <a:ea typeface="Calibri" panose="020F0502020204030204" pitchFamily="34" charset="0"/>
+                <a:cs typeface="Lucida Console" panose="020B0609040504020204" pitchFamily="49" charset="0"/>
+              </a:rPr>
+              <a:t> add" and/or "</a:t>
+            </a:r>
+            <a:r>
+              <a:rPr lang="en-US" sz="950" dirty="0" err="1">
+                <a:latin typeface="Lucida Console" panose="020B0609040504020204" pitchFamily="49" charset="0"/>
+                <a:ea typeface="Calibri" panose="020F0502020204030204" pitchFamily="34" charset="0"/>
+                <a:cs typeface="Lucida Console" panose="020B0609040504020204" pitchFamily="49" charset="0"/>
+              </a:rPr>
+              <a:t>git</a:t>
+            </a:r>
+            <a:r>
+              <a:rPr lang="en-US" sz="950" dirty="0">
+                <a:latin typeface="Lucida Console" panose="020B0609040504020204" pitchFamily="49" charset="0"/>
+                <a:ea typeface="Calibri" panose="020F0502020204030204" pitchFamily="34" charset="0"/>
+                <a:cs typeface="Lucida Console" panose="020B0609040504020204" pitchFamily="49" charset="0"/>
+              </a:rPr>
+              <a:t> commit -a")</a:t>
+            </a:r>
+            <a:endParaRPr lang="en-US" sz="950" dirty="0">
+              <a:latin typeface="Calibri" panose="020F0502020204030204" pitchFamily="34" charset="0"/>
+              <a:ea typeface="Calibri" panose="020F0502020204030204" pitchFamily="34" charset="0"/>
+              <a:cs typeface="Times New Roman" panose="02020603050405020304" pitchFamily="18" charset="0"/>
+            </a:endParaRPr>
+          </a:p>
+          <a:p>
+            <a:pPr>
+              <a:lnSpc>
+                <a:spcPct val="107000"/>
+              </a:lnSpc>
+            </a:pPr>
+            <a:r>
+              <a:rPr lang="en-US" sz="950" dirty="0">
+                <a:latin typeface="Lucida Console" panose="020B0609040504020204" pitchFamily="49" charset="0"/>
+                <a:ea typeface="Calibri" panose="020F0502020204030204" pitchFamily="34" charset="0"/>
+                <a:cs typeface="Lucida Console" panose="020B0609040504020204" pitchFamily="49" charset="0"/>
+              </a:rPr>
+              <a:t> </a:t>
+            </a:r>
+            <a:endParaRPr lang="en-US" sz="950" dirty="0">
+              <a:latin typeface="Calibri" panose="020F0502020204030204" pitchFamily="34" charset="0"/>
+              <a:ea typeface="Calibri" panose="020F0502020204030204" pitchFamily="34" charset="0"/>
+              <a:cs typeface="Times New Roman" panose="02020603050405020304" pitchFamily="18" charset="0"/>
+            </a:endParaRPr>
+          </a:p>
+          <a:p>
+            <a:pPr>
+              <a:lnSpc>
+                <a:spcPct val="107000"/>
+              </a:lnSpc>
+            </a:pPr>
+            <a:r>
+              <a:rPr lang="en-US" sz="950" dirty="0">
+                <a:solidFill>
+                  <a:srgbClr val="00BF00"/>
+                </a:solidFill>
+                <a:latin typeface="Lucida Console" panose="020B0609040504020204" pitchFamily="49" charset="0"/>
+                <a:ea typeface="Calibri" panose="020F0502020204030204" pitchFamily="34" charset="0"/>
+                <a:cs typeface="Lucida Console" panose="020B0609040504020204" pitchFamily="49" charset="0"/>
+              </a:rPr>
+              <a:t>Mitch@Win7-PC </a:t>
+            </a:r>
+            <a:r>
+              <a:rPr lang="en-US" sz="950" dirty="0">
+                <a:solidFill>
+                  <a:srgbClr val="BF00BF"/>
+                </a:solidFill>
+                <a:latin typeface="Lucida Console" panose="020B0609040504020204" pitchFamily="49" charset="0"/>
+                <a:ea typeface="Calibri" panose="020F0502020204030204" pitchFamily="34" charset="0"/>
+                <a:cs typeface="Lucida Console" panose="020B0609040504020204" pitchFamily="49" charset="0"/>
+              </a:rPr>
+              <a:t>MINGW64 </a:t>
+            </a:r>
+            <a:r>
+              <a:rPr lang="en-US" sz="950" dirty="0">
+                <a:solidFill>
+                  <a:srgbClr val="BFBF00"/>
+                </a:solidFill>
+                <a:latin typeface="Lucida Console" panose="020B0609040504020204" pitchFamily="49" charset="0"/>
+                <a:ea typeface="Calibri" panose="020F0502020204030204" pitchFamily="34" charset="0"/>
+                <a:cs typeface="Lucida Console" panose="020B0609040504020204" pitchFamily="49" charset="0"/>
+              </a:rPr>
+              <a:t>~/Documents/</a:t>
+            </a:r>
+            <a:r>
+              <a:rPr lang="en-US" sz="950" dirty="0" err="1">
+                <a:solidFill>
+                  <a:srgbClr val="BFBF00"/>
+                </a:solidFill>
+                <a:latin typeface="Lucida Console" panose="020B0609040504020204" pitchFamily="49" charset="0"/>
+                <a:ea typeface="Calibri" panose="020F0502020204030204" pitchFamily="34" charset="0"/>
+                <a:cs typeface="Lucida Console" panose="020B0609040504020204" pitchFamily="49" charset="0"/>
+              </a:rPr>
+              <a:t>Git_Repo</a:t>
+            </a:r>
+            <a:r>
+              <a:rPr lang="en-US" sz="950" dirty="0">
+                <a:solidFill>
+                  <a:srgbClr val="BFBF00"/>
+                </a:solidFill>
+                <a:latin typeface="Lucida Console" panose="020B0609040504020204" pitchFamily="49" charset="0"/>
+                <a:ea typeface="Calibri" panose="020F0502020204030204" pitchFamily="34" charset="0"/>
+                <a:cs typeface="Lucida Console" panose="020B0609040504020204" pitchFamily="49" charset="0"/>
+              </a:rPr>
+              <a:t>/</a:t>
+            </a:r>
+            <a:r>
+              <a:rPr lang="en-US" sz="950" dirty="0" err="1">
+                <a:solidFill>
+                  <a:srgbClr val="BFBF00"/>
+                </a:solidFill>
+                <a:latin typeface="Lucida Console" panose="020B0609040504020204" pitchFamily="49" charset="0"/>
+                <a:ea typeface="Calibri" panose="020F0502020204030204" pitchFamily="34" charset="0"/>
+                <a:cs typeface="Lucida Console" panose="020B0609040504020204" pitchFamily="49" charset="0"/>
+              </a:rPr>
+              <a:t>DevEnv</a:t>
+            </a:r>
+            <a:r>
+              <a:rPr lang="en-US" sz="950" dirty="0">
+                <a:solidFill>
+                  <a:srgbClr val="BFBF00"/>
+                </a:solidFill>
+                <a:latin typeface="Lucida Console" panose="020B0609040504020204" pitchFamily="49" charset="0"/>
+                <a:ea typeface="Calibri" panose="020F0502020204030204" pitchFamily="34" charset="0"/>
+                <a:cs typeface="Lucida Console" panose="020B0609040504020204" pitchFamily="49" charset="0"/>
+              </a:rPr>
+              <a:t>-</a:t>
+            </a:r>
+            <a:r>
+              <a:rPr lang="en-US" sz="950" dirty="0" err="1">
+                <a:solidFill>
+                  <a:srgbClr val="BFBF00"/>
+                </a:solidFill>
+                <a:latin typeface="Lucida Console" panose="020B0609040504020204" pitchFamily="49" charset="0"/>
+                <a:ea typeface="Calibri" panose="020F0502020204030204" pitchFamily="34" charset="0"/>
+                <a:cs typeface="Lucida Console" panose="020B0609040504020204" pitchFamily="49" charset="0"/>
+              </a:rPr>
+              <a:t>SetUp</a:t>
+            </a:r>
+            <a:r>
+              <a:rPr lang="en-US" sz="950" dirty="0">
+                <a:solidFill>
+                  <a:srgbClr val="BFBF00"/>
+                </a:solidFill>
+                <a:latin typeface="Lucida Console" panose="020B0609040504020204" pitchFamily="49" charset="0"/>
+                <a:ea typeface="Calibri" panose="020F0502020204030204" pitchFamily="34" charset="0"/>
+                <a:cs typeface="Lucida Console" panose="020B0609040504020204" pitchFamily="49" charset="0"/>
+              </a:rPr>
+              <a:t>-Help</a:t>
+            </a:r>
+            <a:r>
+              <a:rPr lang="en-US" sz="950" dirty="0">
+                <a:solidFill>
+                  <a:srgbClr val="00BFBF"/>
+                </a:solidFill>
+                <a:latin typeface="Lucida Console" panose="020B0609040504020204" pitchFamily="49" charset="0"/>
+                <a:ea typeface="Calibri" panose="020F0502020204030204" pitchFamily="34" charset="0"/>
+                <a:cs typeface="Lucida Console" panose="020B0609040504020204" pitchFamily="49" charset="0"/>
+              </a:rPr>
+              <a:t> (</a:t>
+            </a:r>
+            <a:r>
+              <a:rPr lang="en-US" sz="950" dirty="0" err="1">
+                <a:solidFill>
+                  <a:srgbClr val="00BFBF"/>
+                </a:solidFill>
+                <a:latin typeface="Lucida Console" panose="020B0609040504020204" pitchFamily="49" charset="0"/>
+                <a:ea typeface="Calibri" panose="020F0502020204030204" pitchFamily="34" charset="0"/>
+                <a:cs typeface="Lucida Console" panose="020B0609040504020204" pitchFamily="49" charset="0"/>
+              </a:rPr>
+              <a:t>contentAsMarkdown</a:t>
+            </a:r>
+            <a:r>
+              <a:rPr lang="en-US" sz="950" dirty="0">
+                <a:solidFill>
+                  <a:srgbClr val="00BFBF"/>
+                </a:solidFill>
+                <a:latin typeface="Lucida Console" panose="020B0609040504020204" pitchFamily="49" charset="0"/>
+                <a:ea typeface="Calibri" panose="020F0502020204030204" pitchFamily="34" charset="0"/>
+                <a:cs typeface="Lucida Console" panose="020B0609040504020204" pitchFamily="49" charset="0"/>
+              </a:rPr>
+              <a:t>)</a:t>
+            </a:r>
+            <a:endParaRPr lang="en-US" sz="950" dirty="0">
+              <a:latin typeface="Calibri" panose="020F0502020204030204" pitchFamily="34" charset="0"/>
+              <a:ea typeface="Calibri" panose="020F0502020204030204" pitchFamily="34" charset="0"/>
+              <a:cs typeface="Times New Roman" panose="02020603050405020304" pitchFamily="18" charset="0"/>
+            </a:endParaRPr>
+          </a:p>
+          <a:p>
+            <a:pPr>
+              <a:lnSpc>
+                <a:spcPct val="107000"/>
+              </a:lnSpc>
+            </a:pPr>
+            <a:r>
+              <a:rPr lang="en-US" sz="950" dirty="0">
+                <a:latin typeface="Lucida Console" panose="020B0609040504020204" pitchFamily="49" charset="0"/>
+                <a:ea typeface="Calibri" panose="020F0502020204030204" pitchFamily="34" charset="0"/>
+                <a:cs typeface="Lucida Console" panose="020B0609040504020204" pitchFamily="49" charset="0"/>
+              </a:rPr>
+              <a:t>$ ./Git-Commit-Local-Repo.sh 'finalizing .</a:t>
+            </a:r>
+            <a:r>
+              <a:rPr lang="en-US" sz="950" dirty="0" err="1">
+                <a:latin typeface="Lucida Console" panose="020B0609040504020204" pitchFamily="49" charset="0"/>
+                <a:ea typeface="Calibri" panose="020F0502020204030204" pitchFamily="34" charset="0"/>
+                <a:cs typeface="Lucida Console" panose="020B0609040504020204" pitchFamily="49" charset="0"/>
+              </a:rPr>
+              <a:t>gitignore</a:t>
+            </a:r>
+            <a:r>
+              <a:rPr lang="en-US" sz="950" dirty="0">
+                <a:latin typeface="Lucida Console" panose="020B0609040504020204" pitchFamily="49" charset="0"/>
+                <a:ea typeface="Calibri" panose="020F0502020204030204" pitchFamily="34" charset="0"/>
+                <a:cs typeface="Lucida Console" panose="020B0609040504020204" pitchFamily="49" charset="0"/>
+              </a:rPr>
+              <a:t> and </a:t>
+            </a:r>
+            <a:r>
+              <a:rPr lang="en-US" sz="950" dirty="0" err="1">
+                <a:latin typeface="Lucida Console" panose="020B0609040504020204" pitchFamily="49" charset="0"/>
+                <a:ea typeface="Calibri" panose="020F0502020204030204" pitchFamily="34" charset="0"/>
+                <a:cs typeface="Lucida Console" panose="020B0609040504020204" pitchFamily="49" charset="0"/>
+              </a:rPr>
+              <a:t>Thumbs.db</a:t>
+            </a:r>
+            <a:r>
+              <a:rPr lang="en-US" sz="950" dirty="0">
+                <a:latin typeface="Lucida Console" panose="020B0609040504020204" pitchFamily="49" charset="0"/>
+                <a:ea typeface="Calibri" panose="020F0502020204030204" pitchFamily="34" charset="0"/>
+                <a:cs typeface="Lucida Console" panose="020B0609040504020204" pitchFamily="49" charset="0"/>
+              </a:rPr>
+              <a:t> ahead of merging'</a:t>
+            </a:r>
+            <a:endParaRPr lang="en-US" sz="950" dirty="0">
+              <a:latin typeface="Calibri" panose="020F0502020204030204" pitchFamily="34" charset="0"/>
+              <a:ea typeface="Calibri" panose="020F0502020204030204" pitchFamily="34" charset="0"/>
+              <a:cs typeface="Times New Roman" panose="02020603050405020304" pitchFamily="18" charset="0"/>
+            </a:endParaRPr>
+          </a:p>
+          <a:p>
+            <a:pPr>
+              <a:lnSpc>
+                <a:spcPct val="107000"/>
+              </a:lnSpc>
+            </a:pPr>
+            <a:r>
+              <a:rPr lang="en-US" sz="950" dirty="0">
+                <a:latin typeface="Lucida Console" panose="020B0609040504020204" pitchFamily="49" charset="0"/>
+                <a:ea typeface="Calibri" panose="020F0502020204030204" pitchFamily="34" charset="0"/>
+                <a:cs typeface="Lucida Console" panose="020B0609040504020204" pitchFamily="49" charset="0"/>
+              </a:rPr>
+              <a:t>On branch </a:t>
+            </a:r>
+            <a:r>
+              <a:rPr lang="en-US" sz="950" dirty="0" err="1">
+                <a:latin typeface="Lucida Console" panose="020B0609040504020204" pitchFamily="49" charset="0"/>
+                <a:ea typeface="Calibri" panose="020F0502020204030204" pitchFamily="34" charset="0"/>
+                <a:cs typeface="Lucida Console" panose="020B0609040504020204" pitchFamily="49" charset="0"/>
+              </a:rPr>
+              <a:t>contentAsMarkdown</a:t>
+            </a:r>
+            <a:endParaRPr lang="en-US" sz="950" dirty="0">
+              <a:latin typeface="Calibri" panose="020F0502020204030204" pitchFamily="34" charset="0"/>
+              <a:ea typeface="Calibri" panose="020F0502020204030204" pitchFamily="34" charset="0"/>
+              <a:cs typeface="Times New Roman" panose="02020603050405020304" pitchFamily="18" charset="0"/>
+            </a:endParaRPr>
+          </a:p>
+          <a:p>
+            <a:pPr>
+              <a:lnSpc>
+                <a:spcPct val="107000"/>
+              </a:lnSpc>
+            </a:pPr>
+            <a:r>
+              <a:rPr lang="en-US" sz="950" dirty="0">
+                <a:latin typeface="Lucida Console" panose="020B0609040504020204" pitchFamily="49" charset="0"/>
+                <a:ea typeface="Calibri" panose="020F0502020204030204" pitchFamily="34" charset="0"/>
+                <a:cs typeface="Lucida Console" panose="020B0609040504020204" pitchFamily="49" charset="0"/>
+              </a:rPr>
+              <a:t>Changes to be committed:</a:t>
+            </a:r>
+            <a:endParaRPr lang="en-US" sz="950" dirty="0">
+              <a:latin typeface="Calibri" panose="020F0502020204030204" pitchFamily="34" charset="0"/>
+              <a:ea typeface="Calibri" panose="020F0502020204030204" pitchFamily="34" charset="0"/>
+              <a:cs typeface="Times New Roman" panose="02020603050405020304" pitchFamily="18" charset="0"/>
+            </a:endParaRPr>
+          </a:p>
+          <a:p>
+            <a:pPr>
+              <a:lnSpc>
+                <a:spcPct val="107000"/>
+              </a:lnSpc>
+            </a:pPr>
+            <a:r>
+              <a:rPr lang="en-US" sz="950" dirty="0">
+                <a:latin typeface="Lucida Console" panose="020B0609040504020204" pitchFamily="49" charset="0"/>
+                <a:ea typeface="Calibri" panose="020F0502020204030204" pitchFamily="34" charset="0"/>
+                <a:cs typeface="Lucida Console" panose="020B0609040504020204" pitchFamily="49" charset="0"/>
+              </a:rPr>
+              <a:t>  (use "</a:t>
+            </a:r>
+            <a:r>
+              <a:rPr lang="en-US" sz="950" dirty="0" err="1">
+                <a:latin typeface="Lucida Console" panose="020B0609040504020204" pitchFamily="49" charset="0"/>
+                <a:ea typeface="Calibri" panose="020F0502020204030204" pitchFamily="34" charset="0"/>
+                <a:cs typeface="Lucida Console" panose="020B0609040504020204" pitchFamily="49" charset="0"/>
+              </a:rPr>
+              <a:t>git</a:t>
+            </a:r>
+            <a:r>
+              <a:rPr lang="en-US" sz="950" dirty="0">
+                <a:latin typeface="Lucida Console" panose="020B0609040504020204" pitchFamily="49" charset="0"/>
+                <a:ea typeface="Calibri" panose="020F0502020204030204" pitchFamily="34" charset="0"/>
+                <a:cs typeface="Lucida Console" panose="020B0609040504020204" pitchFamily="49" charset="0"/>
+              </a:rPr>
+              <a:t> reset HEAD &lt;file&gt;..." to </a:t>
+            </a:r>
+            <a:r>
+              <a:rPr lang="en-US" sz="950" dirty="0" err="1">
+                <a:latin typeface="Lucida Console" panose="020B0609040504020204" pitchFamily="49" charset="0"/>
+                <a:ea typeface="Calibri" panose="020F0502020204030204" pitchFamily="34" charset="0"/>
+                <a:cs typeface="Lucida Console" panose="020B0609040504020204" pitchFamily="49" charset="0"/>
+              </a:rPr>
+              <a:t>unstage</a:t>
+            </a:r>
+            <a:r>
+              <a:rPr lang="en-US" sz="950" dirty="0">
+                <a:latin typeface="Lucida Console" panose="020B0609040504020204" pitchFamily="49" charset="0"/>
+                <a:ea typeface="Calibri" panose="020F0502020204030204" pitchFamily="34" charset="0"/>
+                <a:cs typeface="Lucida Console" panose="020B0609040504020204" pitchFamily="49" charset="0"/>
+              </a:rPr>
+              <a:t>)</a:t>
+            </a:r>
+            <a:endParaRPr lang="en-US" sz="950" dirty="0">
+              <a:latin typeface="Calibri" panose="020F0502020204030204" pitchFamily="34" charset="0"/>
+              <a:ea typeface="Calibri" panose="020F0502020204030204" pitchFamily="34" charset="0"/>
+              <a:cs typeface="Times New Roman" panose="02020603050405020304" pitchFamily="18" charset="0"/>
+            </a:endParaRPr>
+          </a:p>
+          <a:p>
+            <a:pPr>
+              <a:lnSpc>
+                <a:spcPct val="107000"/>
+              </a:lnSpc>
+            </a:pPr>
+            <a:r>
+              <a:rPr lang="en-US" sz="950" dirty="0">
+                <a:latin typeface="Lucida Console" panose="020B0609040504020204" pitchFamily="49" charset="0"/>
+                <a:ea typeface="Calibri" panose="020F0502020204030204" pitchFamily="34" charset="0"/>
+                <a:cs typeface="Lucida Console" panose="020B0609040504020204" pitchFamily="49" charset="0"/>
+              </a:rPr>
+              <a:t> </a:t>
+            </a:r>
+            <a:endParaRPr lang="en-US" sz="950" dirty="0">
+              <a:latin typeface="Calibri" panose="020F0502020204030204" pitchFamily="34" charset="0"/>
+              <a:ea typeface="Calibri" panose="020F0502020204030204" pitchFamily="34" charset="0"/>
+              <a:cs typeface="Times New Roman" panose="02020603050405020304" pitchFamily="18" charset="0"/>
+            </a:endParaRPr>
+          </a:p>
+          <a:p>
+            <a:pPr>
+              <a:lnSpc>
+                <a:spcPct val="107000"/>
+              </a:lnSpc>
+            </a:pPr>
+            <a:r>
+              <a:rPr lang="en-US" sz="950" dirty="0">
+                <a:latin typeface="Lucida Console" panose="020B0609040504020204" pitchFamily="49" charset="0"/>
+                <a:ea typeface="Calibri" panose="020F0502020204030204" pitchFamily="34" charset="0"/>
+                <a:cs typeface="Lucida Console" panose="020B0609040504020204" pitchFamily="49" charset="0"/>
+              </a:rPr>
+              <a:t>        </a:t>
+            </a:r>
+            <a:r>
+              <a:rPr lang="en-US" sz="950" dirty="0">
+                <a:solidFill>
+                  <a:srgbClr val="00BF00"/>
+                </a:solidFill>
+                <a:latin typeface="Lucida Console" panose="020B0609040504020204" pitchFamily="49" charset="0"/>
+                <a:ea typeface="Calibri" panose="020F0502020204030204" pitchFamily="34" charset="0"/>
+                <a:cs typeface="Lucida Console" panose="020B0609040504020204" pitchFamily="49" charset="0"/>
+              </a:rPr>
+              <a:t>modified:   .</a:t>
+            </a:r>
+            <a:r>
+              <a:rPr lang="en-US" sz="950" dirty="0" err="1">
+                <a:solidFill>
+                  <a:srgbClr val="00BF00"/>
+                </a:solidFill>
+                <a:latin typeface="Lucida Console" panose="020B0609040504020204" pitchFamily="49" charset="0"/>
+                <a:ea typeface="Calibri" panose="020F0502020204030204" pitchFamily="34" charset="0"/>
+                <a:cs typeface="Lucida Console" panose="020B0609040504020204" pitchFamily="49" charset="0"/>
+              </a:rPr>
+              <a:t>gitignore</a:t>
+            </a:r>
+            <a:endParaRPr lang="en-US" sz="950" dirty="0">
+              <a:latin typeface="Calibri" panose="020F0502020204030204" pitchFamily="34" charset="0"/>
+              <a:ea typeface="Calibri" panose="020F0502020204030204" pitchFamily="34" charset="0"/>
+              <a:cs typeface="Times New Roman" panose="02020603050405020304" pitchFamily="18" charset="0"/>
+            </a:endParaRPr>
+          </a:p>
+          <a:p>
+            <a:pPr>
+              <a:lnSpc>
+                <a:spcPct val="107000"/>
+              </a:lnSpc>
+            </a:pPr>
+            <a:r>
+              <a:rPr lang="en-US" sz="950" dirty="0">
+                <a:latin typeface="Lucida Console" panose="020B0609040504020204" pitchFamily="49" charset="0"/>
+                <a:ea typeface="Calibri" panose="020F0502020204030204" pitchFamily="34" charset="0"/>
+                <a:cs typeface="Lucida Console" panose="020B0609040504020204" pitchFamily="49" charset="0"/>
+              </a:rPr>
+              <a:t>        </a:t>
+            </a:r>
+            <a:r>
+              <a:rPr lang="en-US" sz="950" dirty="0">
+                <a:solidFill>
+                  <a:srgbClr val="00BF00"/>
+                </a:solidFill>
+                <a:latin typeface="Lucida Console" panose="020B0609040504020204" pitchFamily="49" charset="0"/>
+                <a:ea typeface="Calibri" panose="020F0502020204030204" pitchFamily="34" charset="0"/>
+                <a:cs typeface="Lucida Console" panose="020B0609040504020204" pitchFamily="49" charset="0"/>
+              </a:rPr>
+              <a:t>modified:   GitHub_win7/</a:t>
+            </a:r>
+            <a:r>
+              <a:rPr lang="en-US" sz="950" dirty="0" err="1">
+                <a:solidFill>
+                  <a:srgbClr val="00BF00"/>
+                </a:solidFill>
+                <a:latin typeface="Lucida Console" panose="020B0609040504020204" pitchFamily="49" charset="0"/>
+                <a:ea typeface="Calibri" panose="020F0502020204030204" pitchFamily="34" charset="0"/>
+                <a:cs typeface="Lucida Console" panose="020B0609040504020204" pitchFamily="49" charset="0"/>
+              </a:rPr>
+              <a:t>Thumbs.db</a:t>
+            </a:r>
+            <a:endParaRPr lang="en-US" sz="950" dirty="0">
+              <a:latin typeface="Calibri" panose="020F0502020204030204" pitchFamily="34" charset="0"/>
+              <a:ea typeface="Calibri" panose="020F0502020204030204" pitchFamily="34" charset="0"/>
+              <a:cs typeface="Times New Roman" panose="02020603050405020304" pitchFamily="18" charset="0"/>
+            </a:endParaRPr>
+          </a:p>
+          <a:p>
+            <a:pPr>
+              <a:lnSpc>
+                <a:spcPct val="107000"/>
+              </a:lnSpc>
+            </a:pPr>
+            <a:r>
+              <a:rPr lang="en-US" sz="950" dirty="0">
+                <a:solidFill>
+                  <a:srgbClr val="00BF00"/>
+                </a:solidFill>
+                <a:latin typeface="Lucida Console" panose="020B0609040504020204" pitchFamily="49" charset="0"/>
+                <a:ea typeface="Calibri" panose="020F0502020204030204" pitchFamily="34" charset="0"/>
+                <a:cs typeface="Lucida Console" panose="020B0609040504020204" pitchFamily="49" charset="0"/>
+              </a:rPr>
+              <a:t> </a:t>
+            </a:r>
+            <a:endParaRPr lang="en-US" sz="950" dirty="0">
+              <a:latin typeface="Calibri" panose="020F0502020204030204" pitchFamily="34" charset="0"/>
+              <a:ea typeface="Calibri" panose="020F0502020204030204" pitchFamily="34" charset="0"/>
+              <a:cs typeface="Times New Roman" panose="02020603050405020304" pitchFamily="18" charset="0"/>
+            </a:endParaRPr>
+          </a:p>
+          <a:p>
+            <a:pPr>
+              <a:lnSpc>
+                <a:spcPct val="107000"/>
+              </a:lnSpc>
+            </a:pPr>
+            <a:r>
+              <a:rPr lang="en-US" sz="950" dirty="0">
+                <a:latin typeface="Lucida Console" panose="020B0609040504020204" pitchFamily="49" charset="0"/>
+                <a:ea typeface="Calibri" panose="020F0502020204030204" pitchFamily="34" charset="0"/>
+                <a:cs typeface="Lucida Console" panose="020B0609040504020204" pitchFamily="49" charset="0"/>
+              </a:rPr>
+              <a:t>[</a:t>
+            </a:r>
+            <a:r>
+              <a:rPr lang="en-US" sz="950" dirty="0" err="1">
+                <a:latin typeface="Lucida Console" panose="020B0609040504020204" pitchFamily="49" charset="0"/>
+                <a:ea typeface="Calibri" panose="020F0502020204030204" pitchFamily="34" charset="0"/>
+                <a:cs typeface="Lucida Console" panose="020B0609040504020204" pitchFamily="49" charset="0"/>
+              </a:rPr>
+              <a:t>contentAsMarkdown</a:t>
+            </a:r>
+            <a:r>
+              <a:rPr lang="en-US" sz="950" dirty="0">
+                <a:latin typeface="Lucida Console" panose="020B0609040504020204" pitchFamily="49" charset="0"/>
+                <a:ea typeface="Calibri" panose="020F0502020204030204" pitchFamily="34" charset="0"/>
+                <a:cs typeface="Lucida Console" panose="020B0609040504020204" pitchFamily="49" charset="0"/>
+              </a:rPr>
+              <a:t> 57d410a] finalizing .</a:t>
+            </a:r>
+            <a:r>
+              <a:rPr lang="en-US" sz="950" dirty="0" err="1">
+                <a:latin typeface="Lucida Console" panose="020B0609040504020204" pitchFamily="49" charset="0"/>
+                <a:ea typeface="Calibri" panose="020F0502020204030204" pitchFamily="34" charset="0"/>
+                <a:cs typeface="Lucida Console" panose="020B0609040504020204" pitchFamily="49" charset="0"/>
+              </a:rPr>
+              <a:t>gitignore</a:t>
+            </a:r>
+            <a:r>
+              <a:rPr lang="en-US" sz="950" dirty="0">
+                <a:latin typeface="Lucida Console" panose="020B0609040504020204" pitchFamily="49" charset="0"/>
+                <a:ea typeface="Calibri" panose="020F0502020204030204" pitchFamily="34" charset="0"/>
+                <a:cs typeface="Lucida Console" panose="020B0609040504020204" pitchFamily="49" charset="0"/>
+              </a:rPr>
+              <a:t> and </a:t>
+            </a:r>
+            <a:r>
+              <a:rPr lang="en-US" sz="950" dirty="0" err="1">
+                <a:latin typeface="Lucida Console" panose="020B0609040504020204" pitchFamily="49" charset="0"/>
+                <a:ea typeface="Calibri" panose="020F0502020204030204" pitchFamily="34" charset="0"/>
+                <a:cs typeface="Lucida Console" panose="020B0609040504020204" pitchFamily="49" charset="0"/>
+              </a:rPr>
+              <a:t>Thumbs.db</a:t>
+            </a:r>
+            <a:r>
+              <a:rPr lang="en-US" sz="950" dirty="0">
+                <a:latin typeface="Lucida Console" panose="020B0609040504020204" pitchFamily="49" charset="0"/>
+                <a:ea typeface="Calibri" panose="020F0502020204030204" pitchFamily="34" charset="0"/>
+                <a:cs typeface="Lucida Console" panose="020B0609040504020204" pitchFamily="49" charset="0"/>
+              </a:rPr>
+              <a:t> ahead of merging</a:t>
+            </a:r>
+            <a:endParaRPr lang="en-US" sz="950" dirty="0">
+              <a:latin typeface="Calibri" panose="020F0502020204030204" pitchFamily="34" charset="0"/>
+              <a:ea typeface="Calibri" panose="020F0502020204030204" pitchFamily="34" charset="0"/>
+              <a:cs typeface="Times New Roman" panose="02020603050405020304" pitchFamily="18" charset="0"/>
+            </a:endParaRPr>
+          </a:p>
+          <a:p>
+            <a:pPr>
+              <a:lnSpc>
+                <a:spcPct val="107000"/>
+              </a:lnSpc>
+            </a:pPr>
+            <a:r>
+              <a:rPr lang="en-US" sz="950" dirty="0">
+                <a:latin typeface="Lucida Console" panose="020B0609040504020204" pitchFamily="49" charset="0"/>
+                <a:ea typeface="Calibri" panose="020F0502020204030204" pitchFamily="34" charset="0"/>
+                <a:cs typeface="Lucida Console" panose="020B0609040504020204" pitchFamily="49" charset="0"/>
+              </a:rPr>
+              <a:t> 2 files changed, 4 insertions(+)</a:t>
+            </a:r>
+            <a:endParaRPr lang="en-US" sz="950" dirty="0">
+              <a:latin typeface="Calibri" panose="020F0502020204030204" pitchFamily="34" charset="0"/>
+              <a:ea typeface="Calibri" panose="020F0502020204030204" pitchFamily="34" charset="0"/>
+              <a:cs typeface="Times New Roman" panose="02020603050405020304" pitchFamily="18" charset="0"/>
+            </a:endParaRPr>
+          </a:p>
+          <a:p>
+            <a:pPr>
+              <a:lnSpc>
+                <a:spcPct val="107000"/>
+              </a:lnSpc>
+            </a:pPr>
+            <a:r>
+              <a:rPr lang="en-US" sz="950" dirty="0">
+                <a:solidFill>
+                  <a:srgbClr val="BFBF00"/>
+                </a:solidFill>
+                <a:latin typeface="Lucida Console" panose="020B0609040504020204" pitchFamily="49" charset="0"/>
+                <a:ea typeface="Calibri" panose="020F0502020204030204" pitchFamily="34" charset="0"/>
+                <a:cs typeface="Lucida Console" panose="020B0609040504020204" pitchFamily="49" charset="0"/>
+              </a:rPr>
+              <a:t>commit 57d410af1087cea15200128a8ca59fd95ec1804c</a:t>
+            </a:r>
+            <a:endParaRPr lang="en-US" sz="950" dirty="0">
+              <a:latin typeface="Calibri" panose="020F0502020204030204" pitchFamily="34" charset="0"/>
+              <a:ea typeface="Calibri" panose="020F0502020204030204" pitchFamily="34" charset="0"/>
+              <a:cs typeface="Times New Roman" panose="02020603050405020304" pitchFamily="18" charset="0"/>
+            </a:endParaRPr>
+          </a:p>
+          <a:p>
+            <a:pPr>
+              <a:lnSpc>
+                <a:spcPct val="107000"/>
+              </a:lnSpc>
+            </a:pPr>
+            <a:r>
+              <a:rPr lang="en-US" sz="950" dirty="0">
+                <a:latin typeface="Lucida Console" panose="020B0609040504020204" pitchFamily="49" charset="0"/>
+                <a:ea typeface="Calibri" panose="020F0502020204030204" pitchFamily="34" charset="0"/>
+                <a:cs typeface="Lucida Console" panose="020B0609040504020204" pitchFamily="49" charset="0"/>
+              </a:rPr>
+              <a:t>Author: &lt;author info provided here&gt;</a:t>
+            </a:r>
+            <a:endParaRPr lang="en-US" sz="950" dirty="0">
+              <a:latin typeface="Calibri" panose="020F0502020204030204" pitchFamily="34" charset="0"/>
+              <a:ea typeface="Calibri" panose="020F0502020204030204" pitchFamily="34" charset="0"/>
+              <a:cs typeface="Times New Roman" panose="02020603050405020304" pitchFamily="18" charset="0"/>
+            </a:endParaRPr>
+          </a:p>
+          <a:p>
+            <a:pPr>
+              <a:lnSpc>
+                <a:spcPct val="107000"/>
+              </a:lnSpc>
+            </a:pPr>
+            <a:r>
+              <a:rPr lang="en-US" sz="950" dirty="0">
+                <a:latin typeface="Lucida Console" panose="020B0609040504020204" pitchFamily="49" charset="0"/>
+                <a:ea typeface="Calibri" panose="020F0502020204030204" pitchFamily="34" charset="0"/>
+                <a:cs typeface="Lucida Console" panose="020B0609040504020204" pitchFamily="49" charset="0"/>
+              </a:rPr>
+              <a:t>Date:   Sat Nov 26 12:03:04 2016 -0500</a:t>
+            </a:r>
+            <a:endParaRPr lang="en-US" sz="950" dirty="0">
+              <a:latin typeface="Calibri" panose="020F0502020204030204" pitchFamily="34" charset="0"/>
+              <a:ea typeface="Calibri" panose="020F0502020204030204" pitchFamily="34" charset="0"/>
+              <a:cs typeface="Times New Roman" panose="02020603050405020304" pitchFamily="18" charset="0"/>
+            </a:endParaRPr>
+          </a:p>
+          <a:p>
+            <a:pPr>
+              <a:lnSpc>
+                <a:spcPct val="107000"/>
+              </a:lnSpc>
+            </a:pPr>
+            <a:r>
+              <a:rPr lang="en-US" sz="950" dirty="0">
+                <a:latin typeface="Lucida Console" panose="020B0609040504020204" pitchFamily="49" charset="0"/>
+                <a:ea typeface="Calibri" panose="020F0502020204030204" pitchFamily="34" charset="0"/>
+                <a:cs typeface="Lucida Console" panose="020B0609040504020204" pitchFamily="49" charset="0"/>
+              </a:rPr>
+              <a:t> </a:t>
+            </a:r>
+            <a:endParaRPr lang="en-US" sz="950" dirty="0">
+              <a:latin typeface="Calibri" panose="020F0502020204030204" pitchFamily="34" charset="0"/>
+              <a:ea typeface="Calibri" panose="020F0502020204030204" pitchFamily="34" charset="0"/>
+              <a:cs typeface="Times New Roman" panose="02020603050405020304" pitchFamily="18" charset="0"/>
+            </a:endParaRPr>
+          </a:p>
+          <a:p>
+            <a:pPr>
+              <a:lnSpc>
+                <a:spcPct val="107000"/>
+              </a:lnSpc>
+            </a:pPr>
+            <a:r>
+              <a:rPr lang="en-US" sz="950" dirty="0">
+                <a:latin typeface="Lucida Console" panose="020B0609040504020204" pitchFamily="49" charset="0"/>
+                <a:ea typeface="Calibri" panose="020F0502020204030204" pitchFamily="34" charset="0"/>
+                <a:cs typeface="Lucida Console" panose="020B0609040504020204" pitchFamily="49" charset="0"/>
+              </a:rPr>
+              <a:t>    finalizing .</a:t>
+            </a:r>
+            <a:r>
+              <a:rPr lang="en-US" sz="950" dirty="0" err="1">
+                <a:latin typeface="Lucida Console" panose="020B0609040504020204" pitchFamily="49" charset="0"/>
+                <a:ea typeface="Calibri" panose="020F0502020204030204" pitchFamily="34" charset="0"/>
+                <a:cs typeface="Lucida Console" panose="020B0609040504020204" pitchFamily="49" charset="0"/>
+              </a:rPr>
+              <a:t>gitignore</a:t>
+            </a:r>
+            <a:r>
+              <a:rPr lang="en-US" sz="950" dirty="0">
+                <a:latin typeface="Lucida Console" panose="020B0609040504020204" pitchFamily="49" charset="0"/>
+                <a:ea typeface="Calibri" panose="020F0502020204030204" pitchFamily="34" charset="0"/>
+                <a:cs typeface="Lucida Console" panose="020B0609040504020204" pitchFamily="49" charset="0"/>
+              </a:rPr>
+              <a:t> and </a:t>
+            </a:r>
+            <a:r>
+              <a:rPr lang="en-US" sz="950" dirty="0" err="1">
+                <a:latin typeface="Lucida Console" panose="020B0609040504020204" pitchFamily="49" charset="0"/>
+                <a:ea typeface="Calibri" panose="020F0502020204030204" pitchFamily="34" charset="0"/>
+                <a:cs typeface="Lucida Console" panose="020B0609040504020204" pitchFamily="49" charset="0"/>
+              </a:rPr>
+              <a:t>Thumbs.db</a:t>
+            </a:r>
+            <a:r>
+              <a:rPr lang="en-US" sz="950" dirty="0">
+                <a:latin typeface="Lucida Console" panose="020B0609040504020204" pitchFamily="49" charset="0"/>
+                <a:ea typeface="Calibri" panose="020F0502020204030204" pitchFamily="34" charset="0"/>
+                <a:cs typeface="Lucida Console" panose="020B0609040504020204" pitchFamily="49" charset="0"/>
+              </a:rPr>
+              <a:t> ahead of merging</a:t>
+            </a:r>
+            <a:endParaRPr lang="en-US" sz="950" dirty="0">
+              <a:latin typeface="Calibri" panose="020F0502020204030204" pitchFamily="34" charset="0"/>
+              <a:ea typeface="Calibri" panose="020F0502020204030204" pitchFamily="34" charset="0"/>
+              <a:cs typeface="Times New Roman" panose="02020603050405020304" pitchFamily="18" charset="0"/>
+            </a:endParaRPr>
+          </a:p>
+          <a:p>
+            <a:pPr>
+              <a:lnSpc>
+                <a:spcPct val="107000"/>
+              </a:lnSpc>
+            </a:pPr>
+            <a:r>
+              <a:rPr lang="en-US" sz="900" dirty="0">
+                <a:latin typeface="Lucida Console" panose="020B0609040504020204" pitchFamily="49" charset="0"/>
+                <a:ea typeface="Calibri" panose="020F0502020204030204" pitchFamily="34" charset="0"/>
+                <a:cs typeface="Lucida Console" panose="020B0609040504020204" pitchFamily="49" charset="0"/>
+              </a:rPr>
+              <a:t> </a:t>
+            </a:r>
+            <a:endParaRPr lang="en-US" sz="900" dirty="0">
+              <a:latin typeface="Calibri" panose="020F0502020204030204" pitchFamily="34" charset="0"/>
+              <a:ea typeface="Calibri" panose="020F0502020204030204" pitchFamily="34" charset="0"/>
+              <a:cs typeface="Times New Roman" panose="02020603050405020304" pitchFamily="18" charset="0"/>
+            </a:endParaRPr>
+          </a:p>
+        </p:txBody>
+      </p:sp>
+      <p:sp>
+        <p:nvSpPr>
+          <p:cNvPr id="6" name="Rectangle 5"/>
+          <p:cNvSpPr/>
+          <p:nvPr/>
+        </p:nvSpPr>
+        <p:spPr>
+          <a:xfrm>
+            <a:off x="6038864" y="532264"/>
+            <a:ext cx="6096000" cy="6196082"/>
+          </a:xfrm>
+          <a:prstGeom prst="rect">
+            <a:avLst/>
+          </a:prstGeom>
+        </p:spPr>
+        <p:txBody>
+          <a:bodyPr>
+            <a:normAutofit fontScale="62500" lnSpcReduction="20000"/>
+          </a:bodyPr>
+          <a:lstStyle/>
+          <a:p>
+            <a:pPr>
+              <a:lnSpc>
+                <a:spcPct val="107000"/>
+              </a:lnSpc>
+            </a:pPr>
+            <a:r>
+              <a:rPr lang="en-US" dirty="0">
+                <a:solidFill>
+                  <a:srgbClr val="00BF00"/>
+                </a:solidFill>
+                <a:latin typeface="Lucida Console" panose="020B0609040504020204" pitchFamily="49" charset="0"/>
+                <a:ea typeface="Calibri" panose="020F0502020204030204" pitchFamily="34" charset="0"/>
+                <a:cs typeface="Lucida Console" panose="020B0609040504020204" pitchFamily="49" charset="0"/>
+              </a:rPr>
+              <a:t>Mitch@Win7-PC </a:t>
+            </a:r>
+            <a:r>
+              <a:rPr lang="en-US" dirty="0">
+                <a:solidFill>
+                  <a:srgbClr val="BF00BF"/>
+                </a:solidFill>
+                <a:latin typeface="Lucida Console" panose="020B0609040504020204" pitchFamily="49" charset="0"/>
+                <a:ea typeface="Calibri" panose="020F0502020204030204" pitchFamily="34" charset="0"/>
+                <a:cs typeface="Lucida Console" panose="020B0609040504020204" pitchFamily="49" charset="0"/>
+              </a:rPr>
+              <a:t>MINGW64 </a:t>
+            </a:r>
+            <a:r>
+              <a:rPr lang="en-US" dirty="0">
+                <a:solidFill>
+                  <a:srgbClr val="BFBF00"/>
+                </a:solidFill>
+                <a:latin typeface="Lucida Console" panose="020B0609040504020204" pitchFamily="49" charset="0"/>
+                <a:ea typeface="Calibri" panose="020F0502020204030204" pitchFamily="34" charset="0"/>
+                <a:cs typeface="Lucida Console" panose="020B0609040504020204" pitchFamily="49" charset="0"/>
+              </a:rPr>
+              <a:t>~/Documents/</a:t>
+            </a:r>
+            <a:r>
+              <a:rPr lang="en-US" dirty="0" err="1">
+                <a:solidFill>
+                  <a:srgbClr val="BFBF00"/>
+                </a:solidFill>
+                <a:latin typeface="Lucida Console" panose="020B0609040504020204" pitchFamily="49" charset="0"/>
+                <a:ea typeface="Calibri" panose="020F0502020204030204" pitchFamily="34" charset="0"/>
+                <a:cs typeface="Lucida Console" panose="020B0609040504020204" pitchFamily="49" charset="0"/>
+              </a:rPr>
+              <a:t>Git_Repo</a:t>
+            </a:r>
+            <a:r>
+              <a:rPr lang="en-US" dirty="0">
+                <a:solidFill>
+                  <a:srgbClr val="BFBF00"/>
+                </a:solidFill>
+                <a:latin typeface="Lucida Console" panose="020B0609040504020204" pitchFamily="49" charset="0"/>
+                <a:ea typeface="Calibri" panose="020F0502020204030204" pitchFamily="34" charset="0"/>
+                <a:cs typeface="Lucida Console" panose="020B0609040504020204" pitchFamily="49" charset="0"/>
+              </a:rPr>
+              <a:t>/</a:t>
+            </a:r>
+            <a:r>
+              <a:rPr lang="en-US" dirty="0" err="1">
+                <a:solidFill>
+                  <a:srgbClr val="BFBF00"/>
+                </a:solidFill>
+                <a:latin typeface="Lucida Console" panose="020B0609040504020204" pitchFamily="49" charset="0"/>
+                <a:ea typeface="Calibri" panose="020F0502020204030204" pitchFamily="34" charset="0"/>
+                <a:cs typeface="Lucida Console" panose="020B0609040504020204" pitchFamily="49" charset="0"/>
+              </a:rPr>
+              <a:t>DevEnv</a:t>
+            </a:r>
+            <a:r>
+              <a:rPr lang="en-US" dirty="0">
+                <a:solidFill>
+                  <a:srgbClr val="BFBF00"/>
+                </a:solidFill>
+                <a:latin typeface="Lucida Console" panose="020B0609040504020204" pitchFamily="49" charset="0"/>
+                <a:ea typeface="Calibri" panose="020F0502020204030204" pitchFamily="34" charset="0"/>
+                <a:cs typeface="Lucida Console" panose="020B0609040504020204" pitchFamily="49" charset="0"/>
+              </a:rPr>
+              <a:t>-</a:t>
+            </a:r>
+            <a:r>
+              <a:rPr lang="en-US" dirty="0" err="1">
+                <a:solidFill>
+                  <a:srgbClr val="BFBF00"/>
+                </a:solidFill>
+                <a:latin typeface="Lucida Console" panose="020B0609040504020204" pitchFamily="49" charset="0"/>
+                <a:ea typeface="Calibri" panose="020F0502020204030204" pitchFamily="34" charset="0"/>
+                <a:cs typeface="Lucida Console" panose="020B0609040504020204" pitchFamily="49" charset="0"/>
+              </a:rPr>
+              <a:t>SetUp</a:t>
+            </a:r>
+            <a:r>
+              <a:rPr lang="en-US" dirty="0">
+                <a:solidFill>
+                  <a:srgbClr val="BFBF00"/>
+                </a:solidFill>
+                <a:latin typeface="Lucida Console" panose="020B0609040504020204" pitchFamily="49" charset="0"/>
+                <a:ea typeface="Calibri" panose="020F0502020204030204" pitchFamily="34" charset="0"/>
+                <a:cs typeface="Lucida Console" panose="020B0609040504020204" pitchFamily="49" charset="0"/>
+              </a:rPr>
+              <a:t>-Help</a:t>
+            </a:r>
+            <a:r>
+              <a:rPr lang="en-US" dirty="0">
+                <a:solidFill>
+                  <a:srgbClr val="00BFBF"/>
+                </a:solidFill>
+                <a:latin typeface="Lucida Console" panose="020B0609040504020204" pitchFamily="49" charset="0"/>
+                <a:ea typeface="Calibri" panose="020F0502020204030204" pitchFamily="34" charset="0"/>
+                <a:cs typeface="Lucida Console" panose="020B0609040504020204" pitchFamily="49" charset="0"/>
+              </a:rPr>
+              <a:t> (</a:t>
+            </a:r>
+            <a:r>
+              <a:rPr lang="en-US" dirty="0" err="1">
+                <a:solidFill>
+                  <a:srgbClr val="00BFBF"/>
+                </a:solidFill>
+                <a:latin typeface="Lucida Console" panose="020B0609040504020204" pitchFamily="49" charset="0"/>
+                <a:ea typeface="Calibri" panose="020F0502020204030204" pitchFamily="34" charset="0"/>
+                <a:cs typeface="Lucida Console" panose="020B0609040504020204" pitchFamily="49" charset="0"/>
+              </a:rPr>
+              <a:t>contentAsMarkdown</a:t>
+            </a:r>
+            <a:r>
+              <a:rPr lang="en-US" dirty="0">
+                <a:solidFill>
+                  <a:srgbClr val="00BFBF"/>
+                </a:solidFill>
+                <a:latin typeface="Lucida Console" panose="020B0609040504020204" pitchFamily="49" charset="0"/>
+                <a:ea typeface="Calibri" panose="020F0502020204030204" pitchFamily="34" charset="0"/>
+                <a:cs typeface="Lucida Console" panose="020B0609040504020204" pitchFamily="49" charset="0"/>
+              </a:rPr>
+              <a:t>)</a:t>
+            </a:r>
+            <a:endParaRPr lang="en-US" dirty="0">
+              <a:latin typeface="Calibri" panose="020F0502020204030204" pitchFamily="34" charset="0"/>
+              <a:ea typeface="Calibri" panose="020F0502020204030204" pitchFamily="34" charset="0"/>
+              <a:cs typeface="Times New Roman" panose="02020603050405020304" pitchFamily="18" charset="0"/>
+            </a:endParaRPr>
+          </a:p>
+          <a:p>
+            <a:pPr>
+              <a:lnSpc>
+                <a:spcPct val="107000"/>
+              </a:lnSpc>
+            </a:pPr>
+            <a:r>
+              <a:rPr lang="en-US" dirty="0">
+                <a:latin typeface="Lucida Console" panose="020B0609040504020204" pitchFamily="49" charset="0"/>
+                <a:ea typeface="Calibri" panose="020F0502020204030204" pitchFamily="34" charset="0"/>
+                <a:cs typeface="Lucida Console" panose="020B0609040504020204" pitchFamily="49" charset="0"/>
+              </a:rPr>
+              <a:t>$ </a:t>
+            </a:r>
+            <a:r>
+              <a:rPr lang="en-US" dirty="0" err="1">
+                <a:latin typeface="Lucida Console" panose="020B0609040504020204" pitchFamily="49" charset="0"/>
+                <a:ea typeface="Calibri" panose="020F0502020204030204" pitchFamily="34" charset="0"/>
+                <a:cs typeface="Lucida Console" panose="020B0609040504020204" pitchFamily="49" charset="0"/>
+              </a:rPr>
+              <a:t>git</a:t>
+            </a:r>
+            <a:r>
+              <a:rPr lang="en-US" dirty="0">
+                <a:latin typeface="Lucida Console" panose="020B0609040504020204" pitchFamily="49" charset="0"/>
+                <a:ea typeface="Calibri" panose="020F0502020204030204" pitchFamily="34" charset="0"/>
+                <a:cs typeface="Lucida Console" panose="020B0609040504020204" pitchFamily="49" charset="0"/>
+              </a:rPr>
+              <a:t> status</a:t>
+            </a:r>
+            <a:endParaRPr lang="en-US" dirty="0">
+              <a:latin typeface="Calibri" panose="020F0502020204030204" pitchFamily="34" charset="0"/>
+              <a:ea typeface="Calibri" panose="020F0502020204030204" pitchFamily="34" charset="0"/>
+              <a:cs typeface="Times New Roman" panose="02020603050405020304" pitchFamily="18" charset="0"/>
+            </a:endParaRPr>
+          </a:p>
+          <a:p>
+            <a:pPr>
+              <a:lnSpc>
+                <a:spcPct val="107000"/>
+              </a:lnSpc>
+            </a:pPr>
+            <a:r>
+              <a:rPr lang="en-US" dirty="0">
+                <a:latin typeface="Lucida Console" panose="020B0609040504020204" pitchFamily="49" charset="0"/>
+                <a:ea typeface="Calibri" panose="020F0502020204030204" pitchFamily="34" charset="0"/>
+                <a:cs typeface="Lucida Console" panose="020B0609040504020204" pitchFamily="49" charset="0"/>
+              </a:rPr>
+              <a:t>On branch </a:t>
+            </a:r>
+            <a:r>
+              <a:rPr lang="en-US" dirty="0" err="1">
+                <a:latin typeface="Lucida Console" panose="020B0609040504020204" pitchFamily="49" charset="0"/>
+                <a:ea typeface="Calibri" panose="020F0502020204030204" pitchFamily="34" charset="0"/>
+                <a:cs typeface="Lucida Console" panose="020B0609040504020204" pitchFamily="49" charset="0"/>
+              </a:rPr>
+              <a:t>contentAsMarkdown</a:t>
+            </a:r>
+            <a:endParaRPr lang="en-US" dirty="0">
+              <a:latin typeface="Calibri" panose="020F0502020204030204" pitchFamily="34" charset="0"/>
+              <a:ea typeface="Calibri" panose="020F0502020204030204" pitchFamily="34" charset="0"/>
+              <a:cs typeface="Times New Roman" panose="02020603050405020304" pitchFamily="18" charset="0"/>
+            </a:endParaRPr>
+          </a:p>
+          <a:p>
+            <a:pPr>
+              <a:lnSpc>
+                <a:spcPct val="107000"/>
+              </a:lnSpc>
+            </a:pPr>
+            <a:r>
+              <a:rPr lang="en-US" dirty="0">
+                <a:latin typeface="Lucida Console" panose="020B0609040504020204" pitchFamily="49" charset="0"/>
+                <a:ea typeface="Calibri" panose="020F0502020204030204" pitchFamily="34" charset="0"/>
+                <a:cs typeface="Lucida Console" panose="020B0609040504020204" pitchFamily="49" charset="0"/>
+              </a:rPr>
+              <a:t>nothing to commit, working tree clean</a:t>
+            </a:r>
+            <a:endParaRPr lang="en-US" dirty="0">
+              <a:latin typeface="Calibri" panose="020F0502020204030204" pitchFamily="34" charset="0"/>
+              <a:ea typeface="Calibri" panose="020F0502020204030204" pitchFamily="34" charset="0"/>
+              <a:cs typeface="Times New Roman" panose="02020603050405020304" pitchFamily="18" charset="0"/>
+            </a:endParaRPr>
+          </a:p>
+          <a:p>
+            <a:pPr>
+              <a:lnSpc>
+                <a:spcPct val="107000"/>
+              </a:lnSpc>
+            </a:pPr>
+            <a:r>
+              <a:rPr lang="en-US" dirty="0">
+                <a:latin typeface="Lucida Console" panose="020B0609040504020204" pitchFamily="49" charset="0"/>
+                <a:ea typeface="Calibri" panose="020F0502020204030204" pitchFamily="34" charset="0"/>
+                <a:cs typeface="Lucida Console" panose="020B0609040504020204" pitchFamily="49" charset="0"/>
+              </a:rPr>
+              <a:t> </a:t>
+            </a:r>
+            <a:endParaRPr lang="en-US" dirty="0">
+              <a:latin typeface="Calibri" panose="020F0502020204030204" pitchFamily="34" charset="0"/>
+              <a:ea typeface="Calibri" panose="020F0502020204030204" pitchFamily="34" charset="0"/>
+              <a:cs typeface="Times New Roman" panose="02020603050405020304" pitchFamily="18" charset="0"/>
+            </a:endParaRPr>
+          </a:p>
+          <a:p>
+            <a:pPr>
+              <a:lnSpc>
+                <a:spcPct val="107000"/>
+              </a:lnSpc>
+            </a:pPr>
+            <a:r>
+              <a:rPr lang="en-US" dirty="0">
+                <a:solidFill>
+                  <a:srgbClr val="00BF00"/>
+                </a:solidFill>
+                <a:latin typeface="Lucida Console" panose="020B0609040504020204" pitchFamily="49" charset="0"/>
+                <a:ea typeface="Calibri" panose="020F0502020204030204" pitchFamily="34" charset="0"/>
+                <a:cs typeface="Lucida Console" panose="020B0609040504020204" pitchFamily="49" charset="0"/>
+              </a:rPr>
+              <a:t>Mitch@Win7-PC </a:t>
+            </a:r>
+            <a:r>
+              <a:rPr lang="en-US" dirty="0">
+                <a:solidFill>
+                  <a:srgbClr val="BF00BF"/>
+                </a:solidFill>
+                <a:latin typeface="Lucida Console" panose="020B0609040504020204" pitchFamily="49" charset="0"/>
+                <a:ea typeface="Calibri" panose="020F0502020204030204" pitchFamily="34" charset="0"/>
+                <a:cs typeface="Lucida Console" panose="020B0609040504020204" pitchFamily="49" charset="0"/>
+              </a:rPr>
+              <a:t>MINGW64 </a:t>
+            </a:r>
+            <a:r>
+              <a:rPr lang="en-US" dirty="0">
+                <a:solidFill>
+                  <a:srgbClr val="BFBF00"/>
+                </a:solidFill>
+                <a:latin typeface="Lucida Console" panose="020B0609040504020204" pitchFamily="49" charset="0"/>
+                <a:ea typeface="Calibri" panose="020F0502020204030204" pitchFamily="34" charset="0"/>
+                <a:cs typeface="Lucida Console" panose="020B0609040504020204" pitchFamily="49" charset="0"/>
+              </a:rPr>
+              <a:t>~/Documents/</a:t>
+            </a:r>
+            <a:r>
+              <a:rPr lang="en-US" dirty="0" err="1">
+                <a:solidFill>
+                  <a:srgbClr val="BFBF00"/>
+                </a:solidFill>
+                <a:latin typeface="Lucida Console" panose="020B0609040504020204" pitchFamily="49" charset="0"/>
+                <a:ea typeface="Calibri" panose="020F0502020204030204" pitchFamily="34" charset="0"/>
+                <a:cs typeface="Lucida Console" panose="020B0609040504020204" pitchFamily="49" charset="0"/>
+              </a:rPr>
+              <a:t>Git_Repo</a:t>
+            </a:r>
+            <a:r>
+              <a:rPr lang="en-US" dirty="0">
+                <a:solidFill>
+                  <a:srgbClr val="BFBF00"/>
+                </a:solidFill>
+                <a:latin typeface="Lucida Console" panose="020B0609040504020204" pitchFamily="49" charset="0"/>
+                <a:ea typeface="Calibri" panose="020F0502020204030204" pitchFamily="34" charset="0"/>
+                <a:cs typeface="Lucida Console" panose="020B0609040504020204" pitchFamily="49" charset="0"/>
+              </a:rPr>
+              <a:t>/</a:t>
+            </a:r>
+            <a:r>
+              <a:rPr lang="en-US" dirty="0" err="1">
+                <a:solidFill>
+                  <a:srgbClr val="BFBF00"/>
+                </a:solidFill>
+                <a:latin typeface="Lucida Console" panose="020B0609040504020204" pitchFamily="49" charset="0"/>
+                <a:ea typeface="Calibri" panose="020F0502020204030204" pitchFamily="34" charset="0"/>
+                <a:cs typeface="Lucida Console" panose="020B0609040504020204" pitchFamily="49" charset="0"/>
+              </a:rPr>
+              <a:t>DevEnv</a:t>
+            </a:r>
+            <a:r>
+              <a:rPr lang="en-US" dirty="0">
+                <a:solidFill>
+                  <a:srgbClr val="BFBF00"/>
+                </a:solidFill>
+                <a:latin typeface="Lucida Console" panose="020B0609040504020204" pitchFamily="49" charset="0"/>
+                <a:ea typeface="Calibri" panose="020F0502020204030204" pitchFamily="34" charset="0"/>
+                <a:cs typeface="Lucida Console" panose="020B0609040504020204" pitchFamily="49" charset="0"/>
+              </a:rPr>
+              <a:t>-</a:t>
+            </a:r>
+            <a:r>
+              <a:rPr lang="en-US" dirty="0" err="1">
+                <a:solidFill>
+                  <a:srgbClr val="BFBF00"/>
+                </a:solidFill>
+                <a:latin typeface="Lucida Console" panose="020B0609040504020204" pitchFamily="49" charset="0"/>
+                <a:ea typeface="Calibri" panose="020F0502020204030204" pitchFamily="34" charset="0"/>
+                <a:cs typeface="Lucida Console" panose="020B0609040504020204" pitchFamily="49" charset="0"/>
+              </a:rPr>
+              <a:t>SetUp</a:t>
+            </a:r>
+            <a:r>
+              <a:rPr lang="en-US" dirty="0">
+                <a:solidFill>
+                  <a:srgbClr val="BFBF00"/>
+                </a:solidFill>
+                <a:latin typeface="Lucida Console" panose="020B0609040504020204" pitchFamily="49" charset="0"/>
+                <a:ea typeface="Calibri" panose="020F0502020204030204" pitchFamily="34" charset="0"/>
+                <a:cs typeface="Lucida Console" panose="020B0609040504020204" pitchFamily="49" charset="0"/>
+              </a:rPr>
+              <a:t>-Help</a:t>
+            </a:r>
+            <a:r>
+              <a:rPr lang="en-US" dirty="0">
+                <a:solidFill>
+                  <a:srgbClr val="00BFBF"/>
+                </a:solidFill>
+                <a:latin typeface="Lucida Console" panose="020B0609040504020204" pitchFamily="49" charset="0"/>
+                <a:ea typeface="Calibri" panose="020F0502020204030204" pitchFamily="34" charset="0"/>
+                <a:cs typeface="Lucida Console" panose="020B0609040504020204" pitchFamily="49" charset="0"/>
+              </a:rPr>
+              <a:t> (</a:t>
+            </a:r>
+            <a:r>
+              <a:rPr lang="en-US" dirty="0" err="1">
+                <a:solidFill>
+                  <a:srgbClr val="00BFBF"/>
+                </a:solidFill>
+                <a:latin typeface="Lucida Console" panose="020B0609040504020204" pitchFamily="49" charset="0"/>
+                <a:ea typeface="Calibri" panose="020F0502020204030204" pitchFamily="34" charset="0"/>
+                <a:cs typeface="Lucida Console" panose="020B0609040504020204" pitchFamily="49" charset="0"/>
+              </a:rPr>
+              <a:t>contentAsMarkdown</a:t>
+            </a:r>
+            <a:r>
+              <a:rPr lang="en-US" dirty="0">
+                <a:solidFill>
+                  <a:srgbClr val="00BFBF"/>
+                </a:solidFill>
+                <a:latin typeface="Lucida Console" panose="020B0609040504020204" pitchFamily="49" charset="0"/>
+                <a:ea typeface="Calibri" panose="020F0502020204030204" pitchFamily="34" charset="0"/>
+                <a:cs typeface="Lucida Console" panose="020B0609040504020204" pitchFamily="49" charset="0"/>
+              </a:rPr>
+              <a:t>)</a:t>
+            </a:r>
+            <a:endParaRPr lang="en-US" dirty="0">
+              <a:latin typeface="Calibri" panose="020F0502020204030204" pitchFamily="34" charset="0"/>
+              <a:ea typeface="Calibri" panose="020F0502020204030204" pitchFamily="34" charset="0"/>
+              <a:cs typeface="Times New Roman" panose="02020603050405020304" pitchFamily="18" charset="0"/>
+            </a:endParaRPr>
+          </a:p>
+          <a:p>
+            <a:pPr>
+              <a:lnSpc>
+                <a:spcPct val="107000"/>
+              </a:lnSpc>
+            </a:pPr>
+            <a:r>
+              <a:rPr lang="en-US" dirty="0">
+                <a:latin typeface="Lucida Console" panose="020B0609040504020204" pitchFamily="49" charset="0"/>
+                <a:ea typeface="Calibri" panose="020F0502020204030204" pitchFamily="34" charset="0"/>
+                <a:cs typeface="Lucida Console" panose="020B0609040504020204" pitchFamily="49" charset="0"/>
+              </a:rPr>
+              <a:t>$ </a:t>
+            </a:r>
+            <a:r>
+              <a:rPr lang="en-US" dirty="0" err="1">
+                <a:latin typeface="Lucida Console" panose="020B0609040504020204" pitchFamily="49" charset="0"/>
+                <a:ea typeface="Calibri" panose="020F0502020204030204" pitchFamily="34" charset="0"/>
+                <a:cs typeface="Lucida Console" panose="020B0609040504020204" pitchFamily="49" charset="0"/>
+              </a:rPr>
+              <a:t>git</a:t>
+            </a:r>
+            <a:r>
+              <a:rPr lang="en-US" dirty="0">
+                <a:latin typeface="Lucida Console" panose="020B0609040504020204" pitchFamily="49" charset="0"/>
+                <a:ea typeface="Calibri" panose="020F0502020204030204" pitchFamily="34" charset="0"/>
+                <a:cs typeface="Lucida Console" panose="020B0609040504020204" pitchFamily="49" charset="0"/>
+              </a:rPr>
+              <a:t> merge master</a:t>
+            </a:r>
+            <a:endParaRPr lang="en-US" dirty="0">
+              <a:latin typeface="Calibri" panose="020F0502020204030204" pitchFamily="34" charset="0"/>
+              <a:ea typeface="Calibri" panose="020F0502020204030204" pitchFamily="34" charset="0"/>
+              <a:cs typeface="Times New Roman" panose="02020603050405020304" pitchFamily="18" charset="0"/>
+            </a:endParaRPr>
+          </a:p>
+          <a:p>
+            <a:pPr>
+              <a:lnSpc>
+                <a:spcPct val="107000"/>
+              </a:lnSpc>
+            </a:pPr>
+            <a:r>
+              <a:rPr lang="en-US" dirty="0">
+                <a:latin typeface="Lucida Console" panose="020B0609040504020204" pitchFamily="49" charset="0"/>
+                <a:ea typeface="Calibri" panose="020F0502020204030204" pitchFamily="34" charset="0"/>
+                <a:cs typeface="Lucida Console" panose="020B0609040504020204" pitchFamily="49" charset="0"/>
+              </a:rPr>
+              <a:t>Already up-to-date.</a:t>
+            </a:r>
+            <a:endParaRPr lang="en-US" dirty="0">
+              <a:latin typeface="Calibri" panose="020F0502020204030204" pitchFamily="34" charset="0"/>
+              <a:ea typeface="Calibri" panose="020F0502020204030204" pitchFamily="34" charset="0"/>
+              <a:cs typeface="Times New Roman" panose="02020603050405020304" pitchFamily="18" charset="0"/>
+            </a:endParaRPr>
+          </a:p>
+          <a:p>
+            <a:pPr>
+              <a:lnSpc>
+                <a:spcPct val="107000"/>
+              </a:lnSpc>
+            </a:pPr>
+            <a:r>
+              <a:rPr lang="en-US" dirty="0">
+                <a:latin typeface="Lucida Console" panose="020B0609040504020204" pitchFamily="49" charset="0"/>
+                <a:ea typeface="Calibri" panose="020F0502020204030204" pitchFamily="34" charset="0"/>
+                <a:cs typeface="Lucida Console" panose="020B0609040504020204" pitchFamily="49" charset="0"/>
+              </a:rPr>
+              <a:t> </a:t>
+            </a:r>
+            <a:endParaRPr lang="en-US" dirty="0">
+              <a:latin typeface="Calibri" panose="020F0502020204030204" pitchFamily="34" charset="0"/>
+              <a:ea typeface="Calibri" panose="020F0502020204030204" pitchFamily="34" charset="0"/>
+              <a:cs typeface="Times New Roman" panose="02020603050405020304" pitchFamily="18" charset="0"/>
+            </a:endParaRPr>
+          </a:p>
+          <a:p>
+            <a:pPr>
+              <a:lnSpc>
+                <a:spcPct val="107000"/>
+              </a:lnSpc>
+            </a:pPr>
+            <a:r>
+              <a:rPr lang="en-US" dirty="0">
+                <a:solidFill>
+                  <a:srgbClr val="00BF00"/>
+                </a:solidFill>
+                <a:latin typeface="Lucida Console" panose="020B0609040504020204" pitchFamily="49" charset="0"/>
+                <a:ea typeface="Calibri" panose="020F0502020204030204" pitchFamily="34" charset="0"/>
+                <a:cs typeface="Lucida Console" panose="020B0609040504020204" pitchFamily="49" charset="0"/>
+              </a:rPr>
+              <a:t>Mitch@Win7-PC </a:t>
+            </a:r>
+            <a:r>
+              <a:rPr lang="en-US" dirty="0">
+                <a:solidFill>
+                  <a:srgbClr val="BF00BF"/>
+                </a:solidFill>
+                <a:latin typeface="Lucida Console" panose="020B0609040504020204" pitchFamily="49" charset="0"/>
+                <a:ea typeface="Calibri" panose="020F0502020204030204" pitchFamily="34" charset="0"/>
+                <a:cs typeface="Lucida Console" panose="020B0609040504020204" pitchFamily="49" charset="0"/>
+              </a:rPr>
+              <a:t>MINGW64 </a:t>
+            </a:r>
+            <a:r>
+              <a:rPr lang="en-US" dirty="0">
+                <a:solidFill>
+                  <a:srgbClr val="BFBF00"/>
+                </a:solidFill>
+                <a:latin typeface="Lucida Console" panose="020B0609040504020204" pitchFamily="49" charset="0"/>
+                <a:ea typeface="Calibri" panose="020F0502020204030204" pitchFamily="34" charset="0"/>
+                <a:cs typeface="Lucida Console" panose="020B0609040504020204" pitchFamily="49" charset="0"/>
+              </a:rPr>
+              <a:t>~/Documents/</a:t>
+            </a:r>
+            <a:r>
+              <a:rPr lang="en-US" dirty="0" err="1">
+                <a:solidFill>
+                  <a:srgbClr val="BFBF00"/>
+                </a:solidFill>
+                <a:latin typeface="Lucida Console" panose="020B0609040504020204" pitchFamily="49" charset="0"/>
+                <a:ea typeface="Calibri" panose="020F0502020204030204" pitchFamily="34" charset="0"/>
+                <a:cs typeface="Lucida Console" panose="020B0609040504020204" pitchFamily="49" charset="0"/>
+              </a:rPr>
+              <a:t>Git_Repo</a:t>
+            </a:r>
+            <a:r>
+              <a:rPr lang="en-US" dirty="0">
+                <a:solidFill>
+                  <a:srgbClr val="BFBF00"/>
+                </a:solidFill>
+                <a:latin typeface="Lucida Console" panose="020B0609040504020204" pitchFamily="49" charset="0"/>
+                <a:ea typeface="Calibri" panose="020F0502020204030204" pitchFamily="34" charset="0"/>
+                <a:cs typeface="Lucida Console" panose="020B0609040504020204" pitchFamily="49" charset="0"/>
+              </a:rPr>
+              <a:t>/</a:t>
+            </a:r>
+            <a:r>
+              <a:rPr lang="en-US" dirty="0" err="1">
+                <a:solidFill>
+                  <a:srgbClr val="BFBF00"/>
+                </a:solidFill>
+                <a:latin typeface="Lucida Console" panose="020B0609040504020204" pitchFamily="49" charset="0"/>
+                <a:ea typeface="Calibri" panose="020F0502020204030204" pitchFamily="34" charset="0"/>
+                <a:cs typeface="Lucida Console" panose="020B0609040504020204" pitchFamily="49" charset="0"/>
+              </a:rPr>
+              <a:t>DevEnv</a:t>
+            </a:r>
+            <a:r>
+              <a:rPr lang="en-US" dirty="0">
+                <a:solidFill>
+                  <a:srgbClr val="BFBF00"/>
+                </a:solidFill>
+                <a:latin typeface="Lucida Console" panose="020B0609040504020204" pitchFamily="49" charset="0"/>
+                <a:ea typeface="Calibri" panose="020F0502020204030204" pitchFamily="34" charset="0"/>
+                <a:cs typeface="Lucida Console" panose="020B0609040504020204" pitchFamily="49" charset="0"/>
+              </a:rPr>
+              <a:t>-</a:t>
+            </a:r>
+            <a:r>
+              <a:rPr lang="en-US" dirty="0" err="1">
+                <a:solidFill>
+                  <a:srgbClr val="BFBF00"/>
+                </a:solidFill>
+                <a:latin typeface="Lucida Console" panose="020B0609040504020204" pitchFamily="49" charset="0"/>
+                <a:ea typeface="Calibri" panose="020F0502020204030204" pitchFamily="34" charset="0"/>
+                <a:cs typeface="Lucida Console" panose="020B0609040504020204" pitchFamily="49" charset="0"/>
+              </a:rPr>
+              <a:t>SetUp</a:t>
+            </a:r>
+            <a:r>
+              <a:rPr lang="en-US" dirty="0">
+                <a:solidFill>
+                  <a:srgbClr val="BFBF00"/>
+                </a:solidFill>
+                <a:latin typeface="Lucida Console" panose="020B0609040504020204" pitchFamily="49" charset="0"/>
+                <a:ea typeface="Calibri" panose="020F0502020204030204" pitchFamily="34" charset="0"/>
+                <a:cs typeface="Lucida Console" panose="020B0609040504020204" pitchFamily="49" charset="0"/>
+              </a:rPr>
+              <a:t>-Help</a:t>
+            </a:r>
+            <a:r>
+              <a:rPr lang="en-US" dirty="0">
+                <a:solidFill>
+                  <a:srgbClr val="00BFBF"/>
+                </a:solidFill>
+                <a:latin typeface="Lucida Console" panose="020B0609040504020204" pitchFamily="49" charset="0"/>
+                <a:ea typeface="Calibri" panose="020F0502020204030204" pitchFamily="34" charset="0"/>
+                <a:cs typeface="Lucida Console" panose="020B0609040504020204" pitchFamily="49" charset="0"/>
+              </a:rPr>
+              <a:t> (</a:t>
+            </a:r>
+            <a:r>
+              <a:rPr lang="en-US" dirty="0" err="1">
+                <a:solidFill>
+                  <a:srgbClr val="00BFBF"/>
+                </a:solidFill>
+                <a:latin typeface="Lucida Console" panose="020B0609040504020204" pitchFamily="49" charset="0"/>
+                <a:ea typeface="Calibri" panose="020F0502020204030204" pitchFamily="34" charset="0"/>
+                <a:cs typeface="Lucida Console" panose="020B0609040504020204" pitchFamily="49" charset="0"/>
+              </a:rPr>
+              <a:t>contentAsMarkdown</a:t>
+            </a:r>
+            <a:r>
+              <a:rPr lang="en-US" dirty="0">
+                <a:solidFill>
+                  <a:srgbClr val="00BFBF"/>
+                </a:solidFill>
+                <a:latin typeface="Lucida Console" panose="020B0609040504020204" pitchFamily="49" charset="0"/>
+                <a:ea typeface="Calibri" panose="020F0502020204030204" pitchFamily="34" charset="0"/>
+                <a:cs typeface="Lucida Console" panose="020B0609040504020204" pitchFamily="49" charset="0"/>
+              </a:rPr>
+              <a:t>)</a:t>
+            </a:r>
+            <a:endParaRPr lang="en-US" dirty="0">
+              <a:latin typeface="Calibri" panose="020F0502020204030204" pitchFamily="34" charset="0"/>
+              <a:ea typeface="Calibri" panose="020F0502020204030204" pitchFamily="34" charset="0"/>
+              <a:cs typeface="Times New Roman" panose="02020603050405020304" pitchFamily="18" charset="0"/>
+            </a:endParaRPr>
+          </a:p>
+          <a:p>
+            <a:pPr>
+              <a:lnSpc>
+                <a:spcPct val="107000"/>
+              </a:lnSpc>
+            </a:pPr>
+            <a:r>
+              <a:rPr lang="en-US" dirty="0">
+                <a:latin typeface="Lucida Console" panose="020B0609040504020204" pitchFamily="49" charset="0"/>
+                <a:ea typeface="Calibri" panose="020F0502020204030204" pitchFamily="34" charset="0"/>
+                <a:cs typeface="Lucida Console" panose="020B0609040504020204" pitchFamily="49" charset="0"/>
+              </a:rPr>
+              <a:t>$ </a:t>
+            </a:r>
+            <a:r>
+              <a:rPr lang="en-US" dirty="0" err="1">
+                <a:latin typeface="Lucida Console" panose="020B0609040504020204" pitchFamily="49" charset="0"/>
+                <a:ea typeface="Calibri" panose="020F0502020204030204" pitchFamily="34" charset="0"/>
+                <a:cs typeface="Lucida Console" panose="020B0609040504020204" pitchFamily="49" charset="0"/>
+              </a:rPr>
+              <a:t>git</a:t>
+            </a:r>
+            <a:r>
+              <a:rPr lang="en-US" dirty="0">
+                <a:latin typeface="Lucida Console" panose="020B0609040504020204" pitchFamily="49" charset="0"/>
+                <a:ea typeface="Calibri" panose="020F0502020204030204" pitchFamily="34" charset="0"/>
+                <a:cs typeface="Lucida Console" panose="020B0609040504020204" pitchFamily="49" charset="0"/>
+              </a:rPr>
+              <a:t> checkout master</a:t>
+            </a:r>
+            <a:endParaRPr lang="en-US" dirty="0">
+              <a:latin typeface="Calibri" panose="020F0502020204030204" pitchFamily="34" charset="0"/>
+              <a:ea typeface="Calibri" panose="020F0502020204030204" pitchFamily="34" charset="0"/>
+              <a:cs typeface="Times New Roman" panose="02020603050405020304" pitchFamily="18" charset="0"/>
+            </a:endParaRPr>
+          </a:p>
+          <a:p>
+            <a:pPr>
+              <a:lnSpc>
+                <a:spcPct val="107000"/>
+              </a:lnSpc>
+            </a:pPr>
+            <a:r>
+              <a:rPr lang="en-US" dirty="0">
+                <a:latin typeface="Lucida Console" panose="020B0609040504020204" pitchFamily="49" charset="0"/>
+                <a:ea typeface="Calibri" panose="020F0502020204030204" pitchFamily="34" charset="0"/>
+                <a:cs typeface="Lucida Console" panose="020B0609040504020204" pitchFamily="49" charset="0"/>
+              </a:rPr>
+              <a:t>Switched to branch 'master'</a:t>
+            </a:r>
+            <a:endParaRPr lang="en-US" dirty="0">
+              <a:latin typeface="Calibri" panose="020F0502020204030204" pitchFamily="34" charset="0"/>
+              <a:ea typeface="Calibri" panose="020F0502020204030204" pitchFamily="34" charset="0"/>
+              <a:cs typeface="Times New Roman" panose="02020603050405020304" pitchFamily="18" charset="0"/>
+            </a:endParaRPr>
+          </a:p>
+          <a:p>
+            <a:pPr>
+              <a:lnSpc>
+                <a:spcPct val="107000"/>
+              </a:lnSpc>
+            </a:pPr>
+            <a:r>
+              <a:rPr lang="en-US" dirty="0">
+                <a:latin typeface="Lucida Console" panose="020B0609040504020204" pitchFamily="49" charset="0"/>
+                <a:ea typeface="Calibri" panose="020F0502020204030204" pitchFamily="34" charset="0"/>
+                <a:cs typeface="Lucida Console" panose="020B0609040504020204" pitchFamily="49" charset="0"/>
+              </a:rPr>
+              <a:t>Your branch is ahead of 'origin/master' by 3 commits.</a:t>
+            </a:r>
+            <a:endParaRPr lang="en-US" dirty="0">
+              <a:latin typeface="Calibri" panose="020F0502020204030204" pitchFamily="34" charset="0"/>
+              <a:ea typeface="Calibri" panose="020F0502020204030204" pitchFamily="34" charset="0"/>
+              <a:cs typeface="Times New Roman" panose="02020603050405020304" pitchFamily="18" charset="0"/>
+            </a:endParaRPr>
+          </a:p>
+          <a:p>
+            <a:pPr>
+              <a:lnSpc>
+                <a:spcPct val="107000"/>
+              </a:lnSpc>
+            </a:pPr>
+            <a:r>
+              <a:rPr lang="en-US" dirty="0">
+                <a:latin typeface="Lucida Console" panose="020B0609040504020204" pitchFamily="49" charset="0"/>
+                <a:ea typeface="Calibri" panose="020F0502020204030204" pitchFamily="34" charset="0"/>
+                <a:cs typeface="Lucida Console" panose="020B0609040504020204" pitchFamily="49" charset="0"/>
+              </a:rPr>
+              <a:t>  (use "</a:t>
+            </a:r>
+            <a:r>
+              <a:rPr lang="en-US" dirty="0" err="1">
+                <a:latin typeface="Lucida Console" panose="020B0609040504020204" pitchFamily="49" charset="0"/>
+                <a:ea typeface="Calibri" panose="020F0502020204030204" pitchFamily="34" charset="0"/>
+                <a:cs typeface="Lucida Console" panose="020B0609040504020204" pitchFamily="49" charset="0"/>
+              </a:rPr>
+              <a:t>git</a:t>
+            </a:r>
+            <a:r>
+              <a:rPr lang="en-US" dirty="0">
+                <a:latin typeface="Lucida Console" panose="020B0609040504020204" pitchFamily="49" charset="0"/>
+                <a:ea typeface="Calibri" panose="020F0502020204030204" pitchFamily="34" charset="0"/>
+                <a:cs typeface="Lucida Console" panose="020B0609040504020204" pitchFamily="49" charset="0"/>
+              </a:rPr>
+              <a:t> push" to publish your local commits)</a:t>
+            </a:r>
+            <a:endParaRPr lang="en-US" dirty="0">
+              <a:latin typeface="Calibri" panose="020F0502020204030204" pitchFamily="34" charset="0"/>
+              <a:ea typeface="Calibri" panose="020F0502020204030204" pitchFamily="34" charset="0"/>
+              <a:cs typeface="Times New Roman" panose="02020603050405020304" pitchFamily="18" charset="0"/>
+            </a:endParaRPr>
+          </a:p>
+          <a:p>
+            <a:pPr>
+              <a:lnSpc>
+                <a:spcPct val="107000"/>
+              </a:lnSpc>
+            </a:pPr>
+            <a:r>
+              <a:rPr lang="en-US" dirty="0">
+                <a:latin typeface="Lucida Console" panose="020B0609040504020204" pitchFamily="49" charset="0"/>
+                <a:ea typeface="Calibri" panose="020F0502020204030204" pitchFamily="34" charset="0"/>
+                <a:cs typeface="Lucida Console" panose="020B0609040504020204" pitchFamily="49" charset="0"/>
+              </a:rPr>
+              <a:t> </a:t>
+            </a:r>
+            <a:endParaRPr lang="en-US" dirty="0">
+              <a:latin typeface="Calibri" panose="020F0502020204030204" pitchFamily="34" charset="0"/>
+              <a:ea typeface="Calibri" panose="020F0502020204030204" pitchFamily="34" charset="0"/>
+              <a:cs typeface="Times New Roman" panose="02020603050405020304" pitchFamily="18" charset="0"/>
+            </a:endParaRPr>
+          </a:p>
+          <a:p>
+            <a:pPr>
+              <a:lnSpc>
+                <a:spcPct val="107000"/>
+              </a:lnSpc>
+            </a:pPr>
+            <a:r>
+              <a:rPr lang="en-US" dirty="0">
+                <a:solidFill>
+                  <a:srgbClr val="00BF00"/>
+                </a:solidFill>
+                <a:latin typeface="Lucida Console" panose="020B0609040504020204" pitchFamily="49" charset="0"/>
+                <a:ea typeface="Calibri" panose="020F0502020204030204" pitchFamily="34" charset="0"/>
+                <a:cs typeface="Lucida Console" panose="020B0609040504020204" pitchFamily="49" charset="0"/>
+              </a:rPr>
+              <a:t>Mitch@Win7-PC </a:t>
+            </a:r>
+            <a:r>
+              <a:rPr lang="en-US" dirty="0">
+                <a:solidFill>
+                  <a:srgbClr val="BF00BF"/>
+                </a:solidFill>
+                <a:latin typeface="Lucida Console" panose="020B0609040504020204" pitchFamily="49" charset="0"/>
+                <a:ea typeface="Calibri" panose="020F0502020204030204" pitchFamily="34" charset="0"/>
+                <a:cs typeface="Lucida Console" panose="020B0609040504020204" pitchFamily="49" charset="0"/>
+              </a:rPr>
+              <a:t>MINGW64 </a:t>
+            </a:r>
+            <a:r>
+              <a:rPr lang="en-US" dirty="0">
+                <a:solidFill>
+                  <a:srgbClr val="BFBF00"/>
+                </a:solidFill>
+                <a:latin typeface="Lucida Console" panose="020B0609040504020204" pitchFamily="49" charset="0"/>
+                <a:ea typeface="Calibri" panose="020F0502020204030204" pitchFamily="34" charset="0"/>
+                <a:cs typeface="Lucida Console" panose="020B0609040504020204" pitchFamily="49" charset="0"/>
+              </a:rPr>
+              <a:t>~/Documents/</a:t>
+            </a:r>
+            <a:r>
+              <a:rPr lang="en-US" dirty="0" err="1">
+                <a:solidFill>
+                  <a:srgbClr val="BFBF00"/>
+                </a:solidFill>
+                <a:latin typeface="Lucida Console" panose="020B0609040504020204" pitchFamily="49" charset="0"/>
+                <a:ea typeface="Calibri" panose="020F0502020204030204" pitchFamily="34" charset="0"/>
+                <a:cs typeface="Lucida Console" panose="020B0609040504020204" pitchFamily="49" charset="0"/>
+              </a:rPr>
+              <a:t>Git_Repo</a:t>
+            </a:r>
+            <a:r>
+              <a:rPr lang="en-US" dirty="0">
+                <a:solidFill>
+                  <a:srgbClr val="BFBF00"/>
+                </a:solidFill>
+                <a:latin typeface="Lucida Console" panose="020B0609040504020204" pitchFamily="49" charset="0"/>
+                <a:ea typeface="Calibri" panose="020F0502020204030204" pitchFamily="34" charset="0"/>
+                <a:cs typeface="Lucida Console" panose="020B0609040504020204" pitchFamily="49" charset="0"/>
+              </a:rPr>
+              <a:t>/</a:t>
+            </a:r>
+            <a:r>
+              <a:rPr lang="en-US" dirty="0" err="1">
+                <a:solidFill>
+                  <a:srgbClr val="BFBF00"/>
+                </a:solidFill>
+                <a:latin typeface="Lucida Console" panose="020B0609040504020204" pitchFamily="49" charset="0"/>
+                <a:ea typeface="Calibri" panose="020F0502020204030204" pitchFamily="34" charset="0"/>
+                <a:cs typeface="Lucida Console" panose="020B0609040504020204" pitchFamily="49" charset="0"/>
+              </a:rPr>
+              <a:t>DevEnv</a:t>
+            </a:r>
+            <a:r>
+              <a:rPr lang="en-US" dirty="0">
+                <a:solidFill>
+                  <a:srgbClr val="BFBF00"/>
+                </a:solidFill>
+                <a:latin typeface="Lucida Console" panose="020B0609040504020204" pitchFamily="49" charset="0"/>
+                <a:ea typeface="Calibri" panose="020F0502020204030204" pitchFamily="34" charset="0"/>
+                <a:cs typeface="Lucida Console" panose="020B0609040504020204" pitchFamily="49" charset="0"/>
+              </a:rPr>
+              <a:t>-</a:t>
+            </a:r>
+            <a:r>
+              <a:rPr lang="en-US" dirty="0" err="1">
+                <a:solidFill>
+                  <a:srgbClr val="BFBF00"/>
+                </a:solidFill>
+                <a:latin typeface="Lucida Console" panose="020B0609040504020204" pitchFamily="49" charset="0"/>
+                <a:ea typeface="Calibri" panose="020F0502020204030204" pitchFamily="34" charset="0"/>
+                <a:cs typeface="Lucida Console" panose="020B0609040504020204" pitchFamily="49" charset="0"/>
+              </a:rPr>
+              <a:t>SetUp</a:t>
+            </a:r>
+            <a:r>
+              <a:rPr lang="en-US" dirty="0">
+                <a:solidFill>
+                  <a:srgbClr val="BFBF00"/>
+                </a:solidFill>
+                <a:latin typeface="Lucida Console" panose="020B0609040504020204" pitchFamily="49" charset="0"/>
+                <a:ea typeface="Calibri" panose="020F0502020204030204" pitchFamily="34" charset="0"/>
+                <a:cs typeface="Lucida Console" panose="020B0609040504020204" pitchFamily="49" charset="0"/>
+              </a:rPr>
+              <a:t>-Help</a:t>
+            </a:r>
+            <a:r>
+              <a:rPr lang="en-US" dirty="0">
+                <a:solidFill>
+                  <a:srgbClr val="00BFBF"/>
+                </a:solidFill>
+                <a:latin typeface="Lucida Console" panose="020B0609040504020204" pitchFamily="49" charset="0"/>
+                <a:ea typeface="Calibri" panose="020F0502020204030204" pitchFamily="34" charset="0"/>
+                <a:cs typeface="Lucida Console" panose="020B0609040504020204" pitchFamily="49" charset="0"/>
+              </a:rPr>
+              <a:t> (master)</a:t>
+            </a:r>
+            <a:endParaRPr lang="en-US" dirty="0">
+              <a:latin typeface="Calibri" panose="020F0502020204030204" pitchFamily="34" charset="0"/>
+              <a:ea typeface="Calibri" panose="020F0502020204030204" pitchFamily="34" charset="0"/>
+              <a:cs typeface="Times New Roman" panose="02020603050405020304" pitchFamily="18" charset="0"/>
+            </a:endParaRPr>
+          </a:p>
+          <a:p>
+            <a:pPr>
+              <a:lnSpc>
+                <a:spcPct val="107000"/>
+              </a:lnSpc>
+            </a:pPr>
+            <a:r>
+              <a:rPr lang="en-US" dirty="0">
+                <a:latin typeface="Lucida Console" panose="020B0609040504020204" pitchFamily="49" charset="0"/>
+                <a:ea typeface="Calibri" panose="020F0502020204030204" pitchFamily="34" charset="0"/>
+                <a:cs typeface="Lucida Console" panose="020B0609040504020204" pitchFamily="49" charset="0"/>
+              </a:rPr>
+              <a:t>$ </a:t>
+            </a:r>
+            <a:r>
+              <a:rPr lang="en-US" dirty="0" err="1">
+                <a:latin typeface="Lucida Console" panose="020B0609040504020204" pitchFamily="49" charset="0"/>
+                <a:ea typeface="Calibri" panose="020F0502020204030204" pitchFamily="34" charset="0"/>
+                <a:cs typeface="Lucida Console" panose="020B0609040504020204" pitchFamily="49" charset="0"/>
+              </a:rPr>
+              <a:t>git</a:t>
+            </a:r>
+            <a:r>
+              <a:rPr lang="en-US" dirty="0">
+                <a:latin typeface="Lucida Console" panose="020B0609040504020204" pitchFamily="49" charset="0"/>
+                <a:ea typeface="Calibri" panose="020F0502020204030204" pitchFamily="34" charset="0"/>
+                <a:cs typeface="Lucida Console" panose="020B0609040504020204" pitchFamily="49" charset="0"/>
+              </a:rPr>
+              <a:t> branch</a:t>
+            </a:r>
+            <a:endParaRPr lang="en-US" dirty="0">
+              <a:latin typeface="Calibri" panose="020F0502020204030204" pitchFamily="34" charset="0"/>
+              <a:ea typeface="Calibri" panose="020F0502020204030204" pitchFamily="34" charset="0"/>
+              <a:cs typeface="Times New Roman" panose="02020603050405020304" pitchFamily="18" charset="0"/>
+            </a:endParaRPr>
+          </a:p>
+          <a:p>
+            <a:pPr>
+              <a:lnSpc>
+                <a:spcPct val="107000"/>
+              </a:lnSpc>
+            </a:pPr>
+            <a:r>
+              <a:rPr lang="en-US" dirty="0">
+                <a:latin typeface="Lucida Console" panose="020B0609040504020204" pitchFamily="49" charset="0"/>
+                <a:ea typeface="Calibri" panose="020F0502020204030204" pitchFamily="34" charset="0"/>
+                <a:cs typeface="Lucida Console" panose="020B0609040504020204" pitchFamily="49" charset="0"/>
+              </a:rPr>
+              <a:t>  </a:t>
+            </a:r>
+            <a:r>
+              <a:rPr lang="en-US" dirty="0" err="1">
+                <a:latin typeface="Lucida Console" panose="020B0609040504020204" pitchFamily="49" charset="0"/>
+                <a:ea typeface="Calibri" panose="020F0502020204030204" pitchFamily="34" charset="0"/>
+                <a:cs typeface="Lucida Console" panose="020B0609040504020204" pitchFamily="49" charset="0"/>
+              </a:rPr>
+              <a:t>contentAsMarkdown</a:t>
+            </a:r>
+            <a:endParaRPr lang="en-US" dirty="0">
+              <a:latin typeface="Calibri" panose="020F0502020204030204" pitchFamily="34" charset="0"/>
+              <a:ea typeface="Calibri" panose="020F0502020204030204" pitchFamily="34" charset="0"/>
+              <a:cs typeface="Times New Roman" panose="02020603050405020304" pitchFamily="18" charset="0"/>
+            </a:endParaRPr>
+          </a:p>
+          <a:p>
+            <a:pPr>
+              <a:lnSpc>
+                <a:spcPct val="107000"/>
+              </a:lnSpc>
+            </a:pPr>
+            <a:r>
+              <a:rPr lang="en-US" dirty="0">
+                <a:latin typeface="Lucida Console" panose="020B0609040504020204" pitchFamily="49" charset="0"/>
+                <a:ea typeface="Calibri" panose="020F0502020204030204" pitchFamily="34" charset="0"/>
+                <a:cs typeface="Lucida Console" panose="020B0609040504020204" pitchFamily="49" charset="0"/>
+              </a:rPr>
+              <a:t>* </a:t>
+            </a:r>
+            <a:r>
+              <a:rPr lang="en-US" dirty="0">
+                <a:solidFill>
+                  <a:srgbClr val="00BF00"/>
+                </a:solidFill>
+                <a:latin typeface="Lucida Console" panose="020B0609040504020204" pitchFamily="49" charset="0"/>
+                <a:ea typeface="Calibri" panose="020F0502020204030204" pitchFamily="34" charset="0"/>
+                <a:cs typeface="Lucida Console" panose="020B0609040504020204" pitchFamily="49" charset="0"/>
+              </a:rPr>
+              <a:t>master</a:t>
+            </a:r>
+            <a:endParaRPr lang="en-US" dirty="0">
+              <a:latin typeface="Calibri" panose="020F0502020204030204" pitchFamily="34" charset="0"/>
+              <a:ea typeface="Calibri" panose="020F0502020204030204" pitchFamily="34" charset="0"/>
+              <a:cs typeface="Times New Roman" panose="02020603050405020304" pitchFamily="18" charset="0"/>
+            </a:endParaRPr>
+          </a:p>
+          <a:p>
+            <a:pPr>
+              <a:lnSpc>
+                <a:spcPct val="107000"/>
+              </a:lnSpc>
+            </a:pPr>
+            <a:endParaRPr lang="en-US" dirty="0" smtClean="0">
+              <a:solidFill>
+                <a:srgbClr val="00BF00"/>
+              </a:solidFill>
+              <a:latin typeface="Lucida Console" panose="020B0609040504020204" pitchFamily="49" charset="0"/>
+              <a:ea typeface="Calibri" panose="020F0502020204030204" pitchFamily="34" charset="0"/>
+              <a:cs typeface="Lucida Console" panose="020B0609040504020204" pitchFamily="49" charset="0"/>
+            </a:endParaRPr>
+          </a:p>
+          <a:p>
+            <a:pPr>
+              <a:lnSpc>
+                <a:spcPct val="107000"/>
+              </a:lnSpc>
+            </a:pPr>
+            <a:r>
+              <a:rPr lang="en-US" dirty="0" smtClean="0">
+                <a:solidFill>
+                  <a:srgbClr val="00BF00"/>
+                </a:solidFill>
+                <a:latin typeface="Lucida Console" panose="020B0609040504020204" pitchFamily="49" charset="0"/>
+                <a:ea typeface="Calibri" panose="020F0502020204030204" pitchFamily="34" charset="0"/>
+                <a:cs typeface="Lucida Console" panose="020B0609040504020204" pitchFamily="49" charset="0"/>
+              </a:rPr>
+              <a:t>Mitch@Win7-PC </a:t>
+            </a:r>
+            <a:r>
+              <a:rPr lang="en-US" dirty="0">
+                <a:solidFill>
+                  <a:srgbClr val="BF00BF"/>
+                </a:solidFill>
+                <a:latin typeface="Lucida Console" panose="020B0609040504020204" pitchFamily="49" charset="0"/>
+                <a:ea typeface="Calibri" panose="020F0502020204030204" pitchFamily="34" charset="0"/>
+                <a:cs typeface="Lucida Console" panose="020B0609040504020204" pitchFamily="49" charset="0"/>
+              </a:rPr>
+              <a:t>MINGW64 </a:t>
+            </a:r>
+            <a:r>
+              <a:rPr lang="en-US" dirty="0">
+                <a:solidFill>
+                  <a:srgbClr val="BFBF00"/>
+                </a:solidFill>
+                <a:latin typeface="Lucida Console" panose="020B0609040504020204" pitchFamily="49" charset="0"/>
+                <a:ea typeface="Calibri" panose="020F0502020204030204" pitchFamily="34" charset="0"/>
+                <a:cs typeface="Lucida Console" panose="020B0609040504020204" pitchFamily="49" charset="0"/>
+              </a:rPr>
+              <a:t>~/Documents/</a:t>
+            </a:r>
+            <a:r>
+              <a:rPr lang="en-US" dirty="0" err="1">
+                <a:solidFill>
+                  <a:srgbClr val="BFBF00"/>
+                </a:solidFill>
+                <a:latin typeface="Lucida Console" panose="020B0609040504020204" pitchFamily="49" charset="0"/>
+                <a:ea typeface="Calibri" panose="020F0502020204030204" pitchFamily="34" charset="0"/>
+                <a:cs typeface="Lucida Console" panose="020B0609040504020204" pitchFamily="49" charset="0"/>
+              </a:rPr>
+              <a:t>Git_Repo</a:t>
+            </a:r>
+            <a:r>
+              <a:rPr lang="en-US" dirty="0">
+                <a:solidFill>
+                  <a:srgbClr val="BFBF00"/>
+                </a:solidFill>
+                <a:latin typeface="Lucida Console" panose="020B0609040504020204" pitchFamily="49" charset="0"/>
+                <a:ea typeface="Calibri" panose="020F0502020204030204" pitchFamily="34" charset="0"/>
+                <a:cs typeface="Lucida Console" panose="020B0609040504020204" pitchFamily="49" charset="0"/>
+              </a:rPr>
+              <a:t>/</a:t>
+            </a:r>
+            <a:r>
+              <a:rPr lang="en-US" dirty="0" err="1">
+                <a:solidFill>
+                  <a:srgbClr val="BFBF00"/>
+                </a:solidFill>
+                <a:latin typeface="Lucida Console" panose="020B0609040504020204" pitchFamily="49" charset="0"/>
+                <a:ea typeface="Calibri" panose="020F0502020204030204" pitchFamily="34" charset="0"/>
+                <a:cs typeface="Lucida Console" panose="020B0609040504020204" pitchFamily="49" charset="0"/>
+              </a:rPr>
+              <a:t>DevEnv</a:t>
+            </a:r>
+            <a:r>
+              <a:rPr lang="en-US" dirty="0">
+                <a:solidFill>
+                  <a:srgbClr val="BFBF00"/>
+                </a:solidFill>
+                <a:latin typeface="Lucida Console" panose="020B0609040504020204" pitchFamily="49" charset="0"/>
+                <a:ea typeface="Calibri" panose="020F0502020204030204" pitchFamily="34" charset="0"/>
+                <a:cs typeface="Lucida Console" panose="020B0609040504020204" pitchFamily="49" charset="0"/>
+              </a:rPr>
+              <a:t>-</a:t>
+            </a:r>
+            <a:r>
+              <a:rPr lang="en-US" dirty="0" err="1">
+                <a:solidFill>
+                  <a:srgbClr val="BFBF00"/>
+                </a:solidFill>
+                <a:latin typeface="Lucida Console" panose="020B0609040504020204" pitchFamily="49" charset="0"/>
+                <a:ea typeface="Calibri" panose="020F0502020204030204" pitchFamily="34" charset="0"/>
+                <a:cs typeface="Lucida Console" panose="020B0609040504020204" pitchFamily="49" charset="0"/>
+              </a:rPr>
+              <a:t>SetUp</a:t>
+            </a:r>
+            <a:r>
+              <a:rPr lang="en-US" dirty="0">
+                <a:solidFill>
+                  <a:srgbClr val="BFBF00"/>
+                </a:solidFill>
+                <a:latin typeface="Lucida Console" panose="020B0609040504020204" pitchFamily="49" charset="0"/>
+                <a:ea typeface="Calibri" panose="020F0502020204030204" pitchFamily="34" charset="0"/>
+                <a:cs typeface="Lucida Console" panose="020B0609040504020204" pitchFamily="49" charset="0"/>
+              </a:rPr>
+              <a:t>-Help</a:t>
+            </a:r>
+            <a:r>
+              <a:rPr lang="en-US" dirty="0">
+                <a:solidFill>
+                  <a:srgbClr val="00BFBF"/>
+                </a:solidFill>
+                <a:latin typeface="Lucida Console" panose="020B0609040504020204" pitchFamily="49" charset="0"/>
+                <a:ea typeface="Calibri" panose="020F0502020204030204" pitchFamily="34" charset="0"/>
+                <a:cs typeface="Lucida Console" panose="020B0609040504020204" pitchFamily="49" charset="0"/>
+              </a:rPr>
+              <a:t> (</a:t>
+            </a:r>
+            <a:r>
+              <a:rPr lang="en-US" dirty="0" err="1">
+                <a:solidFill>
+                  <a:srgbClr val="00BFBF"/>
+                </a:solidFill>
+                <a:latin typeface="Lucida Console" panose="020B0609040504020204" pitchFamily="49" charset="0"/>
+                <a:ea typeface="Calibri" panose="020F0502020204030204" pitchFamily="34" charset="0"/>
+                <a:cs typeface="Lucida Console" panose="020B0609040504020204" pitchFamily="49" charset="0"/>
+              </a:rPr>
+              <a:t>contentAsMarkdown</a:t>
+            </a:r>
+            <a:r>
+              <a:rPr lang="en-US" dirty="0">
+                <a:solidFill>
+                  <a:srgbClr val="00BFBF"/>
+                </a:solidFill>
+                <a:latin typeface="Lucida Console" panose="020B0609040504020204" pitchFamily="49" charset="0"/>
+                <a:ea typeface="Calibri" panose="020F0502020204030204" pitchFamily="34" charset="0"/>
+                <a:cs typeface="Lucida Console" panose="020B0609040504020204" pitchFamily="49" charset="0"/>
+              </a:rPr>
+              <a:t>)</a:t>
+            </a:r>
+            <a:endParaRPr lang="en-US" dirty="0">
+              <a:latin typeface="Calibri" panose="020F0502020204030204" pitchFamily="34" charset="0"/>
+              <a:ea typeface="Calibri" panose="020F0502020204030204" pitchFamily="34" charset="0"/>
+              <a:cs typeface="Times New Roman" panose="02020603050405020304" pitchFamily="18" charset="0"/>
+            </a:endParaRPr>
+          </a:p>
+          <a:p>
+            <a:pPr>
+              <a:lnSpc>
+                <a:spcPct val="107000"/>
+              </a:lnSpc>
+            </a:pPr>
+            <a:r>
+              <a:rPr lang="en-US" dirty="0">
+                <a:latin typeface="Lucida Console" panose="020B0609040504020204" pitchFamily="49" charset="0"/>
+                <a:ea typeface="Calibri" panose="020F0502020204030204" pitchFamily="34" charset="0"/>
+                <a:cs typeface="Lucida Console" panose="020B0609040504020204" pitchFamily="49" charset="0"/>
+              </a:rPr>
+              <a:t>$ </a:t>
+            </a:r>
+            <a:r>
+              <a:rPr lang="en-US" dirty="0" err="1">
+                <a:latin typeface="Lucida Console" panose="020B0609040504020204" pitchFamily="49" charset="0"/>
+                <a:ea typeface="Calibri" panose="020F0502020204030204" pitchFamily="34" charset="0"/>
+                <a:cs typeface="Lucida Console" panose="020B0609040504020204" pitchFamily="49" charset="0"/>
+              </a:rPr>
+              <a:t>git</a:t>
+            </a:r>
+            <a:r>
+              <a:rPr lang="en-US" dirty="0">
+                <a:latin typeface="Lucida Console" panose="020B0609040504020204" pitchFamily="49" charset="0"/>
+                <a:ea typeface="Calibri" panose="020F0502020204030204" pitchFamily="34" charset="0"/>
+                <a:cs typeface="Lucida Console" panose="020B0609040504020204" pitchFamily="49" charset="0"/>
+              </a:rPr>
+              <a:t> checkout master</a:t>
+            </a:r>
+            <a:endParaRPr lang="en-US" dirty="0">
+              <a:latin typeface="Calibri" panose="020F0502020204030204" pitchFamily="34" charset="0"/>
+              <a:ea typeface="Calibri" panose="020F0502020204030204" pitchFamily="34" charset="0"/>
+              <a:cs typeface="Times New Roman" panose="02020603050405020304" pitchFamily="18" charset="0"/>
+            </a:endParaRPr>
+          </a:p>
+          <a:p>
+            <a:pPr>
+              <a:lnSpc>
+                <a:spcPct val="107000"/>
+              </a:lnSpc>
+            </a:pPr>
+            <a:r>
+              <a:rPr lang="en-US" dirty="0">
+                <a:latin typeface="Lucida Console" panose="020B0609040504020204" pitchFamily="49" charset="0"/>
+                <a:ea typeface="Calibri" panose="020F0502020204030204" pitchFamily="34" charset="0"/>
+                <a:cs typeface="Lucida Console" panose="020B0609040504020204" pitchFamily="49" charset="0"/>
+              </a:rPr>
+              <a:t>Switched to branch 'master'</a:t>
+            </a:r>
+            <a:endParaRPr lang="en-US" dirty="0">
+              <a:latin typeface="Calibri" panose="020F0502020204030204" pitchFamily="34" charset="0"/>
+              <a:ea typeface="Calibri" panose="020F0502020204030204" pitchFamily="34" charset="0"/>
+              <a:cs typeface="Times New Roman" panose="02020603050405020304" pitchFamily="18" charset="0"/>
+            </a:endParaRPr>
+          </a:p>
+          <a:p>
+            <a:pPr>
+              <a:lnSpc>
+                <a:spcPct val="107000"/>
+              </a:lnSpc>
+            </a:pPr>
+            <a:r>
+              <a:rPr lang="en-US" dirty="0">
+                <a:latin typeface="Lucida Console" panose="020B0609040504020204" pitchFamily="49" charset="0"/>
+                <a:ea typeface="Calibri" panose="020F0502020204030204" pitchFamily="34" charset="0"/>
+                <a:cs typeface="Lucida Console" panose="020B0609040504020204" pitchFamily="49" charset="0"/>
+              </a:rPr>
+              <a:t>Your branch is ahead of 'origin/master' by 3 commits.</a:t>
+            </a:r>
+            <a:endParaRPr lang="en-US" dirty="0">
+              <a:latin typeface="Calibri" panose="020F0502020204030204" pitchFamily="34" charset="0"/>
+              <a:ea typeface="Calibri" panose="020F0502020204030204" pitchFamily="34" charset="0"/>
+              <a:cs typeface="Times New Roman" panose="02020603050405020304" pitchFamily="18" charset="0"/>
+            </a:endParaRPr>
+          </a:p>
+          <a:p>
+            <a:pPr>
+              <a:lnSpc>
+                <a:spcPct val="107000"/>
+              </a:lnSpc>
+            </a:pPr>
+            <a:r>
+              <a:rPr lang="en-US" dirty="0">
+                <a:latin typeface="Lucida Console" panose="020B0609040504020204" pitchFamily="49" charset="0"/>
+                <a:ea typeface="Calibri" panose="020F0502020204030204" pitchFamily="34" charset="0"/>
+                <a:cs typeface="Lucida Console" panose="020B0609040504020204" pitchFamily="49" charset="0"/>
+              </a:rPr>
+              <a:t>  (use "</a:t>
+            </a:r>
+            <a:r>
+              <a:rPr lang="en-US" dirty="0" err="1">
+                <a:latin typeface="Lucida Console" panose="020B0609040504020204" pitchFamily="49" charset="0"/>
+                <a:ea typeface="Calibri" panose="020F0502020204030204" pitchFamily="34" charset="0"/>
+                <a:cs typeface="Lucida Console" panose="020B0609040504020204" pitchFamily="49" charset="0"/>
+              </a:rPr>
+              <a:t>git</a:t>
+            </a:r>
+            <a:r>
+              <a:rPr lang="en-US" dirty="0">
+                <a:latin typeface="Lucida Console" panose="020B0609040504020204" pitchFamily="49" charset="0"/>
+                <a:ea typeface="Calibri" panose="020F0502020204030204" pitchFamily="34" charset="0"/>
+                <a:cs typeface="Lucida Console" panose="020B0609040504020204" pitchFamily="49" charset="0"/>
+              </a:rPr>
+              <a:t> push" to publish your local commits)</a:t>
+            </a:r>
+            <a:endParaRPr lang="en-US" dirty="0">
+              <a:latin typeface="Calibri" panose="020F0502020204030204" pitchFamily="34" charset="0"/>
+              <a:ea typeface="Calibri" panose="020F0502020204030204" pitchFamily="34" charset="0"/>
+              <a:cs typeface="Times New Roman" panose="02020603050405020304" pitchFamily="18" charset="0"/>
+            </a:endParaRPr>
+          </a:p>
+          <a:p>
+            <a:pPr>
+              <a:lnSpc>
+                <a:spcPct val="107000"/>
+              </a:lnSpc>
+            </a:pPr>
+            <a:r>
+              <a:rPr lang="en-US" dirty="0">
+                <a:latin typeface="Lucida Console" panose="020B0609040504020204" pitchFamily="49" charset="0"/>
+                <a:ea typeface="Calibri" panose="020F0502020204030204" pitchFamily="34" charset="0"/>
+                <a:cs typeface="Lucida Console" panose="020B0609040504020204" pitchFamily="49" charset="0"/>
+              </a:rPr>
+              <a:t> </a:t>
+            </a:r>
+            <a:endParaRPr lang="en-US" dirty="0">
+              <a:latin typeface="Calibri" panose="020F0502020204030204" pitchFamily="34" charset="0"/>
+              <a:ea typeface="Calibri" panose="020F0502020204030204" pitchFamily="34" charset="0"/>
+              <a:cs typeface="Times New Roman" panose="02020603050405020304" pitchFamily="18" charset="0"/>
+            </a:endParaRPr>
+          </a:p>
+          <a:p>
+            <a:pPr>
+              <a:lnSpc>
+                <a:spcPct val="107000"/>
+              </a:lnSpc>
+            </a:pPr>
+            <a:r>
+              <a:rPr lang="en-US" dirty="0">
+                <a:solidFill>
+                  <a:srgbClr val="00BF00"/>
+                </a:solidFill>
+                <a:latin typeface="Lucida Console" panose="020B0609040504020204" pitchFamily="49" charset="0"/>
+                <a:ea typeface="Calibri" panose="020F0502020204030204" pitchFamily="34" charset="0"/>
+                <a:cs typeface="Lucida Console" panose="020B0609040504020204" pitchFamily="49" charset="0"/>
+              </a:rPr>
+              <a:t>Mitch@Win7-PC </a:t>
+            </a:r>
+            <a:r>
+              <a:rPr lang="en-US" dirty="0">
+                <a:solidFill>
+                  <a:srgbClr val="BF00BF"/>
+                </a:solidFill>
+                <a:latin typeface="Lucida Console" panose="020B0609040504020204" pitchFamily="49" charset="0"/>
+                <a:ea typeface="Calibri" panose="020F0502020204030204" pitchFamily="34" charset="0"/>
+                <a:cs typeface="Lucida Console" panose="020B0609040504020204" pitchFamily="49" charset="0"/>
+              </a:rPr>
+              <a:t>MINGW64 </a:t>
+            </a:r>
+            <a:r>
+              <a:rPr lang="en-US" dirty="0">
+                <a:solidFill>
+                  <a:srgbClr val="BFBF00"/>
+                </a:solidFill>
+                <a:latin typeface="Lucida Console" panose="020B0609040504020204" pitchFamily="49" charset="0"/>
+                <a:ea typeface="Calibri" panose="020F0502020204030204" pitchFamily="34" charset="0"/>
+                <a:cs typeface="Lucida Console" panose="020B0609040504020204" pitchFamily="49" charset="0"/>
+              </a:rPr>
+              <a:t>~/Documents/</a:t>
+            </a:r>
+            <a:r>
+              <a:rPr lang="en-US" dirty="0" err="1">
+                <a:solidFill>
+                  <a:srgbClr val="BFBF00"/>
+                </a:solidFill>
+                <a:latin typeface="Lucida Console" panose="020B0609040504020204" pitchFamily="49" charset="0"/>
+                <a:ea typeface="Calibri" panose="020F0502020204030204" pitchFamily="34" charset="0"/>
+                <a:cs typeface="Lucida Console" panose="020B0609040504020204" pitchFamily="49" charset="0"/>
+              </a:rPr>
+              <a:t>Git_Repo</a:t>
+            </a:r>
+            <a:r>
+              <a:rPr lang="en-US" dirty="0">
+                <a:solidFill>
+                  <a:srgbClr val="BFBF00"/>
+                </a:solidFill>
+                <a:latin typeface="Lucida Console" panose="020B0609040504020204" pitchFamily="49" charset="0"/>
+                <a:ea typeface="Calibri" panose="020F0502020204030204" pitchFamily="34" charset="0"/>
+                <a:cs typeface="Lucida Console" panose="020B0609040504020204" pitchFamily="49" charset="0"/>
+              </a:rPr>
+              <a:t>/</a:t>
+            </a:r>
+            <a:r>
+              <a:rPr lang="en-US" dirty="0" err="1">
+                <a:solidFill>
+                  <a:srgbClr val="BFBF00"/>
+                </a:solidFill>
+                <a:latin typeface="Lucida Console" panose="020B0609040504020204" pitchFamily="49" charset="0"/>
+                <a:ea typeface="Calibri" panose="020F0502020204030204" pitchFamily="34" charset="0"/>
+                <a:cs typeface="Lucida Console" panose="020B0609040504020204" pitchFamily="49" charset="0"/>
+              </a:rPr>
+              <a:t>DevEnv</a:t>
+            </a:r>
+            <a:r>
+              <a:rPr lang="en-US" dirty="0">
+                <a:solidFill>
+                  <a:srgbClr val="BFBF00"/>
+                </a:solidFill>
+                <a:latin typeface="Lucida Console" panose="020B0609040504020204" pitchFamily="49" charset="0"/>
+                <a:ea typeface="Calibri" panose="020F0502020204030204" pitchFamily="34" charset="0"/>
+                <a:cs typeface="Lucida Console" panose="020B0609040504020204" pitchFamily="49" charset="0"/>
+              </a:rPr>
+              <a:t>-</a:t>
+            </a:r>
+            <a:r>
+              <a:rPr lang="en-US" dirty="0" err="1">
+                <a:solidFill>
+                  <a:srgbClr val="BFBF00"/>
+                </a:solidFill>
+                <a:latin typeface="Lucida Console" panose="020B0609040504020204" pitchFamily="49" charset="0"/>
+                <a:ea typeface="Calibri" panose="020F0502020204030204" pitchFamily="34" charset="0"/>
+                <a:cs typeface="Lucida Console" panose="020B0609040504020204" pitchFamily="49" charset="0"/>
+              </a:rPr>
+              <a:t>SetUp</a:t>
+            </a:r>
+            <a:r>
+              <a:rPr lang="en-US" dirty="0">
+                <a:solidFill>
+                  <a:srgbClr val="BFBF00"/>
+                </a:solidFill>
+                <a:latin typeface="Lucida Console" panose="020B0609040504020204" pitchFamily="49" charset="0"/>
+                <a:ea typeface="Calibri" panose="020F0502020204030204" pitchFamily="34" charset="0"/>
+                <a:cs typeface="Lucida Console" panose="020B0609040504020204" pitchFamily="49" charset="0"/>
+              </a:rPr>
+              <a:t>-Help</a:t>
+            </a:r>
+            <a:r>
+              <a:rPr lang="en-US" dirty="0">
+                <a:solidFill>
+                  <a:srgbClr val="00BFBF"/>
+                </a:solidFill>
+                <a:latin typeface="Lucida Console" panose="020B0609040504020204" pitchFamily="49" charset="0"/>
+                <a:ea typeface="Calibri" panose="020F0502020204030204" pitchFamily="34" charset="0"/>
+                <a:cs typeface="Lucida Console" panose="020B0609040504020204" pitchFamily="49" charset="0"/>
+              </a:rPr>
+              <a:t> (master)</a:t>
+            </a:r>
+            <a:endParaRPr lang="en-US" dirty="0">
+              <a:latin typeface="Calibri" panose="020F0502020204030204" pitchFamily="34" charset="0"/>
+              <a:ea typeface="Calibri" panose="020F0502020204030204" pitchFamily="34" charset="0"/>
+              <a:cs typeface="Times New Roman" panose="02020603050405020304" pitchFamily="18" charset="0"/>
+            </a:endParaRPr>
+          </a:p>
+          <a:p>
+            <a:pPr>
+              <a:lnSpc>
+                <a:spcPct val="107000"/>
+              </a:lnSpc>
+            </a:pPr>
+            <a:r>
+              <a:rPr lang="en-US" dirty="0">
+                <a:latin typeface="Lucida Console" panose="020B0609040504020204" pitchFamily="49" charset="0"/>
+                <a:ea typeface="Calibri" panose="020F0502020204030204" pitchFamily="34" charset="0"/>
+                <a:cs typeface="Lucida Console" panose="020B0609040504020204" pitchFamily="49" charset="0"/>
+              </a:rPr>
+              <a:t>$ </a:t>
+            </a:r>
+            <a:r>
+              <a:rPr lang="en-US" dirty="0" err="1">
+                <a:latin typeface="Lucida Console" panose="020B0609040504020204" pitchFamily="49" charset="0"/>
+                <a:ea typeface="Calibri" panose="020F0502020204030204" pitchFamily="34" charset="0"/>
+                <a:cs typeface="Lucida Console" panose="020B0609040504020204" pitchFamily="49" charset="0"/>
+              </a:rPr>
+              <a:t>git</a:t>
+            </a:r>
+            <a:r>
+              <a:rPr lang="en-US" dirty="0">
+                <a:latin typeface="Lucida Console" panose="020B0609040504020204" pitchFamily="49" charset="0"/>
+                <a:ea typeface="Calibri" panose="020F0502020204030204" pitchFamily="34" charset="0"/>
+                <a:cs typeface="Lucida Console" panose="020B0609040504020204" pitchFamily="49" charset="0"/>
+              </a:rPr>
+              <a:t> branch</a:t>
+            </a:r>
+            <a:endParaRPr lang="en-US" dirty="0">
+              <a:latin typeface="Calibri" panose="020F0502020204030204" pitchFamily="34" charset="0"/>
+              <a:ea typeface="Calibri" panose="020F0502020204030204" pitchFamily="34" charset="0"/>
+              <a:cs typeface="Times New Roman" panose="02020603050405020304" pitchFamily="18" charset="0"/>
+            </a:endParaRPr>
+          </a:p>
+          <a:p>
+            <a:pPr>
+              <a:lnSpc>
+                <a:spcPct val="107000"/>
+              </a:lnSpc>
+            </a:pPr>
+            <a:r>
+              <a:rPr lang="en-US" dirty="0">
+                <a:latin typeface="Lucida Console" panose="020B0609040504020204" pitchFamily="49" charset="0"/>
+                <a:ea typeface="Calibri" panose="020F0502020204030204" pitchFamily="34" charset="0"/>
+                <a:cs typeface="Lucida Console" panose="020B0609040504020204" pitchFamily="49" charset="0"/>
+              </a:rPr>
+              <a:t>  </a:t>
+            </a:r>
+            <a:r>
+              <a:rPr lang="en-US" dirty="0" err="1">
+                <a:latin typeface="Lucida Console" panose="020B0609040504020204" pitchFamily="49" charset="0"/>
+                <a:ea typeface="Calibri" panose="020F0502020204030204" pitchFamily="34" charset="0"/>
+                <a:cs typeface="Lucida Console" panose="020B0609040504020204" pitchFamily="49" charset="0"/>
+              </a:rPr>
+              <a:t>contentAsMarkdown</a:t>
+            </a:r>
+            <a:endParaRPr lang="en-US" dirty="0">
+              <a:latin typeface="Calibri" panose="020F0502020204030204" pitchFamily="34" charset="0"/>
+              <a:ea typeface="Calibri" panose="020F0502020204030204" pitchFamily="34" charset="0"/>
+              <a:cs typeface="Times New Roman" panose="02020603050405020304" pitchFamily="18" charset="0"/>
+            </a:endParaRPr>
+          </a:p>
+          <a:p>
+            <a:pPr>
+              <a:lnSpc>
+                <a:spcPct val="107000"/>
+              </a:lnSpc>
+            </a:pPr>
+            <a:r>
+              <a:rPr lang="en-US" dirty="0">
+                <a:latin typeface="Lucida Console" panose="020B0609040504020204" pitchFamily="49" charset="0"/>
+                <a:ea typeface="Calibri" panose="020F0502020204030204" pitchFamily="34" charset="0"/>
+                <a:cs typeface="Lucida Console" panose="020B0609040504020204" pitchFamily="49" charset="0"/>
+              </a:rPr>
+              <a:t>* </a:t>
+            </a:r>
+            <a:r>
+              <a:rPr lang="en-US" dirty="0">
+                <a:solidFill>
+                  <a:srgbClr val="00BF00"/>
+                </a:solidFill>
+                <a:latin typeface="Lucida Console" panose="020B0609040504020204" pitchFamily="49" charset="0"/>
+                <a:ea typeface="Calibri" panose="020F0502020204030204" pitchFamily="34" charset="0"/>
+                <a:cs typeface="Lucida Console" panose="020B0609040504020204" pitchFamily="49" charset="0"/>
+              </a:rPr>
+              <a:t>master</a:t>
+            </a:r>
+            <a:endParaRPr lang="en-US" dirty="0">
+              <a:latin typeface="Calibri" panose="020F0502020204030204" pitchFamily="34" charset="0"/>
+              <a:ea typeface="Calibri" panose="020F0502020204030204" pitchFamily="34" charset="0"/>
+              <a:cs typeface="Times New Roman" panose="02020603050405020304" pitchFamily="18" charset="0"/>
+            </a:endParaRPr>
+          </a:p>
+        </p:txBody>
+      </p:sp>
+    </p:spTree>
+    <p:extLst>
+      <p:ext uri="{BB962C8B-B14F-4D97-AF65-F5344CB8AC3E}">
+        <p14:creationId xmlns:p14="http://schemas.microsoft.com/office/powerpoint/2010/main" val="4123146614"/>
       </p:ext>
     </p:extLst>
   </p:cSld>

--- a/GitHub_win7/Git Branching Example - Lesson3.pptx
+++ b/GitHub_win7/Git Branching Example - Lesson3.pptx
@@ -6029,9 +6029,21 @@
           <a:p>
             <a:r>
               <a:rPr lang="en-US" dirty="0"/>
-              <a:t># Git-Update-Online-Repo.sh</a:t>
-            </a:r>
-            <a:endParaRPr lang="en-US" dirty="0" smtClean="0"/>
+              <a:t># </a:t>
+            </a:r>
+            <a:r>
+              <a:rPr lang="en-US" b="1" dirty="0">
+                <a:solidFill>
+                  <a:srgbClr val="0070C0"/>
+                </a:solidFill>
+              </a:rPr>
+              <a:t>Git-Update-Online-Repo.sh</a:t>
+            </a:r>
+            <a:endParaRPr lang="en-US" b="1" dirty="0" smtClean="0">
+              <a:solidFill>
+                <a:srgbClr val="0070C0"/>
+              </a:solidFill>
+            </a:endParaRPr>
           </a:p>
           <a:p>
             <a:r>
@@ -6134,7 +6146,15 @@
           <a:p>
             <a:r>
               <a:rPr lang="en-US" dirty="0"/>
-              <a:t># Git-Commit-Local-Repo.sh</a:t>
+              <a:t># </a:t>
+            </a:r>
+            <a:r>
+              <a:rPr lang="en-US" b="1" dirty="0">
+                <a:solidFill>
+                  <a:srgbClr val="0070C0"/>
+                </a:solidFill>
+              </a:rPr>
+              <a:t>Git-Commit-Local-Repo.sh</a:t>
             </a:r>
           </a:p>
           <a:p>
